--- a/FRC/2019/Pathfinding/Pathfinding.pptx
+++ b/FRC/2019/Pathfinding/Pathfinding.pptx
@@ -7,24 +7,28 @@
   <p:sldIdLst>
     <p:sldId id="256" r:id="rId2"/>
     <p:sldId id="270" r:id="rId3"/>
-    <p:sldId id="294" r:id="rId4"/>
-    <p:sldId id="257" r:id="rId5"/>
-    <p:sldId id="278" r:id="rId6"/>
-    <p:sldId id="279" r:id="rId7"/>
-    <p:sldId id="280" r:id="rId8"/>
-    <p:sldId id="281" r:id="rId9"/>
-    <p:sldId id="282" r:id="rId10"/>
-    <p:sldId id="283" r:id="rId11"/>
-    <p:sldId id="284" r:id="rId12"/>
-    <p:sldId id="285" r:id="rId13"/>
-    <p:sldId id="286" r:id="rId14"/>
-    <p:sldId id="287" r:id="rId15"/>
-    <p:sldId id="288" r:id="rId16"/>
-    <p:sldId id="289" r:id="rId17"/>
-    <p:sldId id="290" r:id="rId18"/>
-    <p:sldId id="291" r:id="rId19"/>
-    <p:sldId id="292" r:id="rId20"/>
-    <p:sldId id="293" r:id="rId21"/>
+    <p:sldId id="295" r:id="rId4"/>
+    <p:sldId id="294" r:id="rId5"/>
+    <p:sldId id="296" r:id="rId6"/>
+    <p:sldId id="297" r:id="rId7"/>
+    <p:sldId id="298" r:id="rId8"/>
+    <p:sldId id="299" r:id="rId9"/>
+    <p:sldId id="300" r:id="rId10"/>
+    <p:sldId id="301" r:id="rId11"/>
+    <p:sldId id="302" r:id="rId12"/>
+    <p:sldId id="303" r:id="rId13"/>
+    <p:sldId id="304" r:id="rId14"/>
+    <p:sldId id="305" r:id="rId15"/>
+    <p:sldId id="306" r:id="rId16"/>
+    <p:sldId id="307" r:id="rId17"/>
+    <p:sldId id="308" r:id="rId18"/>
+    <p:sldId id="311" r:id="rId19"/>
+    <p:sldId id="314" r:id="rId20"/>
+    <p:sldId id="312" r:id="rId21"/>
+    <p:sldId id="313" r:id="rId22"/>
+    <p:sldId id="310" r:id="rId23"/>
+    <p:sldId id="315" r:id="rId24"/>
+    <p:sldId id="316" r:id="rId25"/>
   </p:sldIdLst>
   <p:sldSz cx="12192000" cy="6858000"/>
   <p:notesSz cx="6858000" cy="9144000"/>
@@ -317,7 +321,7 @@
           <a:p>
             <a:fld id="{48A87A34-81AB-432B-8DAE-1953F412C126}" type="datetimeFigureOut">
               <a:rPr lang="en-US" smtClean="0"/>
-              <a:t>11/9/2019</a:t>
+              <a:t>11/13/2019</a:t>
             </a:fld>
             <a:endParaRPr lang="en-US" dirty="0"/>
           </a:p>
@@ -593,7 +597,7 @@
             <a:fld id="{48A87A34-81AB-432B-8DAE-1953F412C126}" type="datetimeFigureOut">
               <a:rPr lang="en-US" smtClean="0"/>
               <a:pPr/>
-              <a:t>11/9/2019</a:t>
+              <a:t>11/13/2019</a:t>
             </a:fld>
             <a:endParaRPr lang="en-US" dirty="0"/>
           </a:p>
@@ -789,7 +793,7 @@
             <a:fld id="{48A87A34-81AB-432B-8DAE-1953F412C126}" type="datetimeFigureOut">
               <a:rPr lang="en-US" smtClean="0"/>
               <a:pPr/>
-              <a:t>11/9/2019</a:t>
+              <a:t>11/13/2019</a:t>
             </a:fld>
             <a:endParaRPr lang="en-US" dirty="0"/>
           </a:p>
@@ -1064,7 +1068,7 @@
             <a:fld id="{48A87A34-81AB-432B-8DAE-1953F412C126}" type="datetimeFigureOut">
               <a:rPr lang="en-US" smtClean="0"/>
               <a:pPr/>
-              <a:t>11/9/2019</a:t>
+              <a:t>11/13/2019</a:t>
             </a:fld>
             <a:endParaRPr lang="en-US" dirty="0"/>
           </a:p>
@@ -1407,7 +1411,7 @@
             <a:fld id="{48A87A34-81AB-432B-8DAE-1953F412C126}" type="datetimeFigureOut">
               <a:rPr lang="en-US" smtClean="0"/>
               <a:pPr/>
-              <a:t>11/9/2019</a:t>
+              <a:t>11/13/2019</a:t>
             </a:fld>
             <a:endParaRPr lang="en-US" dirty="0"/>
           </a:p>
@@ -2032,7 +2036,7 @@
             <a:fld id="{48A87A34-81AB-432B-8DAE-1953F412C126}" type="datetimeFigureOut">
               <a:rPr lang="en-US" smtClean="0"/>
               <a:pPr/>
-              <a:t>11/9/2019</a:t>
+              <a:t>11/13/2019</a:t>
             </a:fld>
             <a:endParaRPr lang="en-US" dirty="0"/>
           </a:p>
@@ -2894,7 +2898,7 @@
             <a:fld id="{48A87A34-81AB-432B-8DAE-1953F412C126}" type="datetimeFigureOut">
               <a:rPr lang="en-US" smtClean="0"/>
               <a:pPr/>
-              <a:t>11/9/2019</a:t>
+              <a:t>11/13/2019</a:t>
             </a:fld>
             <a:endParaRPr lang="en-US" dirty="0"/>
           </a:p>
@@ -3065,7 +3069,7 @@
           <a:p>
             <a:fld id="{48A87A34-81AB-432B-8DAE-1953F412C126}" type="datetimeFigureOut">
               <a:rPr lang="en-US" smtClean="0"/>
-              <a:t>11/9/2019</a:t>
+              <a:t>11/13/2019</a:t>
             </a:fld>
             <a:endParaRPr lang="en-US" dirty="0"/>
           </a:p>
@@ -3245,7 +3249,7 @@
           <a:p>
             <a:fld id="{48A87A34-81AB-432B-8DAE-1953F412C126}" type="datetimeFigureOut">
               <a:rPr lang="en-US" smtClean="0"/>
-              <a:t>11/9/2019</a:t>
+              <a:t>11/13/2019</a:t>
             </a:fld>
             <a:endParaRPr lang="en-US" dirty="0"/>
           </a:p>
@@ -3415,7 +3419,7 @@
           <a:p>
             <a:fld id="{48A87A34-81AB-432B-8DAE-1953F412C126}" type="datetimeFigureOut">
               <a:rPr lang="en-US" smtClean="0"/>
-              <a:t>11/9/2019</a:t>
+              <a:t>11/13/2019</a:t>
             </a:fld>
             <a:endParaRPr lang="en-US" dirty="0"/>
           </a:p>
@@ -3662,7 +3666,7 @@
           <a:p>
             <a:fld id="{48A87A34-81AB-432B-8DAE-1953F412C126}" type="datetimeFigureOut">
               <a:rPr lang="en-US" smtClean="0"/>
-              <a:t>11/9/2019</a:t>
+              <a:t>11/13/2019</a:t>
             </a:fld>
             <a:endParaRPr lang="en-US" dirty="0"/>
           </a:p>
@@ -3954,7 +3958,7 @@
           <a:p>
             <a:fld id="{48A87A34-81AB-432B-8DAE-1953F412C126}" type="datetimeFigureOut">
               <a:rPr lang="en-US" smtClean="0"/>
-              <a:t>11/9/2019</a:t>
+              <a:t>11/13/2019</a:t>
             </a:fld>
             <a:endParaRPr lang="en-US" dirty="0"/>
           </a:p>
@@ -4398,7 +4402,7 @@
           <a:p>
             <a:fld id="{48A87A34-81AB-432B-8DAE-1953F412C126}" type="datetimeFigureOut">
               <a:rPr lang="en-US" smtClean="0"/>
-              <a:t>11/9/2019</a:t>
+              <a:t>11/13/2019</a:t>
             </a:fld>
             <a:endParaRPr lang="en-US" dirty="0"/>
           </a:p>
@@ -4516,7 +4520,7 @@
           <a:p>
             <a:fld id="{48A87A34-81AB-432B-8DAE-1953F412C126}" type="datetimeFigureOut">
               <a:rPr lang="en-US" smtClean="0"/>
-              <a:t>11/9/2019</a:t>
+              <a:t>11/13/2019</a:t>
             </a:fld>
             <a:endParaRPr lang="en-US" dirty="0"/>
           </a:p>
@@ -4611,7 +4615,7 @@
           <a:p>
             <a:fld id="{48A87A34-81AB-432B-8DAE-1953F412C126}" type="datetimeFigureOut">
               <a:rPr lang="en-US" smtClean="0"/>
-              <a:t>11/9/2019</a:t>
+              <a:t>11/13/2019</a:t>
             </a:fld>
             <a:endParaRPr lang="en-US" dirty="0"/>
           </a:p>
@@ -4890,7 +4894,7 @@
           <a:p>
             <a:fld id="{48A87A34-81AB-432B-8DAE-1953F412C126}" type="datetimeFigureOut">
               <a:rPr lang="en-US" smtClean="0"/>
-              <a:t>11/9/2019</a:t>
+              <a:t>11/13/2019</a:t>
             </a:fld>
             <a:endParaRPr lang="en-US" dirty="0"/>
           </a:p>
@@ -5165,7 +5169,7 @@
           <a:p>
             <a:fld id="{48A87A34-81AB-432B-8DAE-1953F412C126}" type="datetimeFigureOut">
               <a:rPr lang="en-US" smtClean="0"/>
-              <a:t>11/9/2019</a:t>
+              <a:t>11/13/2019</a:t>
             </a:fld>
             <a:endParaRPr lang="en-US" dirty="0"/>
           </a:p>
@@ -5595,7 +5599,7 @@
             <a:fld id="{48A87A34-81AB-432B-8DAE-1953F412C126}" type="datetimeFigureOut">
               <a:rPr lang="en-US" smtClean="0"/>
               <a:pPr/>
-              <a:t>11/9/2019</a:t>
+              <a:t>11/13/2019</a:t>
             </a:fld>
             <a:endParaRPr lang="en-US" dirty="0"/>
           </a:p>
@@ -6147,8 +6151,12 @@
           <a:p>
             <a:pPr algn="ctr"/>
             <a:r>
-              <a:rPr lang="en-US" dirty="0"/>
-              <a:t>Arduinos, Jetsons, and PI, OH MY!</a:t>
+              <a:rPr lang="en-US" dirty="0" err="1"/>
+              <a:t>Jaci’s</a:t>
+            </a:r>
+            <a:r>
+              <a:rPr lang="en-US" dirty="0"/>
+              <a:t> Pathfinding</a:t>
             </a:r>
           </a:p>
         </p:txBody>
@@ -6171,7 +6179,9 @@
         </p:nvSpPr>
         <p:spPr/>
         <p:txBody>
-          <a:bodyPr/>
+          <a:bodyPr>
+            <a:normAutofit/>
+          </a:bodyPr>
           <a:lstStyle/>
           <a:p>
             <a:r>
@@ -6182,7 +6192,7 @@
           <a:p>
             <a:r>
               <a:rPr lang="en-US" dirty="0"/>
-              <a:t>Stealth 4089</a:t>
+              <a:t>The Whidbey Island Wild Cats 2980</a:t>
             </a:r>
           </a:p>
         </p:txBody>
@@ -6203,30 +6213,6 @@
 <file path=ppt/slides/slide10.xml><?xml version="1.0" encoding="utf-8"?>
 <p:sld xmlns:a="http://schemas.openxmlformats.org/drawingml/2006/main" xmlns:r="http://schemas.openxmlformats.org/officeDocument/2006/relationships" xmlns:p="http://schemas.openxmlformats.org/presentationml/2006/main">
   <p:cSld>
-    <p:bg>
-      <p:bgPr>
-        <a:blipFill>
-          <a:blip r:embed="rId2">
-            <a:duotone>
-              <a:schemeClr val="bg2">
-                <a:shade val="88000"/>
-                <a:hueMod val="106000"/>
-                <a:satMod val="140000"/>
-                <a:lumMod val="54000"/>
-              </a:schemeClr>
-              <a:schemeClr val="bg2">
-                <a:tint val="98000"/>
-                <a:hueMod val="82000"/>
-                <a:satMod val="150000"/>
-                <a:lumMod val="160000"/>
-              </a:schemeClr>
-            </a:duotone>
-          </a:blip>
-          <a:stretch/>
-        </a:blipFill>
-        <a:effectLst/>
-      </p:bgPr>
-    </p:bg>
     <p:spTree>
       <p:nvGrpSpPr>
         <p:cNvPr id="1" name=""/>
@@ -6246,7 +6232,7 @@
           <p:cNvPr id="2" name="Title 1">
             <a:extLst>
               <a:ext uri="{FF2B5EF4-FFF2-40B4-BE49-F238E27FC236}">
-                <a16:creationId xmlns:a16="http://schemas.microsoft.com/office/drawing/2014/main" id="{E66F26FB-D0A9-44D9-9FE2-5D66CB5DF77A}"/>
+                <a16:creationId xmlns:a16="http://schemas.microsoft.com/office/drawing/2014/main" id="{1C4D0ADC-C24B-45E4-9ADC-9AB04A59FCE4}"/>
               </a:ext>
             </a:extLst>
           </p:cNvPr>
@@ -6257,125 +6243,29 @@
             <p:ph type="title"/>
           </p:nvPr>
         </p:nvSpPr>
-        <p:spPr>
-          <a:xfrm>
-            <a:off x="7962519" y="618518"/>
-            <a:ext cx="3084891" cy="1478570"/>
-          </a:xfrm>
-        </p:spPr>
-        <p:txBody>
-          <a:bodyPr>
-            <a:normAutofit/>
-          </a:bodyPr>
-          <a:lstStyle/>
-          <a:p>
-            <a:r>
-              <a:rPr lang="en-US" sz="3200"/>
-              <a:t>SSH and PUTTY</a:t>
-            </a:r>
-          </a:p>
-        </p:txBody>
-      </p:sp>
-      <p:sp>
-        <p:nvSpPr>
-          <p:cNvPr id="3" name="Content Placeholder 2">
+        <p:spPr/>
+        <p:txBody>
+          <a:bodyPr/>
+          <a:lstStyle/>
+          <a:p>
+            <a:r>
+              <a:rPr lang="en-US" dirty="0"/>
+              <a:t>The </a:t>
+            </a:r>
+            <a:r>
+              <a:rPr lang="en-US" dirty="0" err="1"/>
+              <a:t>Pathweaver</a:t>
+            </a:r>
+            <a:endParaRPr lang="en-US" dirty="0"/>
+          </a:p>
+        </p:txBody>
+      </p:sp>
+      <p:sp>
+        <p:nvSpPr>
+          <p:cNvPr id="4" name="Rectangle 3">
             <a:extLst>
               <a:ext uri="{FF2B5EF4-FFF2-40B4-BE49-F238E27FC236}">
-                <a16:creationId xmlns:a16="http://schemas.microsoft.com/office/drawing/2014/main" id="{1544FA42-FEEE-438C-BCCF-4CD99F8AD542}"/>
-              </a:ext>
-            </a:extLst>
-          </p:cNvPr>
-          <p:cNvSpPr>
-            <a:spLocks noGrp="1"/>
-          </p:cNvSpPr>
-          <p:nvPr>
-            <p:ph idx="1"/>
-          </p:nvPr>
-        </p:nvSpPr>
-        <p:spPr>
-          <a:xfrm>
-            <a:off x="7962519" y="2249487"/>
-            <a:ext cx="3084892" cy="3541714"/>
-          </a:xfrm>
-        </p:spPr>
-        <p:txBody>
-          <a:bodyPr>
-            <a:normAutofit/>
-          </a:bodyPr>
-          <a:lstStyle/>
-          <a:p>
-            <a:r>
-              <a:rPr lang="en-US" sz="1800" dirty="0"/>
-              <a:t>A free Windows SSH client.</a:t>
-            </a:r>
-          </a:p>
-          <a:p>
-            <a:r>
-              <a:rPr lang="en-US" sz="1800" dirty="0"/>
-              <a:t>The address of the </a:t>
-            </a:r>
-            <a:r>
-              <a:rPr lang="en-US" sz="1800" dirty="0" err="1"/>
-              <a:t>Roborio</a:t>
-            </a:r>
-            <a:r>
-              <a:rPr lang="en-US" sz="1800" dirty="0"/>
-              <a:t> is </a:t>
-            </a:r>
-            <a:r>
-              <a:rPr lang="en-US" sz="1800" dirty="0" err="1"/>
-              <a:t>roborio</a:t>
-            </a:r>
-            <a:r>
-              <a:rPr lang="en-US" sz="1800" dirty="0"/>
-              <a:t>-team#-</a:t>
-            </a:r>
-            <a:r>
-              <a:rPr lang="en-US" sz="1800" dirty="0" err="1"/>
-              <a:t>frc.local</a:t>
-            </a:r>
-            <a:endParaRPr lang="en-US" sz="1800" dirty="0"/>
-          </a:p>
-          <a:p>
-            <a:endParaRPr lang="en-US" sz="1800" dirty="0"/>
-          </a:p>
-        </p:txBody>
-      </p:sp>
-      <p:pic>
-        <p:nvPicPr>
-          <p:cNvPr id="4" name="Picture 3">
-            <a:extLst>
-              <a:ext uri="{FF2B5EF4-FFF2-40B4-BE49-F238E27FC236}">
-                <a16:creationId xmlns:a16="http://schemas.microsoft.com/office/drawing/2014/main" id="{FCB03C88-DA8E-4213-A2B4-D07CE25E60CA}"/>
-              </a:ext>
-            </a:extLst>
-          </p:cNvPr>
-          <p:cNvPicPr>
-            <a:picLocks noChangeAspect="1"/>
-          </p:cNvPicPr>
-          <p:nvPr/>
-        </p:nvPicPr>
-        <p:blipFill rotWithShape="1">
-          <a:blip r:embed="rId3"/>
-          <a:srcRect r="588" b="1"/>
-          <a:stretch/>
-        </p:blipFill>
-        <p:spPr>
-          <a:xfrm>
-            <a:off x="1503735" y="463550"/>
-            <a:ext cx="6073022" cy="5510154"/>
-          </a:xfrm>
-          <a:prstGeom prst="rect">
-            <a:avLst/>
-          </a:prstGeom>
-        </p:spPr>
-      </p:pic>
-      <p:sp>
-        <p:nvSpPr>
-          <p:cNvPr id="68" name="Rectangle 67">
-            <a:extLst>
-              <a:ext uri="{FF2B5EF4-FFF2-40B4-BE49-F238E27FC236}">
-                <a16:creationId xmlns:a16="http://schemas.microsoft.com/office/drawing/2014/main" id="{A4BAA62A-8B29-4E42-89F6-0ACA29718157}"/>
+                <a16:creationId xmlns:a16="http://schemas.microsoft.com/office/drawing/2014/main" id="{5C84F44E-0421-40F0-B772-49D309B7DAD5}"/>
               </a:ext>
             </a:extLst>
           </p:cNvPr>
@@ -6404,10 +6294,65 @@
           </a:p>
         </p:txBody>
       </p:sp>
+      <p:sp>
+        <p:nvSpPr>
+          <p:cNvPr id="6" name="Content Placeholder 5">
+            <a:extLst>
+              <a:ext uri="{FF2B5EF4-FFF2-40B4-BE49-F238E27FC236}">
+                <a16:creationId xmlns:a16="http://schemas.microsoft.com/office/drawing/2014/main" id="{09AF33B5-BA75-4290-BA10-E5BB6B991F32}"/>
+              </a:ext>
+            </a:extLst>
+          </p:cNvPr>
+          <p:cNvSpPr>
+            <a:spLocks noGrp="1"/>
+          </p:cNvSpPr>
+          <p:nvPr>
+            <p:ph idx="1"/>
+          </p:nvPr>
+        </p:nvSpPr>
+        <p:spPr/>
+        <p:txBody>
+          <a:bodyPr/>
+          <a:lstStyle/>
+          <a:p>
+            <a:endParaRPr lang="en-US"/>
+          </a:p>
+        </p:txBody>
+      </p:sp>
+      <p:pic>
+        <p:nvPicPr>
+          <p:cNvPr id="8" name="Picture 7">
+            <a:extLst>
+              <a:ext uri="{FF2B5EF4-FFF2-40B4-BE49-F238E27FC236}">
+                <a16:creationId xmlns:a16="http://schemas.microsoft.com/office/drawing/2014/main" id="{6BCB435F-5A67-4D14-AC59-DC12949AE65A}"/>
+              </a:ext>
+            </a:extLst>
+          </p:cNvPr>
+          <p:cNvPicPr>
+            <a:picLocks noChangeAspect="1"/>
+          </p:cNvPicPr>
+          <p:nvPr/>
+        </p:nvPicPr>
+        <p:blipFill>
+          <a:blip r:embed="rId2"/>
+          <a:stretch>
+            <a:fillRect/>
+          </a:stretch>
+        </p:blipFill>
+        <p:spPr>
+          <a:xfrm>
+            <a:off x="1103312" y="1166579"/>
+            <a:ext cx="9018494" cy="5072903"/>
+          </a:xfrm>
+          <a:prstGeom prst="rect">
+            <a:avLst/>
+          </a:prstGeom>
+        </p:spPr>
+      </p:pic>
     </p:spTree>
     <p:extLst>
       <p:ext uri="{BB962C8B-B14F-4D97-AF65-F5344CB8AC3E}">
-        <p14:creationId xmlns:p14="http://schemas.microsoft.com/office/powerpoint/2010/main" val="562157689"/>
+        <p14:creationId xmlns:p14="http://schemas.microsoft.com/office/powerpoint/2010/main" val="3064061833"/>
       </p:ext>
     </p:extLst>
   </p:cSld>
@@ -6439,7 +6384,7 @@
           <p:cNvPr id="2" name="Title 1">
             <a:extLst>
               <a:ext uri="{FF2B5EF4-FFF2-40B4-BE49-F238E27FC236}">
-                <a16:creationId xmlns:a16="http://schemas.microsoft.com/office/drawing/2014/main" id="{4E433CC4-F59C-48C2-8133-3489F88079C9}"/>
+                <a16:creationId xmlns:a16="http://schemas.microsoft.com/office/drawing/2014/main" id="{1C4D0ADC-C24B-45E4-9ADC-9AB04A59FCE4}"/>
               </a:ext>
             </a:extLst>
           </p:cNvPr>
@@ -6457,8 +6402,13 @@
           <a:p>
             <a:r>
               <a:rPr lang="en-US" dirty="0"/>
-              <a:t>Arduino</a:t>
-            </a:r>
+              <a:t>The </a:t>
+            </a:r>
+            <a:r>
+              <a:rPr lang="en-US" dirty="0" err="1"/>
+              <a:t>Pathweaver</a:t>
+            </a:r>
+            <a:endParaRPr lang="en-US" dirty="0"/>
           </a:p>
         </p:txBody>
       </p:sp>
@@ -6467,7 +6417,7 @@
           <p:cNvPr id="3" name="Content Placeholder 2">
             <a:extLst>
               <a:ext uri="{FF2B5EF4-FFF2-40B4-BE49-F238E27FC236}">
-                <a16:creationId xmlns:a16="http://schemas.microsoft.com/office/drawing/2014/main" id="{E5FB6005-3431-417E-B666-90125A91E820}"/>
+                <a16:creationId xmlns:a16="http://schemas.microsoft.com/office/drawing/2014/main" id="{90408834-0F7E-446D-B3D1-217CD142B1A3}"/>
               </a:ext>
             </a:extLst>
           </p:cNvPr>
@@ -6487,124 +6437,41 @@
           <a:p>
             <a:r>
               <a:rPr lang="en-US" dirty="0"/>
-              <a:t>A lot of boards are named Arduino.  We will be talking about an UNO and a </a:t>
-            </a:r>
-            <a:r>
-              <a:rPr lang="en-US" dirty="0" err="1"/>
-              <a:t>Pololu</a:t>
-            </a:r>
-            <a:r>
-              <a:rPr lang="en-US" dirty="0"/>
-              <a:t> A-Star 32U4 Robot Controller.</a:t>
-            </a:r>
-          </a:p>
-          <a:p>
-            <a:r>
-              <a:rPr lang="en-US" dirty="0"/>
-              <a:t>5V tolerant devices.</a:t>
-            </a:r>
-          </a:p>
-          <a:p>
-            <a:r>
-              <a:rPr lang="en-US" dirty="0"/>
-              <a:t>I2C and UART communication.</a:t>
-            </a:r>
-          </a:p>
-          <a:p>
-            <a:r>
-              <a:rPr lang="en-US" dirty="0"/>
-              <a:t>Digitals pins, Analog pins.</a:t>
-            </a:r>
-          </a:p>
-          <a:p>
-            <a:r>
-              <a:rPr lang="en-US" dirty="0"/>
-              <a:t>No OS, very good at critical timing things.</a:t>
-            </a:r>
-          </a:p>
-          <a:p>
-            <a:r>
-              <a:rPr lang="en-US" dirty="0"/>
-              <a:t>LED rings and strips.</a:t>
-            </a:r>
-          </a:p>
-          <a:p>
-            <a:r>
-              <a:rPr lang="en-US" dirty="0"/>
-              <a:t>UNO barrel plug can handle 12V.  </a:t>
-            </a:r>
-          </a:p>
-          <a:p>
-            <a:endParaRPr lang="en-US" dirty="0"/>
-          </a:p>
-        </p:txBody>
-      </p:sp>
-      <p:pic>
-        <p:nvPicPr>
-          <p:cNvPr id="5" name="Picture 4" descr="A circuit board&#10;&#10;Description automatically generated">
+              <a:t>Not sure what groups does.</a:t>
+            </a:r>
+          </a:p>
+          <a:p>
+            <a:r>
+              <a:rPr lang="en-US" dirty="0"/>
+              <a:t>Path names are very important.</a:t>
+            </a:r>
+          </a:p>
+          <a:p>
+            <a:r>
+              <a:rPr lang="en-US" dirty="0"/>
+              <a:t>Keep them space free, because this will be the start of your file name.</a:t>
+            </a:r>
+          </a:p>
+          <a:p>
+            <a:r>
+              <a:rPr lang="en-US" dirty="0"/>
+              <a:t>When you build them, you rebuild all of them</a:t>
+            </a:r>
+          </a:p>
+          <a:p>
+            <a:r>
+              <a:rPr lang="en-US" dirty="0"/>
+              <a:t>Edit Project will send you back to the Edit Project screen, this will change vel, acc, jerk.</a:t>
+            </a:r>
+          </a:p>
+        </p:txBody>
+      </p:sp>
+      <p:sp>
+        <p:nvSpPr>
+          <p:cNvPr id="4" name="Rectangle 3">
             <a:extLst>
               <a:ext uri="{FF2B5EF4-FFF2-40B4-BE49-F238E27FC236}">
-                <a16:creationId xmlns:a16="http://schemas.microsoft.com/office/drawing/2014/main" id="{FAD795B3-F181-4D2A-92B6-964AAC48316C}"/>
-              </a:ext>
-            </a:extLst>
-          </p:cNvPr>
-          <p:cNvPicPr>
-            <a:picLocks noChangeAspect="1"/>
-          </p:cNvPicPr>
-          <p:nvPr/>
-        </p:nvPicPr>
-        <p:blipFill>
-          <a:blip r:embed="rId2"/>
-          <a:stretch>
-            <a:fillRect/>
-          </a:stretch>
-        </p:blipFill>
-        <p:spPr>
-          <a:xfrm>
-            <a:off x="8606944" y="59622"/>
-            <a:ext cx="2737331" cy="2189865"/>
-          </a:xfrm>
-          <a:prstGeom prst="rect">
-            <a:avLst/>
-          </a:prstGeom>
-        </p:spPr>
-      </p:pic>
-      <p:pic>
-        <p:nvPicPr>
-          <p:cNvPr id="7" name="Picture 6" descr="A circuit board&#10;&#10;Description automatically generated">
-            <a:extLst>
-              <a:ext uri="{FF2B5EF4-FFF2-40B4-BE49-F238E27FC236}">
-                <a16:creationId xmlns:a16="http://schemas.microsoft.com/office/drawing/2014/main" id="{6BE872B0-54F6-4816-A33C-9F6A96B6A3DE}"/>
-              </a:ext>
-            </a:extLst>
-          </p:cNvPr>
-          <p:cNvPicPr>
-            <a:picLocks noChangeAspect="1"/>
-          </p:cNvPicPr>
-          <p:nvPr/>
-        </p:nvPicPr>
-        <p:blipFill>
-          <a:blip r:embed="rId3"/>
-          <a:stretch>
-            <a:fillRect/>
-          </a:stretch>
-        </p:blipFill>
-        <p:spPr>
-          <a:xfrm>
-            <a:off x="4979986" y="59622"/>
-            <a:ext cx="3506789" cy="2225462"/>
-          </a:xfrm>
-          <a:prstGeom prst="rect">
-            <a:avLst/>
-          </a:prstGeom>
-        </p:spPr>
-      </p:pic>
-      <p:sp>
-        <p:nvSpPr>
-          <p:cNvPr id="8" name="Rectangle 7">
-            <a:extLst>
-              <a:ext uri="{FF2B5EF4-FFF2-40B4-BE49-F238E27FC236}">
-                <a16:creationId xmlns:a16="http://schemas.microsoft.com/office/drawing/2014/main" id="{780BF8F3-2612-4071-8F70-AEFCC6F1E5A6}"/>
+                <a16:creationId xmlns:a16="http://schemas.microsoft.com/office/drawing/2014/main" id="{5C84F44E-0421-40F0-B772-49D309B7DAD5}"/>
               </a:ext>
             </a:extLst>
           </p:cNvPr>
@@ -6636,7 +6503,7 @@
     </p:spTree>
     <p:extLst>
       <p:ext uri="{BB962C8B-B14F-4D97-AF65-F5344CB8AC3E}">
-        <p14:creationId xmlns:p14="http://schemas.microsoft.com/office/powerpoint/2010/main" val="3989905547"/>
+        <p14:creationId xmlns:p14="http://schemas.microsoft.com/office/powerpoint/2010/main" val="247643137"/>
       </p:ext>
     </p:extLst>
   </p:cSld>
@@ -6668,7 +6535,7 @@
           <p:cNvPr id="2" name="Title 1">
             <a:extLst>
               <a:ext uri="{FF2B5EF4-FFF2-40B4-BE49-F238E27FC236}">
-                <a16:creationId xmlns:a16="http://schemas.microsoft.com/office/drawing/2014/main" id="{10C95108-E3CA-4DC5-89B4-4D552FA427CE}"/>
+                <a16:creationId xmlns:a16="http://schemas.microsoft.com/office/drawing/2014/main" id="{1C4D0ADC-C24B-45E4-9ADC-9AB04A59FCE4}"/>
               </a:ext>
             </a:extLst>
           </p:cNvPr>
@@ -6686,62 +6553,13 @@
           <a:p>
             <a:r>
               <a:rPr lang="en-US" dirty="0"/>
-              <a:t>ARDUINO I2C</a:t>
-            </a:r>
-          </a:p>
-        </p:txBody>
-      </p:sp>
-      <p:sp>
-        <p:nvSpPr>
-          <p:cNvPr id="3" name="Content Placeholder 2">
-            <a:extLst>
-              <a:ext uri="{FF2B5EF4-FFF2-40B4-BE49-F238E27FC236}">
-                <a16:creationId xmlns:a16="http://schemas.microsoft.com/office/drawing/2014/main" id="{CDBAD9BF-922B-4A1D-9BA5-C85B1AC5489B}"/>
-              </a:ext>
-            </a:extLst>
-          </p:cNvPr>
-          <p:cNvSpPr>
-            <a:spLocks noGrp="1"/>
-          </p:cNvSpPr>
-          <p:nvPr>
-            <p:ph idx="1"/>
-          </p:nvPr>
-        </p:nvSpPr>
-        <p:spPr/>
-        <p:txBody>
-          <a:bodyPr/>
-          <a:lstStyle/>
-          <a:p>
-            <a:r>
-              <a:rPr lang="en-US" dirty="0"/>
-              <a:t>I2C is a multi-device protocol.  One server can talk to several clients.</a:t>
-            </a:r>
-          </a:p>
-          <a:p>
-            <a:r>
-              <a:rPr lang="en-US" dirty="0"/>
-              <a:t>I2C is the best communication protocol to use with a </a:t>
+              <a:t>The </a:t>
             </a:r>
             <a:r>
               <a:rPr lang="en-US" dirty="0" err="1"/>
-              <a:t>Roborio</a:t>
-            </a:r>
-            <a:r>
-              <a:rPr lang="en-US" dirty="0"/>
-              <a:t>, Raspberry PI, and NVIDIA Jetson.</a:t>
-            </a:r>
-          </a:p>
-          <a:p>
-            <a:r>
-              <a:rPr lang="en-US" dirty="0"/>
-              <a:t>A great example selections for I2C.  </a:t>
-            </a:r>
-          </a:p>
-          <a:p>
-            <a:r>
-              <a:rPr lang="en-US" dirty="0"/>
-              <a:t>You want this to be a client and keep track of addresses.</a:t>
-            </a:r>
+              <a:t>Pathweaver</a:t>
+            </a:r>
+            <a:endParaRPr lang="en-US" dirty="0"/>
           </a:p>
         </p:txBody>
       </p:sp>
@@ -6750,7 +6568,7 @@
           <p:cNvPr id="4" name="Rectangle 3">
             <a:extLst>
               <a:ext uri="{FF2B5EF4-FFF2-40B4-BE49-F238E27FC236}">
-                <a16:creationId xmlns:a16="http://schemas.microsoft.com/office/drawing/2014/main" id="{636F2964-3F90-4867-BFF1-E3ACA332C570}"/>
+                <a16:creationId xmlns:a16="http://schemas.microsoft.com/office/drawing/2014/main" id="{5C84F44E-0421-40F0-B772-49D309B7DAD5}"/>
               </a:ext>
             </a:extLst>
           </p:cNvPr>
@@ -6779,10 +6597,65 @@
           </a:p>
         </p:txBody>
       </p:sp>
+      <p:sp>
+        <p:nvSpPr>
+          <p:cNvPr id="6" name="Content Placeholder 5">
+            <a:extLst>
+              <a:ext uri="{FF2B5EF4-FFF2-40B4-BE49-F238E27FC236}">
+                <a16:creationId xmlns:a16="http://schemas.microsoft.com/office/drawing/2014/main" id="{09AF33B5-BA75-4290-BA10-E5BB6B991F32}"/>
+              </a:ext>
+            </a:extLst>
+          </p:cNvPr>
+          <p:cNvSpPr>
+            <a:spLocks noGrp="1"/>
+          </p:cNvSpPr>
+          <p:nvPr>
+            <p:ph idx="1"/>
+          </p:nvPr>
+        </p:nvSpPr>
+        <p:spPr/>
+        <p:txBody>
+          <a:bodyPr/>
+          <a:lstStyle/>
+          <a:p>
+            <a:endParaRPr lang="en-US"/>
+          </a:p>
+        </p:txBody>
+      </p:sp>
+      <p:pic>
+        <p:nvPicPr>
+          <p:cNvPr id="3" name="Picture 2">
+            <a:extLst>
+              <a:ext uri="{FF2B5EF4-FFF2-40B4-BE49-F238E27FC236}">
+                <a16:creationId xmlns:a16="http://schemas.microsoft.com/office/drawing/2014/main" id="{BE4A74B8-70C1-4F67-9C53-F8FBB3C3C8C1}"/>
+              </a:ext>
+            </a:extLst>
+          </p:cNvPr>
+          <p:cNvPicPr>
+            <a:picLocks noChangeAspect="1"/>
+          </p:cNvPicPr>
+          <p:nvPr/>
+        </p:nvPicPr>
+        <p:blipFill>
+          <a:blip r:embed="rId2"/>
+          <a:stretch>
+            <a:fillRect/>
+          </a:stretch>
+        </p:blipFill>
+        <p:spPr>
+          <a:xfrm>
+            <a:off x="1193742" y="1327019"/>
+            <a:ext cx="8765679" cy="4930345"/>
+          </a:xfrm>
+          <a:prstGeom prst="rect">
+            <a:avLst/>
+          </a:prstGeom>
+        </p:spPr>
+      </p:pic>
     </p:spTree>
     <p:extLst>
       <p:ext uri="{BB962C8B-B14F-4D97-AF65-F5344CB8AC3E}">
-        <p14:creationId xmlns:p14="http://schemas.microsoft.com/office/powerpoint/2010/main" val="2901750328"/>
+        <p14:creationId xmlns:p14="http://schemas.microsoft.com/office/powerpoint/2010/main" val="4037964542"/>
       </p:ext>
     </p:extLst>
   </p:cSld>
@@ -6814,7 +6687,7 @@
           <p:cNvPr id="2" name="Title 1">
             <a:extLst>
               <a:ext uri="{FF2B5EF4-FFF2-40B4-BE49-F238E27FC236}">
-                <a16:creationId xmlns:a16="http://schemas.microsoft.com/office/drawing/2014/main" id="{BCED0CFC-2C88-4CD8-91A0-4D455635731B}"/>
+                <a16:creationId xmlns:a16="http://schemas.microsoft.com/office/drawing/2014/main" id="{1C4D0ADC-C24B-45E4-9ADC-9AB04A59FCE4}"/>
               </a:ext>
             </a:extLst>
           </p:cNvPr>
@@ -6832,108 +6705,13 @@
           <a:p>
             <a:r>
               <a:rPr lang="en-US" dirty="0"/>
-              <a:t>Raspberry PI</a:t>
-            </a:r>
-          </a:p>
-        </p:txBody>
-      </p:sp>
-      <p:sp>
-        <p:nvSpPr>
-          <p:cNvPr id="3" name="Content Placeholder 2">
-            <a:extLst>
-              <a:ext uri="{FF2B5EF4-FFF2-40B4-BE49-F238E27FC236}">
-                <a16:creationId xmlns:a16="http://schemas.microsoft.com/office/drawing/2014/main" id="{1948F7E8-899D-44BE-B79C-C6A4CF9743F2}"/>
-              </a:ext>
-            </a:extLst>
-          </p:cNvPr>
-          <p:cNvSpPr>
-            <a:spLocks noGrp="1"/>
-          </p:cNvSpPr>
-          <p:nvPr>
-            <p:ph idx="1"/>
-          </p:nvPr>
-        </p:nvSpPr>
-        <p:spPr/>
-        <p:txBody>
-          <a:bodyPr>
-            <a:normAutofit/>
-          </a:bodyPr>
-          <a:lstStyle/>
-          <a:p>
-            <a:r>
-              <a:rPr lang="en-US" dirty="0"/>
-              <a:t>The current version of the PI is V4.0.  </a:t>
-            </a:r>
-          </a:p>
-          <a:p>
-            <a:r>
-              <a:rPr lang="en-US" dirty="0"/>
-              <a:t>It’s a Linux device, so dealing with it you will use Putty.</a:t>
-            </a:r>
-          </a:p>
-          <a:p>
-            <a:r>
-              <a:rPr lang="en-US" dirty="0"/>
-              <a:t>The Linux version is called </a:t>
+              <a:t>The </a:t>
             </a:r>
             <a:r>
               <a:rPr lang="en-US" dirty="0" err="1"/>
-              <a:t>Raspberrian</a:t>
-            </a:r>
-            <a:r>
-              <a:rPr lang="en-US" dirty="0"/>
-              <a:t>.  You can put Ubuntu on it, but don’t.  The </a:t>
-            </a:r>
-            <a:r>
-              <a:rPr lang="en-US" dirty="0" err="1"/>
-              <a:t>NTCore</a:t>
-            </a:r>
-            <a:r>
-              <a:rPr lang="en-US" dirty="0"/>
-              <a:t> and </a:t>
-            </a:r>
-            <a:r>
-              <a:rPr lang="en-US" dirty="0" err="1"/>
-              <a:t>WPIUtil</a:t>
-            </a:r>
-            <a:r>
-              <a:rPr lang="en-US" dirty="0"/>
-              <a:t> builds with </a:t>
-            </a:r>
-            <a:r>
-              <a:rPr lang="en-US" dirty="0" err="1"/>
-              <a:t>gradle</a:t>
-            </a:r>
-            <a:r>
-              <a:rPr lang="en-US" dirty="0"/>
-              <a:t> on </a:t>
-            </a:r>
-            <a:r>
-              <a:rPr lang="en-US" dirty="0" err="1"/>
-              <a:t>Raspberrian</a:t>
-            </a:r>
-            <a:r>
-              <a:rPr lang="en-US" dirty="0"/>
-              <a:t>.</a:t>
-            </a:r>
-          </a:p>
-          <a:p>
-            <a:r>
-              <a:rPr lang="en-US" dirty="0"/>
-              <a:t>The OS has to be put on a micro SD card.  No built in flash. </a:t>
-            </a:r>
-          </a:p>
-          <a:p>
-            <a:r>
-              <a:rPr lang="en-US" dirty="0"/>
-              <a:t>It’s a 3 volt tolerant device!!!!</a:t>
-            </a:r>
-          </a:p>
-          <a:p>
-            <a:r>
-              <a:rPr lang="en-US" dirty="0"/>
-              <a:t>The USB ports are 5 volt.</a:t>
-            </a:r>
+              <a:t>Pathweaver</a:t>
+            </a:r>
+            <a:endParaRPr lang="en-US" dirty="0"/>
           </a:p>
         </p:txBody>
       </p:sp>
@@ -6942,7 +6720,7 @@
           <p:cNvPr id="4" name="Rectangle 3">
             <a:extLst>
               <a:ext uri="{FF2B5EF4-FFF2-40B4-BE49-F238E27FC236}">
-                <a16:creationId xmlns:a16="http://schemas.microsoft.com/office/drawing/2014/main" id="{731D152B-3C93-467C-9A69-C7B7650BB857}"/>
+                <a16:creationId xmlns:a16="http://schemas.microsoft.com/office/drawing/2014/main" id="{5C84F44E-0421-40F0-B772-49D309B7DAD5}"/>
               </a:ext>
             </a:extLst>
           </p:cNvPr>
@@ -6973,17 +6751,19 @@
       </p:sp>
       <p:pic>
         <p:nvPicPr>
-          <p:cNvPr id="6" name="Picture 5" descr="A circuit board&#10;&#10;Description automatically generated">
+          <p:cNvPr id="5" name="Content Placeholder 4">
             <a:extLst>
               <a:ext uri="{FF2B5EF4-FFF2-40B4-BE49-F238E27FC236}">
-                <a16:creationId xmlns:a16="http://schemas.microsoft.com/office/drawing/2014/main" id="{A7364F4B-51A7-4D6C-8A0B-480CCFEE01F4}"/>
+                <a16:creationId xmlns:a16="http://schemas.microsoft.com/office/drawing/2014/main" id="{0B32A476-614D-4C62-BA86-CA8013FCC67B}"/>
               </a:ext>
             </a:extLst>
           </p:cNvPr>
           <p:cNvPicPr>
-            <a:picLocks noChangeAspect="1"/>
+            <a:picLocks noGrp="1" noChangeAspect="1"/>
           </p:cNvPicPr>
-          <p:nvPr/>
+          <p:nvPr>
+            <p:ph idx="1"/>
+          </p:nvPr>
         </p:nvPicPr>
         <p:blipFill>
           <a:blip r:embed="rId2"/>
@@ -6993,8 +6773,8 @@
         </p:blipFill>
         <p:spPr>
           <a:xfrm>
-            <a:off x="8141073" y="221427"/>
-            <a:ext cx="3297892" cy="2638314"/>
+            <a:off x="1147811" y="1241471"/>
+            <a:ext cx="8668542" cy="4875709"/>
           </a:xfrm>
           <a:prstGeom prst="rect">
             <a:avLst/>
@@ -7004,7 +6784,7 @@
     </p:spTree>
     <p:extLst>
       <p:ext uri="{BB962C8B-B14F-4D97-AF65-F5344CB8AC3E}">
-        <p14:creationId xmlns:p14="http://schemas.microsoft.com/office/powerpoint/2010/main" val="3465840832"/>
+        <p14:creationId xmlns:p14="http://schemas.microsoft.com/office/powerpoint/2010/main" val="3655364498"/>
       </p:ext>
     </p:extLst>
   </p:cSld>
@@ -7036,7 +6816,7 @@
           <p:cNvPr id="2" name="Title 1">
             <a:extLst>
               <a:ext uri="{FF2B5EF4-FFF2-40B4-BE49-F238E27FC236}">
-                <a16:creationId xmlns:a16="http://schemas.microsoft.com/office/drawing/2014/main" id="{6780A693-FECC-4618-A10B-9948833F9362}"/>
+                <a16:creationId xmlns:a16="http://schemas.microsoft.com/office/drawing/2014/main" id="{1C4D0ADC-C24B-45E4-9ADC-9AB04A59FCE4}"/>
               </a:ext>
             </a:extLst>
           </p:cNvPr>
@@ -7054,95 +6834,12 @@
           <a:p>
             <a:r>
               <a:rPr lang="en-US" dirty="0"/>
-              <a:t>Raspberry PI and WPI</a:t>
-            </a:r>
-          </a:p>
-        </p:txBody>
-      </p:sp>
-      <p:sp>
-        <p:nvSpPr>
-          <p:cNvPr id="3" name="Content Placeholder 2">
-            <a:extLst>
-              <a:ext uri="{FF2B5EF4-FFF2-40B4-BE49-F238E27FC236}">
-                <a16:creationId xmlns:a16="http://schemas.microsoft.com/office/drawing/2014/main" id="{4E28E075-C589-4CE3-8325-9DBCB0216043}"/>
-              </a:ext>
-            </a:extLst>
-          </p:cNvPr>
-          <p:cNvSpPr>
-            <a:spLocks noGrp="1"/>
-          </p:cNvSpPr>
-          <p:nvPr>
-            <p:ph idx="1"/>
-          </p:nvPr>
-        </p:nvSpPr>
-        <p:spPr/>
-        <p:txBody>
-          <a:bodyPr>
-            <a:normAutofit/>
-          </a:bodyPr>
-          <a:lstStyle/>
-          <a:p>
-            <a:r>
-              <a:rPr lang="en-US" dirty="0"/>
-              <a:t>You could copy the </a:t>
+              <a:t>The </a:t>
             </a:r>
             <a:r>
               <a:rPr lang="en-US" dirty="0" err="1"/>
-              <a:t>allwpilib</a:t>
-            </a:r>
-            <a:r>
-              <a:rPr lang="en-US" dirty="0"/>
-              <a:t> over and build it, however, WPI has done that for you.</a:t>
-            </a:r>
-          </a:p>
-          <a:p>
-            <a:r>
-              <a:rPr lang="en-US" dirty="0"/>
-              <a:t>Not only did they build it but there are screen steps for it as well.</a:t>
-            </a:r>
-          </a:p>
-          <a:p>
-            <a:r>
-              <a:rPr lang="en-US" dirty="0">
-                <a:hlinkClick r:id="rId2"/>
-              </a:rPr>
-              <a:t>https://wpilib.screenstepslive.com/s/currentCS/m/85074</a:t>
-            </a:r>
-            <a:endParaRPr lang="en-US" dirty="0"/>
-          </a:p>
-          <a:p>
-            <a:r>
-              <a:rPr lang="en-US" dirty="0"/>
-              <a:t>This image it a bit slow, however, it is very easy to work with.  It also has OpenCV and </a:t>
-            </a:r>
-            <a:r>
-              <a:rPr lang="en-US" dirty="0" err="1"/>
-              <a:t>NTCore</a:t>
-            </a:r>
-            <a:r>
-              <a:rPr lang="en-US" dirty="0"/>
-              <a:t> built into it.</a:t>
-            </a:r>
-          </a:p>
-          <a:p>
-            <a:r>
-              <a:rPr lang="en-US" dirty="0"/>
-              <a:t>The interface to this is through a web browser. </a:t>
-            </a:r>
-          </a:p>
-          <a:p>
-            <a:r>
-              <a:rPr lang="en-US" dirty="0"/>
-              <a:t>The OS is locked after the first boot.  To unlock it use the web browser.</a:t>
-            </a:r>
-          </a:p>
-          <a:p>
-            <a:r>
-              <a:rPr lang="en-US" dirty="0"/>
-              <a:t>You may have to find a Raspberry PI 3 for it.</a:t>
-            </a:r>
-          </a:p>
-          <a:p>
+              <a:t>Pathweaver</a:t>
+            </a:r>
             <a:endParaRPr lang="en-US" dirty="0"/>
           </a:p>
         </p:txBody>
@@ -7152,7 +6849,7 @@
           <p:cNvPr id="4" name="Rectangle 3">
             <a:extLst>
               <a:ext uri="{FF2B5EF4-FFF2-40B4-BE49-F238E27FC236}">
-                <a16:creationId xmlns:a16="http://schemas.microsoft.com/office/drawing/2014/main" id="{DBC27E37-383D-4A13-A2E3-E249DBBD7E3E}"/>
+                <a16:creationId xmlns:a16="http://schemas.microsoft.com/office/drawing/2014/main" id="{5C84F44E-0421-40F0-B772-49D309B7DAD5}"/>
               </a:ext>
             </a:extLst>
           </p:cNvPr>
@@ -7181,10 +6878,42 @@
           </a:p>
         </p:txBody>
       </p:sp>
+      <p:pic>
+        <p:nvPicPr>
+          <p:cNvPr id="5" name="Content Placeholder 4">
+            <a:extLst>
+              <a:ext uri="{FF2B5EF4-FFF2-40B4-BE49-F238E27FC236}">
+                <a16:creationId xmlns:a16="http://schemas.microsoft.com/office/drawing/2014/main" id="{0B32A476-614D-4C62-BA86-CA8013FCC67B}"/>
+              </a:ext>
+            </a:extLst>
+          </p:cNvPr>
+          <p:cNvPicPr>
+            <a:picLocks noGrp="1" noChangeAspect="1"/>
+          </p:cNvPicPr>
+          <p:nvPr>
+            <p:ph idx="1"/>
+          </p:nvPr>
+        </p:nvPicPr>
+        <p:blipFill>
+          <a:blip r:embed="rId2"/>
+          <a:stretch>
+            <a:fillRect/>
+          </a:stretch>
+        </p:blipFill>
+        <p:spPr>
+          <a:xfrm>
+            <a:off x="1147811" y="1241471"/>
+            <a:ext cx="8668542" cy="4875709"/>
+          </a:xfrm>
+          <a:prstGeom prst="rect">
+            <a:avLst/>
+          </a:prstGeom>
+        </p:spPr>
+      </p:pic>
     </p:spTree>
     <p:extLst>
       <p:ext uri="{BB962C8B-B14F-4D97-AF65-F5344CB8AC3E}">
-        <p14:creationId xmlns:p14="http://schemas.microsoft.com/office/powerpoint/2010/main" val="54885812"/>
+        <p14:creationId xmlns:p14="http://schemas.microsoft.com/office/powerpoint/2010/main" val="3162391357"/>
       </p:ext>
     </p:extLst>
   </p:cSld>
@@ -7216,7 +6945,7 @@
           <p:cNvPr id="2" name="Title 1">
             <a:extLst>
               <a:ext uri="{FF2B5EF4-FFF2-40B4-BE49-F238E27FC236}">
-                <a16:creationId xmlns:a16="http://schemas.microsoft.com/office/drawing/2014/main" id="{0F3A3D70-FCB5-4950-A981-7787148A87AA}"/>
+                <a16:creationId xmlns:a16="http://schemas.microsoft.com/office/drawing/2014/main" id="{1C4D0ADC-C24B-45E4-9ADC-9AB04A59FCE4}"/>
               </a:ext>
             </a:extLst>
           </p:cNvPr>
@@ -7234,84 +6963,13 @@
           <a:p>
             <a:r>
               <a:rPr lang="en-US" dirty="0"/>
-              <a:t>LINUX and SAMBA</a:t>
-            </a:r>
-          </a:p>
-        </p:txBody>
-      </p:sp>
-      <p:sp>
-        <p:nvSpPr>
-          <p:cNvPr id="3" name="Content Placeholder 2">
-            <a:extLst>
-              <a:ext uri="{FF2B5EF4-FFF2-40B4-BE49-F238E27FC236}">
-                <a16:creationId xmlns:a16="http://schemas.microsoft.com/office/drawing/2014/main" id="{27838C07-A50E-4FE1-ACA1-9C4F2F37825D}"/>
-              </a:ext>
-            </a:extLst>
-          </p:cNvPr>
-          <p:cNvSpPr>
-            <a:spLocks noGrp="1"/>
-          </p:cNvSpPr>
-          <p:nvPr>
-            <p:ph idx="1"/>
-          </p:nvPr>
-        </p:nvSpPr>
-        <p:spPr/>
-        <p:txBody>
-          <a:bodyPr>
-            <a:normAutofit/>
-          </a:bodyPr>
-          <a:lstStyle/>
-          <a:p>
-            <a:r>
-              <a:rPr lang="en-US" dirty="0"/>
-              <a:t>If you are new to Linux it will be a bit rough to get going.  Think about this for a summer activity.</a:t>
-            </a:r>
-          </a:p>
-          <a:p>
-            <a:r>
-              <a:rPr lang="en-US" dirty="0"/>
-              <a:t>One of the first things to install on a Linux box is Samba.</a:t>
-            </a:r>
-          </a:p>
-          <a:p>
-            <a:r>
-              <a:rPr lang="en-US" dirty="0"/>
-              <a:t>Samba allows you to map Windows drives onto a folder on the Raspberry PI.</a:t>
-            </a:r>
-          </a:p>
-          <a:p>
-            <a:r>
-              <a:rPr lang="en-US" dirty="0"/>
-              <a:t>For a headless Linux box it allows you to edit files using a windows IDE.</a:t>
-            </a:r>
-          </a:p>
-          <a:p>
-            <a:r>
-              <a:rPr lang="en-US" dirty="0"/>
-              <a:t>Spend some time installing Samba.</a:t>
-            </a:r>
-          </a:p>
-          <a:p>
-            <a:r>
-              <a:rPr lang="en-US" dirty="0"/>
-              <a:t>My </a:t>
+              <a:t>The </a:t>
             </a:r>
             <a:r>
               <a:rPr lang="en-US" dirty="0" err="1"/>
-              <a:t>smb.conf</a:t>
-            </a:r>
-            <a:r>
-              <a:rPr lang="en-US" dirty="0"/>
-              <a:t> file will be in the file section on my </a:t>
-            </a:r>
-            <a:r>
-              <a:rPr lang="en-US" dirty="0" err="1"/>
-              <a:t>GITHub</a:t>
-            </a:r>
-            <a:r>
-              <a:rPr lang="en-US" dirty="0"/>
-              <a:t>  </a:t>
-            </a:r>
+              <a:t>Pathweaver</a:t>
+            </a:r>
+            <a:endParaRPr lang="en-US" dirty="0"/>
           </a:p>
         </p:txBody>
       </p:sp>
@@ -7320,7 +6978,7 @@
           <p:cNvPr id="4" name="Rectangle 3">
             <a:extLst>
               <a:ext uri="{FF2B5EF4-FFF2-40B4-BE49-F238E27FC236}">
-                <a16:creationId xmlns:a16="http://schemas.microsoft.com/office/drawing/2014/main" id="{EC05FFDF-4D44-4CAD-B457-0B53D18A78D0}"/>
+                <a16:creationId xmlns:a16="http://schemas.microsoft.com/office/drawing/2014/main" id="{5C84F44E-0421-40F0-B772-49D309B7DAD5}"/>
               </a:ext>
             </a:extLst>
           </p:cNvPr>
@@ -7349,10 +7007,65 @@
           </a:p>
         </p:txBody>
       </p:sp>
+      <p:sp>
+        <p:nvSpPr>
+          <p:cNvPr id="6" name="Content Placeholder 5">
+            <a:extLst>
+              <a:ext uri="{FF2B5EF4-FFF2-40B4-BE49-F238E27FC236}">
+                <a16:creationId xmlns:a16="http://schemas.microsoft.com/office/drawing/2014/main" id="{D5EC5A2C-1042-4D00-A01C-3C23924A53A8}"/>
+              </a:ext>
+            </a:extLst>
+          </p:cNvPr>
+          <p:cNvSpPr>
+            <a:spLocks noGrp="1"/>
+          </p:cNvSpPr>
+          <p:nvPr>
+            <p:ph idx="1"/>
+          </p:nvPr>
+        </p:nvSpPr>
+        <p:spPr/>
+        <p:txBody>
+          <a:bodyPr/>
+          <a:lstStyle/>
+          <a:p>
+            <a:endParaRPr lang="en-US"/>
+          </a:p>
+        </p:txBody>
+      </p:sp>
+      <p:pic>
+        <p:nvPicPr>
+          <p:cNvPr id="7" name="Picture 6">
+            <a:extLst>
+              <a:ext uri="{FF2B5EF4-FFF2-40B4-BE49-F238E27FC236}">
+                <a16:creationId xmlns:a16="http://schemas.microsoft.com/office/drawing/2014/main" id="{341D9683-1F0E-4F98-AEBB-7F639FF74594}"/>
+              </a:ext>
+            </a:extLst>
+          </p:cNvPr>
+          <p:cNvPicPr>
+            <a:picLocks noChangeAspect="1"/>
+          </p:cNvPicPr>
+          <p:nvPr/>
+        </p:nvPicPr>
+        <p:blipFill>
+          <a:blip r:embed="rId2"/>
+          <a:stretch>
+            <a:fillRect/>
+          </a:stretch>
+        </p:blipFill>
+        <p:spPr>
+          <a:xfrm>
+            <a:off x="1238097" y="1374468"/>
+            <a:ext cx="8676970" cy="4880450"/>
+          </a:xfrm>
+          <a:prstGeom prst="rect">
+            <a:avLst/>
+          </a:prstGeom>
+        </p:spPr>
+      </p:pic>
     </p:spTree>
     <p:extLst>
       <p:ext uri="{BB962C8B-B14F-4D97-AF65-F5344CB8AC3E}">
-        <p14:creationId xmlns:p14="http://schemas.microsoft.com/office/powerpoint/2010/main" val="733174001"/>
+        <p14:creationId xmlns:p14="http://schemas.microsoft.com/office/powerpoint/2010/main" val="3149705195"/>
       </p:ext>
     </p:extLst>
   </p:cSld>
@@ -7384,7 +7097,7 @@
           <p:cNvPr id="2" name="Title 1">
             <a:extLst>
               <a:ext uri="{FF2B5EF4-FFF2-40B4-BE49-F238E27FC236}">
-                <a16:creationId xmlns:a16="http://schemas.microsoft.com/office/drawing/2014/main" id="{0F3A3D70-FCB5-4950-A981-7787148A87AA}"/>
+                <a16:creationId xmlns:a16="http://schemas.microsoft.com/office/drawing/2014/main" id="{1C4D0ADC-C24B-45E4-9ADC-9AB04A59FCE4}"/>
               </a:ext>
             </a:extLst>
           </p:cNvPr>
@@ -7402,8 +7115,13 @@
           <a:p>
             <a:r>
               <a:rPr lang="en-US" dirty="0"/>
-              <a:t>Raspberry PI and Arduino	</a:t>
-            </a:r>
+              <a:t>The </a:t>
+            </a:r>
+            <a:r>
+              <a:rPr lang="en-US" dirty="0" err="1"/>
+              <a:t>Pathweaver</a:t>
+            </a:r>
+            <a:endParaRPr lang="en-US" dirty="0"/>
           </a:p>
         </p:txBody>
       </p:sp>
@@ -7412,7 +7130,7 @@
           <p:cNvPr id="3" name="Content Placeholder 2">
             <a:extLst>
               <a:ext uri="{FF2B5EF4-FFF2-40B4-BE49-F238E27FC236}">
-                <a16:creationId xmlns:a16="http://schemas.microsoft.com/office/drawing/2014/main" id="{27838C07-A50E-4FE1-ACA1-9C4F2F37825D}"/>
+                <a16:creationId xmlns:a16="http://schemas.microsoft.com/office/drawing/2014/main" id="{90408834-0F7E-446D-B3D1-217CD142B1A3}"/>
               </a:ext>
             </a:extLst>
           </p:cNvPr>
@@ -7423,7 +7141,12 @@
             <p:ph idx="1"/>
           </p:nvPr>
         </p:nvSpPr>
-        <p:spPr/>
+        <p:spPr>
+          <a:xfrm>
+            <a:off x="1103313" y="2052918"/>
+            <a:ext cx="5476782" cy="4195481"/>
+          </a:xfrm>
+        </p:spPr>
         <p:txBody>
           <a:bodyPr>
             <a:normAutofit/>
@@ -7432,65 +7155,69 @@
           <a:p>
             <a:r>
               <a:rPr lang="en-US" dirty="0"/>
-              <a:t>The Raspberry PI is a 3v I2C port and the </a:t>
+              <a:t>Three files per path will be created,</a:t>
+            </a:r>
+          </a:p>
+          <a:p>
+            <a:pPr lvl="1"/>
+            <a:r>
+              <a:rPr lang="en-US" dirty="0"/>
+              <a:t>&lt;Name&gt;.left.pf1.cvs</a:t>
+            </a:r>
+          </a:p>
+          <a:p>
+            <a:pPr lvl="1"/>
+            <a:r>
+              <a:rPr lang="en-US" dirty="0"/>
+              <a:t>&lt;Name&gt;.pf1.cvs</a:t>
+            </a:r>
+          </a:p>
+          <a:p>
+            <a:pPr lvl="1"/>
+            <a:r>
+              <a:rPr lang="en-US" dirty="0"/>
+              <a:t>&lt;Name&gt;.right.pf1.cvs</a:t>
+            </a:r>
+          </a:p>
+          <a:p>
+            <a:pPr lvl="1"/>
+            <a:endParaRPr lang="en-US" dirty="0"/>
+          </a:p>
+          <a:p>
+            <a:r>
+              <a:rPr lang="en-US" dirty="0"/>
+              <a:t>You just need to move these to </a:t>
             </a:r>
             <a:r>
               <a:rPr lang="en-US" dirty="0" err="1"/>
-              <a:t>Ardiuno</a:t>
-            </a:r>
-            <a:r>
-              <a:rPr lang="en-US" dirty="0"/>
-              <a:t> is 5V.</a:t>
-            </a:r>
-          </a:p>
-          <a:p>
-            <a:r>
-              <a:rPr lang="en-US" dirty="0"/>
-              <a:t>A </a:t>
+              <a:t>src</a:t>
+            </a:r>
+            <a:r>
+              <a:rPr lang="en-US" dirty="0"/>
+              <a:t>/main/</a:t>
             </a:r>
             <a:r>
               <a:rPr lang="en-US" dirty="0" err="1"/>
-              <a:t>Pololu</a:t>
-            </a:r>
-            <a:r>
-              <a:rPr lang="en-US" dirty="0"/>
-              <a:t> A-Star 32U4 Robot Controller solves these problems.</a:t>
-            </a:r>
-          </a:p>
-          <a:p>
-            <a:r>
-              <a:rPr lang="en-US" dirty="0"/>
-              <a:t>It has level shifters to convert 3V signals to 5V signals.</a:t>
-            </a:r>
-          </a:p>
-          <a:p>
-            <a:r>
-              <a:rPr lang="en-US" dirty="0"/>
-              <a:t>The A-Star also has a little buzzer on it so you can hear the boot up.</a:t>
-            </a:r>
-          </a:p>
-          <a:p>
-            <a:r>
-              <a:rPr lang="en-US" dirty="0"/>
-              <a:t>The Raspberry Pi communicates with the </a:t>
+              <a:t>deplay</a:t>
+            </a:r>
+            <a:r>
+              <a:rPr lang="en-US" dirty="0"/>
+              <a:t>/paths</a:t>
+            </a:r>
+          </a:p>
+          <a:p>
+            <a:r>
+              <a:rPr lang="en-US" dirty="0"/>
+              <a:t>This will move them to the </a:t>
             </a:r>
             <a:r>
               <a:rPr lang="en-US" dirty="0" err="1"/>
-              <a:t>RoboRio</a:t>
-            </a:r>
-            <a:r>
-              <a:rPr lang="en-US" dirty="0"/>
-              <a:t> and then turns around to talk to the Arduino.</a:t>
-            </a:r>
-          </a:p>
-          <a:p>
-            <a:r>
-              <a:rPr lang="en-US" dirty="0"/>
-              <a:t> The PI does vision processing and then turns the LED ring on and off.</a:t>
-            </a:r>
-          </a:p>
-          <a:p>
-            <a:endParaRPr lang="en-US" dirty="0"/>
+              <a:t>roboRio</a:t>
+            </a:r>
+            <a:r>
+              <a:rPr lang="en-US" dirty="0"/>
+              <a:t> in the place the Pathfinder needs them.</a:t>
+            </a:r>
           </a:p>
         </p:txBody>
       </p:sp>
@@ -7499,7 +7226,7 @@
           <p:cNvPr id="4" name="Rectangle 3">
             <a:extLst>
               <a:ext uri="{FF2B5EF4-FFF2-40B4-BE49-F238E27FC236}">
-                <a16:creationId xmlns:a16="http://schemas.microsoft.com/office/drawing/2014/main" id="{EC05FFDF-4D44-4CAD-B457-0B53D18A78D0}"/>
+                <a16:creationId xmlns:a16="http://schemas.microsoft.com/office/drawing/2014/main" id="{5C84F44E-0421-40F0-B772-49D309B7DAD5}"/>
               </a:ext>
             </a:extLst>
           </p:cNvPr>
@@ -7528,10 +7255,40 @@
           </a:p>
         </p:txBody>
       </p:sp>
+      <p:pic>
+        <p:nvPicPr>
+          <p:cNvPr id="5" name="Picture 4">
+            <a:extLst>
+              <a:ext uri="{FF2B5EF4-FFF2-40B4-BE49-F238E27FC236}">
+                <a16:creationId xmlns:a16="http://schemas.microsoft.com/office/drawing/2014/main" id="{62D2AD4F-AA7F-4AD7-ADF0-2DBD50794894}"/>
+              </a:ext>
+            </a:extLst>
+          </p:cNvPr>
+          <p:cNvPicPr>
+            <a:picLocks noChangeAspect="1"/>
+          </p:cNvPicPr>
+          <p:nvPr/>
+        </p:nvPicPr>
+        <p:blipFill>
+          <a:blip r:embed="rId2"/>
+          <a:stretch>
+            <a:fillRect/>
+          </a:stretch>
+        </p:blipFill>
+        <p:spPr>
+          <a:xfrm>
+            <a:off x="6663578" y="1305887"/>
+            <a:ext cx="5086350" cy="4733925"/>
+          </a:xfrm>
+          <a:prstGeom prst="rect">
+            <a:avLst/>
+          </a:prstGeom>
+        </p:spPr>
+      </p:pic>
     </p:spTree>
     <p:extLst>
       <p:ext uri="{BB962C8B-B14F-4D97-AF65-F5344CB8AC3E}">
-        <p14:creationId xmlns:p14="http://schemas.microsoft.com/office/powerpoint/2010/main" val="2466173131"/>
+        <p14:creationId xmlns:p14="http://schemas.microsoft.com/office/powerpoint/2010/main" val="2095025892"/>
       </p:ext>
     </p:extLst>
   </p:cSld>
@@ -7563,7 +7320,7 @@
           <p:cNvPr id="2" name="Title 1">
             <a:extLst>
               <a:ext uri="{FF2B5EF4-FFF2-40B4-BE49-F238E27FC236}">
-                <a16:creationId xmlns:a16="http://schemas.microsoft.com/office/drawing/2014/main" id="{0F3A3D70-FCB5-4950-A981-7787148A87AA}"/>
+                <a16:creationId xmlns:a16="http://schemas.microsoft.com/office/drawing/2014/main" id="{1C4D0ADC-C24B-45E4-9ADC-9AB04A59FCE4}"/>
               </a:ext>
             </a:extLst>
           </p:cNvPr>
@@ -7581,7 +7338,7 @@
           <a:p>
             <a:r>
               <a:rPr lang="en-US" dirty="0"/>
-              <a:t>JETSON NANO 	</a:t>
+              <a:t>Pathfinder</a:t>
             </a:r>
           </a:p>
         </p:txBody>
@@ -7591,7 +7348,7 @@
           <p:cNvPr id="3" name="Content Placeholder 2">
             <a:extLst>
               <a:ext uri="{FF2B5EF4-FFF2-40B4-BE49-F238E27FC236}">
-                <a16:creationId xmlns:a16="http://schemas.microsoft.com/office/drawing/2014/main" id="{27838C07-A50E-4FE1-ACA1-9C4F2F37825D}"/>
+                <a16:creationId xmlns:a16="http://schemas.microsoft.com/office/drawing/2014/main" id="{90408834-0F7E-446D-B3D1-217CD142B1A3}"/>
               </a:ext>
             </a:extLst>
           </p:cNvPr>
@@ -7611,29 +7368,35 @@
           <a:p>
             <a:r>
               <a:rPr lang="en-US" dirty="0"/>
-              <a:t>The Nano is a Raspberry PI with a video card bolted onto it.</a:t>
-            </a:r>
-          </a:p>
-          <a:p>
-            <a:r>
-              <a:rPr lang="en-US" dirty="0"/>
-              <a:t>The video card does the heavy vision processing.  The PI part does the communicating.</a:t>
-            </a:r>
-          </a:p>
-          <a:p>
-            <a:r>
-              <a:rPr lang="en-US" dirty="0"/>
-              <a:t>It’s a 3volt tolerant device.  The barrel plug is 5V.  </a:t>
-            </a:r>
-          </a:p>
-          <a:p>
-            <a:r>
-              <a:rPr lang="en-US" dirty="0"/>
-              <a:t>There is a pin port which is the same pin out as the Raspberry PI</a:t>
-            </a:r>
-          </a:p>
-          <a:p>
+              <a:t>You need to add it like a vendor library.</a:t>
+            </a:r>
+          </a:p>
+          <a:p>
+            <a:r>
+              <a:rPr lang="en-US" dirty="0"/>
+              <a:t>Like Cross the road.</a:t>
+            </a:r>
+          </a:p>
+          <a:p>
+            <a:r>
+              <a:rPr lang="en-US" dirty="0"/>
+              <a:t>Manage Vendor Library/Install new library (online)</a:t>
+            </a:r>
+          </a:p>
+          <a:p>
+            <a:r>
+              <a:rPr lang="en-US" dirty="0">
+                <a:hlinkClick r:id="rId2"/>
+              </a:rPr>
+              <a:t>https://dev.imjac.in/maven/jaci/pathfinder/PathfinderOLD-latest.json</a:t>
+            </a:r>
             <a:endParaRPr lang="en-US" dirty="0"/>
+          </a:p>
+          <a:p>
+            <a:r>
+              <a:rPr lang="en-US" dirty="0"/>
+              <a:t>Copy that link into the URL box</a:t>
+            </a:r>
           </a:p>
         </p:txBody>
       </p:sp>
@@ -7642,7 +7405,7 @@
           <p:cNvPr id="4" name="Rectangle 3">
             <a:extLst>
               <a:ext uri="{FF2B5EF4-FFF2-40B4-BE49-F238E27FC236}">
-                <a16:creationId xmlns:a16="http://schemas.microsoft.com/office/drawing/2014/main" id="{EC05FFDF-4D44-4CAD-B457-0B53D18A78D0}"/>
+                <a16:creationId xmlns:a16="http://schemas.microsoft.com/office/drawing/2014/main" id="{5C84F44E-0421-40F0-B772-49D309B7DAD5}"/>
               </a:ext>
             </a:extLst>
           </p:cNvPr>
@@ -7671,40 +7434,10 @@
           </a:p>
         </p:txBody>
       </p:sp>
-      <p:pic>
-        <p:nvPicPr>
-          <p:cNvPr id="6" name="Picture 5" descr="A circuit board&#10;&#10;Description automatically generated">
-            <a:extLst>
-              <a:ext uri="{FF2B5EF4-FFF2-40B4-BE49-F238E27FC236}">
-                <a16:creationId xmlns:a16="http://schemas.microsoft.com/office/drawing/2014/main" id="{7562E367-2473-4D35-8F9C-496A2C641F82}"/>
-              </a:ext>
-            </a:extLst>
-          </p:cNvPr>
-          <p:cNvPicPr>
-            <a:picLocks noChangeAspect="1"/>
-          </p:cNvPicPr>
-          <p:nvPr/>
-        </p:nvPicPr>
-        <p:blipFill>
-          <a:blip r:embed="rId2"/>
-          <a:stretch>
-            <a:fillRect/>
-          </a:stretch>
-        </p:blipFill>
-        <p:spPr>
-          <a:xfrm>
-            <a:off x="9218610" y="268288"/>
-            <a:ext cx="1828800" cy="1828800"/>
-          </a:xfrm>
-          <a:prstGeom prst="rect">
-            <a:avLst/>
-          </a:prstGeom>
-        </p:spPr>
-      </p:pic>
     </p:spTree>
     <p:extLst>
       <p:ext uri="{BB962C8B-B14F-4D97-AF65-F5344CB8AC3E}">
-        <p14:creationId xmlns:p14="http://schemas.microsoft.com/office/powerpoint/2010/main" val="413248376"/>
+        <p14:creationId xmlns:p14="http://schemas.microsoft.com/office/powerpoint/2010/main" val="2976737082"/>
       </p:ext>
     </p:extLst>
   </p:cSld>
@@ -7736,7 +7469,7 @@
           <p:cNvPr id="2" name="Title 1">
             <a:extLst>
               <a:ext uri="{FF2B5EF4-FFF2-40B4-BE49-F238E27FC236}">
-                <a16:creationId xmlns:a16="http://schemas.microsoft.com/office/drawing/2014/main" id="{0F3A3D70-FCB5-4950-A981-7787148A87AA}"/>
+                <a16:creationId xmlns:a16="http://schemas.microsoft.com/office/drawing/2014/main" id="{1C4D0ADC-C24B-45E4-9ADC-9AB04A59FCE4}"/>
               </a:ext>
             </a:extLst>
           </p:cNvPr>
@@ -7754,83 +7487,8 @@
           <a:p>
             <a:r>
               <a:rPr lang="en-US" dirty="0"/>
-              <a:t>JETSON NANO Linux	</a:t>
-            </a:r>
-          </a:p>
-        </p:txBody>
-      </p:sp>
-      <p:sp>
-        <p:nvSpPr>
-          <p:cNvPr id="3" name="Content Placeholder 2">
-            <a:extLst>
-              <a:ext uri="{FF2B5EF4-FFF2-40B4-BE49-F238E27FC236}">
-                <a16:creationId xmlns:a16="http://schemas.microsoft.com/office/drawing/2014/main" id="{27838C07-A50E-4FE1-ACA1-9C4F2F37825D}"/>
-              </a:ext>
-            </a:extLst>
-          </p:cNvPr>
-          <p:cNvSpPr>
-            <a:spLocks noGrp="1"/>
-          </p:cNvSpPr>
-          <p:nvPr>
-            <p:ph idx="1"/>
-          </p:nvPr>
-        </p:nvSpPr>
-        <p:spPr/>
-        <p:txBody>
-          <a:bodyPr>
-            <a:normAutofit/>
-          </a:bodyPr>
-          <a:lstStyle/>
-          <a:p>
-            <a:r>
-              <a:rPr lang="en-US" dirty="0"/>
-              <a:t>The image to put onto it is Ubuntu based.</a:t>
-            </a:r>
-          </a:p>
-          <a:p>
-            <a:r>
-              <a:rPr lang="en-US" dirty="0"/>
-              <a:t>However, the image from the NVIDIA sight also has OpenCV and </a:t>
-            </a:r>
-            <a:r>
-              <a:rPr lang="en-US" dirty="0" err="1"/>
-              <a:t>Tensorflow</a:t>
-            </a:r>
-            <a:r>
-              <a:rPr lang="en-US" dirty="0"/>
-              <a:t> built in.</a:t>
-            </a:r>
-          </a:p>
-          <a:p>
-            <a:r>
-              <a:rPr lang="en-US" dirty="0"/>
-              <a:t>You have to build the </a:t>
-            </a:r>
-            <a:r>
-              <a:rPr lang="en-US" dirty="0" err="1"/>
-              <a:t>NTCore</a:t>
-            </a:r>
-            <a:r>
-              <a:rPr lang="en-US" dirty="0"/>
-              <a:t> to comm using </a:t>
-            </a:r>
-            <a:r>
-              <a:rPr lang="en-US" dirty="0" err="1"/>
-              <a:t>Cmake</a:t>
-            </a:r>
-            <a:r>
-              <a:rPr lang="en-US" dirty="0"/>
-              <a:t>.</a:t>
-            </a:r>
-          </a:p>
-          <a:p>
-            <a:endParaRPr lang="en-US" dirty="0"/>
-          </a:p>
-          <a:p>
-            <a:endParaRPr lang="en-US" dirty="0"/>
-          </a:p>
-          <a:p>
-            <a:endParaRPr lang="en-US" dirty="0"/>
+              <a:t>Pathfinder</a:t>
+            </a:r>
           </a:p>
         </p:txBody>
       </p:sp>
@@ -7839,7 +7497,7 @@
           <p:cNvPr id="4" name="Rectangle 3">
             <a:extLst>
               <a:ext uri="{FF2B5EF4-FFF2-40B4-BE49-F238E27FC236}">
-                <a16:creationId xmlns:a16="http://schemas.microsoft.com/office/drawing/2014/main" id="{EC05FFDF-4D44-4CAD-B457-0B53D18A78D0}"/>
+                <a16:creationId xmlns:a16="http://schemas.microsoft.com/office/drawing/2014/main" id="{5C84F44E-0421-40F0-B772-49D309B7DAD5}"/>
               </a:ext>
             </a:extLst>
           </p:cNvPr>
@@ -7868,10 +7526,292 @@
           </a:p>
         </p:txBody>
       </p:sp>
+      <p:sp>
+        <p:nvSpPr>
+          <p:cNvPr id="3" name="Rectangle 2">
+            <a:extLst>
+              <a:ext uri="{FF2B5EF4-FFF2-40B4-BE49-F238E27FC236}">
+                <a16:creationId xmlns:a16="http://schemas.microsoft.com/office/drawing/2014/main" id="{E209D072-835F-4A2D-B279-F97FE7EA37F0}"/>
+              </a:ext>
+            </a:extLst>
+          </p:cNvPr>
+          <p:cNvSpPr/>
+          <p:nvPr/>
+        </p:nvSpPr>
+        <p:spPr>
+          <a:xfrm>
+            <a:off x="860612" y="4464909"/>
+            <a:ext cx="6096000" cy="1200329"/>
+          </a:xfrm>
+          <a:prstGeom prst="rect">
+            <a:avLst/>
+          </a:prstGeom>
+        </p:spPr>
+        <p:txBody>
+          <a:bodyPr>
+            <a:spAutoFit/>
+          </a:bodyPr>
+          <a:lstStyle/>
+          <a:p>
+            <a:endParaRPr lang="en-US" dirty="0"/>
+          </a:p>
+          <a:p>
+            <a:r>
+              <a:rPr lang="en-US" dirty="0"/>
+              <a:t>  public static Notifier </a:t>
+            </a:r>
+            <a:r>
+              <a:rPr lang="en-US" dirty="0" err="1"/>
+              <a:t>sFollowerNotifier</a:t>
+            </a:r>
+            <a:r>
+              <a:rPr lang="en-US" dirty="0"/>
+              <a:t>;</a:t>
+            </a:r>
+          </a:p>
+          <a:p>
+            <a:r>
+              <a:rPr lang="en-US" dirty="0"/>
+              <a:t>  public static </a:t>
+            </a:r>
+            <a:r>
+              <a:rPr lang="en-US" dirty="0" err="1"/>
+              <a:t>EncoderFollower</a:t>
+            </a:r>
+            <a:r>
+              <a:rPr lang="en-US" dirty="0"/>
+              <a:t> </a:t>
+            </a:r>
+            <a:r>
+              <a:rPr lang="en-US" dirty="0" err="1"/>
+              <a:t>sLeftFollower</a:t>
+            </a:r>
+            <a:r>
+              <a:rPr lang="en-US" dirty="0"/>
+              <a:t>;</a:t>
+            </a:r>
+          </a:p>
+          <a:p>
+            <a:r>
+              <a:rPr lang="en-US" dirty="0"/>
+              <a:t>  public static </a:t>
+            </a:r>
+            <a:r>
+              <a:rPr lang="en-US" dirty="0" err="1"/>
+              <a:t>EncoderFollower</a:t>
+            </a:r>
+            <a:r>
+              <a:rPr lang="en-US" dirty="0"/>
+              <a:t> </a:t>
+            </a:r>
+            <a:r>
+              <a:rPr lang="en-US" dirty="0" err="1"/>
+              <a:t>sRightFollower</a:t>
+            </a:r>
+            <a:r>
+              <a:rPr lang="en-US" dirty="0"/>
+              <a:t>;</a:t>
+            </a:r>
+          </a:p>
+        </p:txBody>
+      </p:sp>
+      <p:sp>
+        <p:nvSpPr>
+          <p:cNvPr id="5" name="Rectangle 4">
+            <a:extLst>
+              <a:ext uri="{FF2B5EF4-FFF2-40B4-BE49-F238E27FC236}">
+                <a16:creationId xmlns:a16="http://schemas.microsoft.com/office/drawing/2014/main" id="{F1191AC1-0676-4374-B567-CA1FBF79D1D4}"/>
+              </a:ext>
+            </a:extLst>
+          </p:cNvPr>
+          <p:cNvSpPr/>
+          <p:nvPr/>
+        </p:nvSpPr>
+        <p:spPr>
+          <a:xfrm>
+            <a:off x="860612" y="2987581"/>
+            <a:ext cx="8148918" cy="1477328"/>
+          </a:xfrm>
+          <a:prstGeom prst="rect">
+            <a:avLst/>
+          </a:prstGeom>
+        </p:spPr>
+        <p:txBody>
+          <a:bodyPr wrap="square">
+            <a:spAutoFit/>
+          </a:bodyPr>
+          <a:lstStyle/>
+          <a:p>
+            <a:r>
+              <a:rPr lang="en-US" dirty="0"/>
+              <a:t> // </a:t>
+            </a:r>
+            <a:r>
+              <a:rPr lang="en-US" dirty="0" err="1"/>
+              <a:t>Jaci's</a:t>
+            </a:r>
+            <a:r>
+              <a:rPr lang="en-US" dirty="0"/>
+              <a:t> Pathfinder</a:t>
+            </a:r>
+          </a:p>
+          <a:p>
+            <a:r>
+              <a:rPr lang="en-US" dirty="0"/>
+              <a:t>  public static final int </a:t>
+            </a:r>
+            <a:r>
+              <a:rPr lang="en-US" dirty="0" err="1"/>
+              <a:t>k_ticks_per_rev</a:t>
+            </a:r>
+            <a:r>
+              <a:rPr lang="en-US" dirty="0"/>
+              <a:t> = 4096;</a:t>
+            </a:r>
+          </a:p>
+          <a:p>
+            <a:r>
+              <a:rPr lang="en-US" dirty="0"/>
+              <a:t>  public static final double </a:t>
+            </a:r>
+            <a:r>
+              <a:rPr lang="en-US" dirty="0" err="1"/>
+              <a:t>k_wheel_diameter</a:t>
+            </a:r>
+            <a:r>
+              <a:rPr lang="en-US" dirty="0"/>
+              <a:t> = .5;</a:t>
+            </a:r>
+          </a:p>
+          <a:p>
+            <a:r>
+              <a:rPr lang="en-US" dirty="0"/>
+              <a:t>  public static final double </a:t>
+            </a:r>
+            <a:r>
+              <a:rPr lang="en-US" dirty="0" err="1"/>
+              <a:t>k_max_velocity</a:t>
+            </a:r>
+            <a:r>
+              <a:rPr lang="en-US" dirty="0"/>
+              <a:t> = 8;</a:t>
+            </a:r>
+          </a:p>
+          <a:p>
+            <a:r>
+              <a:rPr lang="en-US" dirty="0"/>
+              <a:t>  public static final String </a:t>
+            </a:r>
+            <a:r>
+              <a:rPr lang="en-US" dirty="0" err="1"/>
+              <a:t>k_path_name</a:t>
+            </a:r>
+            <a:r>
+              <a:rPr lang="en-US" dirty="0"/>
+              <a:t> = "</a:t>
+            </a:r>
+            <a:r>
+              <a:rPr lang="en-US" dirty="0" err="1"/>
+              <a:t>SimpleForward</a:t>
+            </a:r>
+            <a:r>
+              <a:rPr lang="en-US" dirty="0"/>
+              <a:t>";</a:t>
+            </a:r>
+          </a:p>
+        </p:txBody>
+      </p:sp>
+      <p:sp>
+        <p:nvSpPr>
+          <p:cNvPr id="6" name="Rectangle 5">
+            <a:extLst>
+              <a:ext uri="{FF2B5EF4-FFF2-40B4-BE49-F238E27FC236}">
+                <a16:creationId xmlns:a16="http://schemas.microsoft.com/office/drawing/2014/main" id="{BE966612-D652-45A9-B6D5-175E90A9A2B4}"/>
+              </a:ext>
+            </a:extLst>
+          </p:cNvPr>
+          <p:cNvSpPr/>
+          <p:nvPr/>
+        </p:nvSpPr>
+        <p:spPr>
+          <a:xfrm>
+            <a:off x="860612" y="1263206"/>
+            <a:ext cx="6096000" cy="1477328"/>
+          </a:xfrm>
+          <a:prstGeom prst="rect">
+            <a:avLst/>
+          </a:prstGeom>
+        </p:spPr>
+        <p:txBody>
+          <a:bodyPr>
+            <a:spAutoFit/>
+          </a:bodyPr>
+          <a:lstStyle/>
+          <a:p>
+            <a:endParaRPr lang="en-US" dirty="0"/>
+          </a:p>
+          <a:p>
+            <a:r>
+              <a:rPr lang="en-US" dirty="0"/>
+              <a:t>import </a:t>
+            </a:r>
+            <a:r>
+              <a:rPr lang="en-US" dirty="0" err="1"/>
+              <a:t>jaci.pathfinder.Pathfinder</a:t>
+            </a:r>
+            <a:r>
+              <a:rPr lang="en-US" dirty="0"/>
+              <a:t>;</a:t>
+            </a:r>
+          </a:p>
+          <a:p>
+            <a:r>
+              <a:rPr lang="en-US" dirty="0"/>
+              <a:t>import </a:t>
+            </a:r>
+            <a:r>
+              <a:rPr lang="en-US" dirty="0" err="1"/>
+              <a:t>jaci.pathfinder.PathfinderFRC</a:t>
+            </a:r>
+            <a:r>
+              <a:rPr lang="en-US" dirty="0"/>
+              <a:t>;</a:t>
+            </a:r>
+          </a:p>
+          <a:p>
+            <a:r>
+              <a:rPr lang="en-US" dirty="0"/>
+              <a:t>import </a:t>
+            </a:r>
+            <a:r>
+              <a:rPr lang="en-US" dirty="0" err="1"/>
+              <a:t>jaci.pathfinder.Trajectory</a:t>
+            </a:r>
+            <a:r>
+              <a:rPr lang="en-US" dirty="0"/>
+              <a:t>;</a:t>
+            </a:r>
+          </a:p>
+          <a:p>
+            <a:r>
+              <a:rPr lang="en-US" dirty="0"/>
+              <a:t>import </a:t>
+            </a:r>
+            <a:r>
+              <a:rPr lang="en-US" dirty="0" err="1"/>
+              <a:t>jaci.pathfinder.followers.EncoderFollower</a:t>
+            </a:r>
+            <a:r>
+              <a:rPr lang="en-US" dirty="0"/>
+              <a:t>;</a:t>
+            </a:r>
+          </a:p>
+        </p:txBody>
+      </p:sp>
     </p:spTree>
     <p:extLst>
       <p:ext uri="{BB962C8B-B14F-4D97-AF65-F5344CB8AC3E}">
-        <p14:creationId xmlns:p14="http://schemas.microsoft.com/office/powerpoint/2010/main" val="1823512640"/>
+        <p14:creationId xmlns:p14="http://schemas.microsoft.com/office/powerpoint/2010/main" val="4108041539"/>
       </p:ext>
     </p:extLst>
   </p:cSld>
@@ -7903,7 +7843,7 @@
           <p:cNvPr id="2" name="Title 1">
             <a:extLst>
               <a:ext uri="{FF2B5EF4-FFF2-40B4-BE49-F238E27FC236}">
-                <a16:creationId xmlns:a16="http://schemas.microsoft.com/office/drawing/2014/main" id="{0F3A3D70-FCB5-4950-A981-7787148A87AA}"/>
+                <a16:creationId xmlns:a16="http://schemas.microsoft.com/office/drawing/2014/main" id="{1C4D0ADC-C24B-45E4-9ADC-9AB04A59FCE4}"/>
               </a:ext>
             </a:extLst>
           </p:cNvPr>
@@ -7921,81 +7861,8 @@
           <a:p>
             <a:r>
               <a:rPr lang="en-US" dirty="0"/>
-              <a:t>OPENCV	</a:t>
-            </a:r>
-          </a:p>
-        </p:txBody>
-      </p:sp>
-      <p:sp>
-        <p:nvSpPr>
-          <p:cNvPr id="3" name="Content Placeholder 2">
-            <a:extLst>
-              <a:ext uri="{FF2B5EF4-FFF2-40B4-BE49-F238E27FC236}">
-                <a16:creationId xmlns:a16="http://schemas.microsoft.com/office/drawing/2014/main" id="{27838C07-A50E-4FE1-ACA1-9C4F2F37825D}"/>
-              </a:ext>
-            </a:extLst>
-          </p:cNvPr>
-          <p:cNvSpPr>
-            <a:spLocks noGrp="1"/>
-          </p:cNvSpPr>
-          <p:nvPr>
-            <p:ph idx="1"/>
-          </p:nvPr>
-        </p:nvSpPr>
-        <p:spPr/>
-        <p:txBody>
-          <a:bodyPr>
-            <a:normAutofit/>
-          </a:bodyPr>
-          <a:lstStyle/>
-          <a:p>
-            <a:r>
-              <a:rPr lang="en-US" dirty="0"/>
-              <a:t>OpenCV is a industry wide vision processing.</a:t>
-            </a:r>
-          </a:p>
-          <a:p>
-            <a:r>
-              <a:rPr lang="en-US" dirty="0"/>
-              <a:t>The code will be the same on a PC as a Pi </a:t>
-            </a:r>
-            <a:r>
-              <a:rPr lang="en-US" dirty="0" err="1"/>
-              <a:t>orr</a:t>
-            </a:r>
-            <a:r>
-              <a:rPr lang="en-US" dirty="0"/>
-              <a:t> </a:t>
-            </a:r>
-          </a:p>
-          <a:p>
-            <a:r>
-              <a:rPr lang="en-US" dirty="0"/>
-              <a:t>The Raspberry PI WPI build has very good debugging for a headless device, it has the images sent back to the web page.</a:t>
-            </a:r>
-          </a:p>
-          <a:p>
-            <a:r>
-              <a:rPr lang="en-US" dirty="0"/>
-              <a:t>For Nano, the best way to debug is sending back the image through a socket call.  See file on my </a:t>
-            </a:r>
-            <a:r>
-              <a:rPr lang="en-US" dirty="0" err="1"/>
-              <a:t>github</a:t>
-            </a:r>
-            <a:r>
-              <a:rPr lang="en-US" dirty="0"/>
-              <a:t> for this.  </a:t>
-            </a:r>
-          </a:p>
-          <a:p>
-            <a:endParaRPr lang="en-US" dirty="0"/>
-          </a:p>
-          <a:p>
-            <a:endParaRPr lang="en-US" dirty="0"/>
-          </a:p>
-          <a:p>
-            <a:endParaRPr lang="en-US" dirty="0"/>
+              <a:t>Pathfinder</a:t>
+            </a:r>
           </a:p>
         </p:txBody>
       </p:sp>
@@ -8004,7 +7871,7 @@
           <p:cNvPr id="4" name="Rectangle 3">
             <a:extLst>
               <a:ext uri="{FF2B5EF4-FFF2-40B4-BE49-F238E27FC236}">
-                <a16:creationId xmlns:a16="http://schemas.microsoft.com/office/drawing/2014/main" id="{EC05FFDF-4D44-4CAD-B457-0B53D18A78D0}"/>
+                <a16:creationId xmlns:a16="http://schemas.microsoft.com/office/drawing/2014/main" id="{5C84F44E-0421-40F0-B772-49D309B7DAD5}"/>
               </a:ext>
             </a:extLst>
           </p:cNvPr>
@@ -8033,10 +7900,251 @@
           </a:p>
         </p:txBody>
       </p:sp>
+      <p:sp>
+        <p:nvSpPr>
+          <p:cNvPr id="3" name="Rectangle 2">
+            <a:extLst>
+              <a:ext uri="{FF2B5EF4-FFF2-40B4-BE49-F238E27FC236}">
+                <a16:creationId xmlns:a16="http://schemas.microsoft.com/office/drawing/2014/main" id="{0986A001-DFD4-4127-8949-7E9F436E2F94}"/>
+              </a:ext>
+            </a:extLst>
+          </p:cNvPr>
+          <p:cNvSpPr/>
+          <p:nvPr/>
+        </p:nvSpPr>
+        <p:spPr>
+          <a:xfrm>
+            <a:off x="923365" y="1285198"/>
+            <a:ext cx="9260541" cy="4524315"/>
+          </a:xfrm>
+          <a:prstGeom prst="rect">
+            <a:avLst/>
+          </a:prstGeom>
+        </p:spPr>
+        <p:txBody>
+          <a:bodyPr wrap="square">
+            <a:spAutoFit/>
+          </a:bodyPr>
+          <a:lstStyle/>
+          <a:p>
+            <a:r>
+              <a:rPr lang="en-US" dirty="0"/>
+              <a:t> try</a:t>
+            </a:r>
+          </a:p>
+          <a:p>
+            <a:r>
+              <a:rPr lang="en-US" dirty="0"/>
+              <a:t>    {</a:t>
+            </a:r>
+          </a:p>
+          <a:p>
+            <a:r>
+              <a:rPr lang="en-US" dirty="0"/>
+              <a:t>      </a:t>
+            </a:r>
+            <a:r>
+              <a:rPr lang="en-US" dirty="0" err="1"/>
+              <a:t>System.out.println</a:t>
+            </a:r>
+            <a:r>
+              <a:rPr lang="en-US" dirty="0"/>
+              <a:t>(name + ".left");</a:t>
+            </a:r>
+          </a:p>
+          <a:p>
+            <a:r>
+              <a:rPr lang="en-US" dirty="0"/>
+              <a:t>      </a:t>
+            </a:r>
+            <a:r>
+              <a:rPr lang="en-US" dirty="0" err="1"/>
+              <a:t>System.out.println</a:t>
+            </a:r>
+            <a:r>
+              <a:rPr lang="en-US" dirty="0"/>
+              <a:t>(name + ".right");</a:t>
+            </a:r>
+          </a:p>
+          <a:p>
+            <a:r>
+              <a:rPr lang="en-US" dirty="0"/>
+              <a:t>      Trajectory </a:t>
+            </a:r>
+            <a:r>
+              <a:rPr lang="en-US" dirty="0" err="1"/>
+              <a:t>left_trajectory</a:t>
+            </a:r>
+            <a:r>
+              <a:rPr lang="en-US" dirty="0"/>
+              <a:t> = </a:t>
+            </a:r>
+            <a:r>
+              <a:rPr lang="en-US" dirty="0" err="1"/>
+              <a:t>PathfinderFRC.getTrajectory</a:t>
+            </a:r>
+            <a:r>
+              <a:rPr lang="en-US" dirty="0"/>
+              <a:t>(name + ".left");</a:t>
+            </a:r>
+          </a:p>
+          <a:p>
+            <a:r>
+              <a:rPr lang="en-US" dirty="0"/>
+              <a:t>      Trajectory </a:t>
+            </a:r>
+            <a:r>
+              <a:rPr lang="en-US" dirty="0" err="1"/>
+              <a:t>right_trajectory</a:t>
+            </a:r>
+            <a:r>
+              <a:rPr lang="en-US" dirty="0"/>
+              <a:t> = </a:t>
+            </a:r>
+            <a:r>
+              <a:rPr lang="en-US" dirty="0" err="1"/>
+              <a:t>PathfinderFRC.getTrajectory</a:t>
+            </a:r>
+            <a:r>
+              <a:rPr lang="en-US" dirty="0"/>
+              <a:t>(name + ".right");</a:t>
+            </a:r>
+          </a:p>
+          <a:p>
+            <a:r>
+              <a:rPr lang="en-US" dirty="0"/>
+              <a:t>      </a:t>
+            </a:r>
+            <a:r>
+              <a:rPr lang="en-US" dirty="0" err="1"/>
+              <a:t>RobotMap.sLeftFollower</a:t>
+            </a:r>
+            <a:r>
+              <a:rPr lang="en-US" dirty="0"/>
+              <a:t> = new </a:t>
+            </a:r>
+            <a:r>
+              <a:rPr lang="en-US" dirty="0" err="1"/>
+              <a:t>EncoderFollower</a:t>
+            </a:r>
+            <a:r>
+              <a:rPr lang="en-US" dirty="0"/>
+              <a:t>(</a:t>
+            </a:r>
+            <a:r>
+              <a:rPr lang="en-US" dirty="0" err="1"/>
+              <a:t>left_trajectory</a:t>
+            </a:r>
+            <a:r>
+              <a:rPr lang="en-US" dirty="0"/>
+              <a:t>);</a:t>
+            </a:r>
+          </a:p>
+          <a:p>
+            <a:r>
+              <a:rPr lang="en-US" dirty="0"/>
+              <a:t>      </a:t>
+            </a:r>
+            <a:r>
+              <a:rPr lang="en-US" dirty="0" err="1"/>
+              <a:t>RobotMap.sRightFollower</a:t>
+            </a:r>
+            <a:r>
+              <a:rPr lang="en-US" dirty="0"/>
+              <a:t> = new </a:t>
+            </a:r>
+            <a:r>
+              <a:rPr lang="en-US" dirty="0" err="1"/>
+              <a:t>EncoderFollower</a:t>
+            </a:r>
+            <a:r>
+              <a:rPr lang="en-US" dirty="0"/>
+              <a:t>(</a:t>
+            </a:r>
+            <a:r>
+              <a:rPr lang="en-US" dirty="0" err="1"/>
+              <a:t>right_trajectory</a:t>
+            </a:r>
+            <a:r>
+              <a:rPr lang="en-US" dirty="0"/>
+              <a:t>);</a:t>
+            </a:r>
+          </a:p>
+          <a:p>
+            <a:endParaRPr lang="en-US" dirty="0"/>
+          </a:p>
+          <a:p>
+            <a:r>
+              <a:rPr lang="en-US" dirty="0"/>
+              <a:t>      &lt;Next Page&gt;</a:t>
+            </a:r>
+          </a:p>
+          <a:p>
+            <a:r>
+              <a:rPr lang="en-US" dirty="0"/>
+              <a:t>   </a:t>
+            </a:r>
+          </a:p>
+          <a:p>
+            <a:r>
+              <a:rPr lang="en-US" dirty="0"/>
+              <a:t>    }</a:t>
+            </a:r>
+          </a:p>
+          <a:p>
+            <a:r>
+              <a:rPr lang="en-US" dirty="0"/>
+              <a:t>    catch(Exception e)</a:t>
+            </a:r>
+          </a:p>
+          <a:p>
+            <a:r>
+              <a:rPr lang="en-US" dirty="0"/>
+              <a:t>    {</a:t>
+            </a:r>
+          </a:p>
+          <a:p>
+            <a:r>
+              <a:rPr lang="en-US" dirty="0"/>
+              <a:t>      </a:t>
+            </a:r>
+            <a:r>
+              <a:rPr lang="en-US" dirty="0" err="1"/>
+              <a:t>System.console</a:t>
+            </a:r>
+            <a:r>
+              <a:rPr lang="en-US" dirty="0"/>
+              <a:t>().</a:t>
+            </a:r>
+            <a:r>
+              <a:rPr lang="en-US" dirty="0" err="1"/>
+              <a:t>printf</a:t>
+            </a:r>
+            <a:r>
+              <a:rPr lang="en-US" dirty="0"/>
+              <a:t>(</a:t>
+            </a:r>
+            <a:r>
+              <a:rPr lang="en-US" dirty="0" err="1"/>
+              <a:t>e.toString</a:t>
+            </a:r>
+            <a:r>
+              <a:rPr lang="en-US" dirty="0"/>
+              <a:t>());</a:t>
+            </a:r>
+          </a:p>
+          <a:p>
+            <a:r>
+              <a:rPr lang="en-US" dirty="0"/>
+              <a:t>    }</a:t>
+            </a:r>
+          </a:p>
+        </p:txBody>
+      </p:sp>
     </p:spTree>
     <p:extLst>
       <p:ext uri="{BB962C8B-B14F-4D97-AF65-F5344CB8AC3E}">
-        <p14:creationId xmlns:p14="http://schemas.microsoft.com/office/powerpoint/2010/main" val="4001627580"/>
+        <p14:creationId xmlns:p14="http://schemas.microsoft.com/office/powerpoint/2010/main" val="182550279"/>
       </p:ext>
     </p:extLst>
   </p:cSld>
@@ -8085,9 +8193,18 @@
           <a:lstStyle/>
           <a:p>
             <a:r>
-              <a:rPr lang="en-US" dirty="0"/>
-              <a:t>Things we will talk about</a:t>
-            </a:r>
+              <a:rPr lang="en-US" dirty="0" err="1"/>
+              <a:t>Jaci</a:t>
+            </a:r>
+            <a:r>
+              <a:rPr lang="en-US" dirty="0"/>
+              <a:t> </a:t>
+            </a:r>
+            <a:r>
+              <a:rPr lang="en-US" dirty="0" err="1"/>
+              <a:t>Brunning</a:t>
+            </a:r>
+            <a:endParaRPr lang="en-US" dirty="0"/>
           </a:p>
         </p:txBody>
       </p:sp>
@@ -8107,7 +8224,12 @@
             <p:ph idx="1"/>
           </p:nvPr>
         </p:nvSpPr>
-        <p:spPr/>
+        <p:spPr>
+          <a:xfrm>
+            <a:off x="1103313" y="2052918"/>
+            <a:ext cx="4926574" cy="4195481"/>
+          </a:xfrm>
+        </p:spPr>
         <p:txBody>
           <a:bodyPr>
             <a:normAutofit/>
@@ -8115,40 +8237,31 @@
           <a:lstStyle/>
           <a:p>
             <a:r>
-              <a:rPr lang="en-US" dirty="0" err="1"/>
-              <a:t>WPILib</a:t>
-            </a:r>
-            <a:endParaRPr lang="en-US" dirty="0"/>
-          </a:p>
-          <a:p>
-            <a:r>
-              <a:rPr lang="en-US" dirty="0" err="1"/>
-              <a:t>Roborio</a:t>
-            </a:r>
-            <a:endParaRPr lang="en-US" dirty="0"/>
-          </a:p>
-          <a:p>
-            <a:r>
-              <a:rPr lang="en-US" dirty="0"/>
-              <a:t>Arduino</a:t>
-            </a:r>
-          </a:p>
-          <a:p>
-            <a:r>
-              <a:rPr lang="en-US" dirty="0"/>
-              <a:t>Raspberry PI</a:t>
-            </a:r>
-          </a:p>
-          <a:p>
-            <a:r>
-              <a:rPr lang="en-US" dirty="0"/>
-              <a:t>Jetson</a:t>
-            </a:r>
-          </a:p>
-          <a:p>
-            <a:r>
-              <a:rPr lang="en-US" dirty="0" err="1"/>
-              <a:t>LimeLight</a:t>
+              <a:rPr lang="en-US" dirty="0"/>
+              <a:t>Moto: I write code for people that write code for robots.</a:t>
+            </a:r>
+          </a:p>
+          <a:p>
+            <a:pPr fontAlgn="t"/>
+            <a:r>
+              <a:rPr lang="en-US" dirty="0"/>
+              <a:t>From Perth, Western Australia</a:t>
+            </a:r>
+          </a:p>
+          <a:p>
+            <a:pPr fontAlgn="t"/>
+            <a:r>
+              <a:rPr lang="en-US" dirty="0"/>
+              <a:t>Part of the WPI team</a:t>
+            </a:r>
+          </a:p>
+          <a:p>
+            <a:pPr fontAlgn="t"/>
+            <a:r>
+              <a:rPr lang="en-US" dirty="0">
+                <a:hlinkClick r:id="rId2"/>
+              </a:rPr>
+              <a:t>https://github.com/JacisNonsense</a:t>
             </a:r>
             <a:endParaRPr lang="en-US" dirty="0"/>
           </a:p>
@@ -8188,6 +8301,36 @@
           </a:p>
         </p:txBody>
       </p:sp>
+      <p:pic>
+        <p:nvPicPr>
+          <p:cNvPr id="6" name="Picture 5" descr="A person in glasses looking at the camera&#10;&#10;Description automatically generated">
+            <a:extLst>
+              <a:ext uri="{FF2B5EF4-FFF2-40B4-BE49-F238E27FC236}">
+                <a16:creationId xmlns:a16="http://schemas.microsoft.com/office/drawing/2014/main" id="{C15E0282-63A5-418F-B907-86D9F8F901A1}"/>
+              </a:ext>
+            </a:extLst>
+          </p:cNvPr>
+          <p:cNvPicPr>
+            <a:picLocks noChangeAspect="1"/>
+          </p:cNvPicPr>
+          <p:nvPr/>
+        </p:nvPicPr>
+        <p:blipFill>
+          <a:blip r:embed="rId3"/>
+          <a:stretch>
+            <a:fillRect/>
+          </a:stretch>
+        </p:blipFill>
+        <p:spPr>
+          <a:xfrm>
+            <a:off x="6096000" y="1658312"/>
+            <a:ext cx="4381500" cy="4381500"/>
+          </a:xfrm>
+          <a:prstGeom prst="rect">
+            <a:avLst/>
+          </a:prstGeom>
+        </p:spPr>
+      </p:pic>
     </p:spTree>
     <p:extLst>
       <p:ext uri="{BB962C8B-B14F-4D97-AF65-F5344CB8AC3E}">
@@ -8223,7 +8366,7 @@
           <p:cNvPr id="2" name="Title 1">
             <a:extLst>
               <a:ext uri="{FF2B5EF4-FFF2-40B4-BE49-F238E27FC236}">
-                <a16:creationId xmlns:a16="http://schemas.microsoft.com/office/drawing/2014/main" id="{0F3A3D70-FCB5-4950-A981-7787148A87AA}"/>
+                <a16:creationId xmlns:a16="http://schemas.microsoft.com/office/drawing/2014/main" id="{1C4D0ADC-C24B-45E4-9ADC-9AB04A59FCE4}"/>
               </a:ext>
             </a:extLst>
           </p:cNvPr>
@@ -8240,72 +8383,8 @@
           <a:lstStyle/>
           <a:p>
             <a:r>
-              <a:rPr lang="en-US" dirty="0" err="1"/>
-              <a:t>LimeLight</a:t>
-            </a:r>
-            <a:r>
-              <a:rPr lang="en-US" dirty="0"/>
-              <a:t>	</a:t>
-            </a:r>
-          </a:p>
-        </p:txBody>
-      </p:sp>
-      <p:sp>
-        <p:nvSpPr>
-          <p:cNvPr id="3" name="Content Placeholder 2">
-            <a:extLst>
-              <a:ext uri="{FF2B5EF4-FFF2-40B4-BE49-F238E27FC236}">
-                <a16:creationId xmlns:a16="http://schemas.microsoft.com/office/drawing/2014/main" id="{27838C07-A50E-4FE1-ACA1-9C4F2F37825D}"/>
-              </a:ext>
-            </a:extLst>
-          </p:cNvPr>
-          <p:cNvSpPr>
-            <a:spLocks noGrp="1"/>
-          </p:cNvSpPr>
-          <p:nvPr>
-            <p:ph idx="1"/>
-          </p:nvPr>
-        </p:nvSpPr>
-        <p:spPr/>
-        <p:txBody>
-          <a:bodyPr>
-            <a:normAutofit/>
-          </a:bodyPr>
-          <a:lstStyle/>
-          <a:p>
-            <a:r>
-              <a:rPr lang="en-US" dirty="0"/>
-              <a:t>The Limelight is a Raspberry PI based vision processor.</a:t>
-            </a:r>
-          </a:p>
-          <a:p>
-            <a:r>
-              <a:rPr lang="en-US" dirty="0"/>
-              <a:t>Basically it is everything you need to see the reflective tape</a:t>
-            </a:r>
-          </a:p>
-          <a:p>
-            <a:r>
-              <a:rPr lang="en-US" dirty="0"/>
-              <a:t>It is the best plug and play device for FRC.</a:t>
-            </a:r>
-          </a:p>
-          <a:p>
-            <a:r>
-              <a:rPr lang="en-US" dirty="0"/>
-              <a:t>The setup uses something called GRIP to decide what to do.</a:t>
-            </a:r>
-          </a:p>
-          <a:p>
-            <a:r>
-              <a:rPr lang="en-US" dirty="0"/>
-              <a:t>GRIP is based on OpenCV.</a:t>
-            </a:r>
-          </a:p>
-          <a:p>
-            <a:r>
-              <a:rPr lang="en-US" dirty="0"/>
-              <a:t>Anything in it can be done in raw C++/Python code in OpenCV.</a:t>
+              <a:rPr lang="en-US" dirty="0"/>
+              <a:t>Pathfinder</a:t>
             </a:r>
           </a:p>
         </p:txBody>
@@ -8315,7 +8394,7 @@
           <p:cNvPr id="4" name="Rectangle 3">
             <a:extLst>
               <a:ext uri="{FF2B5EF4-FFF2-40B4-BE49-F238E27FC236}">
-                <a16:creationId xmlns:a16="http://schemas.microsoft.com/office/drawing/2014/main" id="{EC05FFDF-4D44-4CAD-B457-0B53D18A78D0}"/>
+                <a16:creationId xmlns:a16="http://schemas.microsoft.com/office/drawing/2014/main" id="{5C84F44E-0421-40F0-B772-49D309B7DAD5}"/>
               </a:ext>
             </a:extLst>
           </p:cNvPr>
@@ -8344,40 +8423,1599 @@
           </a:p>
         </p:txBody>
       </p:sp>
-      <p:pic>
-        <p:nvPicPr>
-          <p:cNvPr id="6" name="Picture 5" descr="A close up of a speaker&#10;&#10;Description automatically generated">
+      <p:sp>
+        <p:nvSpPr>
+          <p:cNvPr id="5" name="Rectangle 4">
             <a:extLst>
               <a:ext uri="{FF2B5EF4-FFF2-40B4-BE49-F238E27FC236}">
-                <a16:creationId xmlns:a16="http://schemas.microsoft.com/office/drawing/2014/main" id="{DD11B425-021A-4A2B-A94D-E22AABA402D8}"/>
+                <a16:creationId xmlns:a16="http://schemas.microsoft.com/office/drawing/2014/main" id="{52D512DA-2A42-46CA-8611-13B104D95A9F}"/>
               </a:ext>
             </a:extLst>
           </p:cNvPr>
-          <p:cNvPicPr>
-            <a:picLocks noChangeAspect="1"/>
-          </p:cNvPicPr>
+          <p:cNvSpPr/>
           <p:nvPr/>
-        </p:nvPicPr>
-        <p:blipFill>
-          <a:blip r:embed="rId2"/>
-          <a:stretch>
-            <a:fillRect/>
-          </a:stretch>
-        </p:blipFill>
+        </p:nvSpPr>
         <p:spPr>
           <a:xfrm>
-            <a:off x="8954478" y="95298"/>
-            <a:ext cx="2705100" cy="2705100"/>
+            <a:off x="488576" y="1305341"/>
+            <a:ext cx="11214847" cy="4247317"/>
           </a:xfrm>
           <a:prstGeom prst="rect">
             <a:avLst/>
           </a:prstGeom>
         </p:spPr>
-      </p:pic>
+        <p:txBody>
+          <a:bodyPr wrap="square">
+            <a:spAutoFit/>
+          </a:bodyPr>
+          <a:lstStyle/>
+          <a:p>
+            <a:endParaRPr lang="en-US" dirty="0"/>
+          </a:p>
+          <a:p>
+            <a:r>
+              <a:rPr lang="en-US" dirty="0"/>
+              <a:t>    </a:t>
+            </a:r>
+            <a:r>
+              <a:rPr lang="en-US" dirty="0" err="1"/>
+              <a:t>RobotMap.sLeftFollower.configureEncoder</a:t>
+            </a:r>
+            <a:r>
+              <a:rPr lang="en-US" dirty="0"/>
+              <a:t>(-1 *</a:t>
+            </a:r>
+            <a:r>
+              <a:rPr lang="en-US" dirty="0" err="1"/>
+              <a:t>RobotMap.sMotorLeftA.getSelectedSensorPosition</a:t>
+            </a:r>
+            <a:r>
+              <a:rPr lang="en-US" dirty="0"/>
+              <a:t>(0), </a:t>
+            </a:r>
+          </a:p>
+          <a:p>
+            <a:r>
+              <a:rPr lang="en-US" dirty="0"/>
+              <a:t>          </a:t>
+            </a:r>
+            <a:r>
+              <a:rPr lang="en-US" dirty="0" err="1"/>
+              <a:t>Constants.k_ticks_per_rev</a:t>
+            </a:r>
+            <a:r>
+              <a:rPr lang="en-US" dirty="0"/>
+              <a:t>, </a:t>
+            </a:r>
+            <a:r>
+              <a:rPr lang="en-US" dirty="0" err="1"/>
+              <a:t>Constants.k_wheel_diameter</a:t>
+            </a:r>
+            <a:r>
+              <a:rPr lang="en-US" dirty="0"/>
+              <a:t>);</a:t>
+            </a:r>
+          </a:p>
+          <a:p>
+            <a:r>
+              <a:rPr lang="en-US" dirty="0"/>
+              <a:t>      // You must tune the PID values on the following line!</a:t>
+            </a:r>
+          </a:p>
+          <a:p>
+            <a:r>
+              <a:rPr lang="en-US" dirty="0"/>
+              <a:t>      </a:t>
+            </a:r>
+            <a:r>
+              <a:rPr lang="en-US" dirty="0" err="1"/>
+              <a:t>RobotMap.sLeftFollower.configurePIDVA</a:t>
+            </a:r>
+            <a:r>
+              <a:rPr lang="en-US" dirty="0"/>
+              <a:t>(1.0, 0.0, 0.0, 1 / </a:t>
+            </a:r>
+            <a:r>
+              <a:rPr lang="en-US" dirty="0" err="1"/>
+              <a:t>Constants.k_max_velocity</a:t>
+            </a:r>
+            <a:r>
+              <a:rPr lang="en-US" dirty="0"/>
+              <a:t>, 0);</a:t>
+            </a:r>
+          </a:p>
+          <a:p>
+            <a:r>
+              <a:rPr lang="en-US" dirty="0"/>
+              <a:t>  </a:t>
+            </a:r>
+          </a:p>
+          <a:p>
+            <a:r>
+              <a:rPr lang="en-US" dirty="0"/>
+              <a:t>      </a:t>
+            </a:r>
+            <a:r>
+              <a:rPr lang="en-US" dirty="0" err="1"/>
+              <a:t>RobotMap.sRightFollower.configureEncoder</a:t>
+            </a:r>
+            <a:r>
+              <a:rPr lang="en-US" dirty="0"/>
+              <a:t>(-1 *</a:t>
+            </a:r>
+            <a:r>
+              <a:rPr lang="en-US" dirty="0" err="1"/>
+              <a:t>RobotMap.sMotorRightA.getSelectedSensorPosition</a:t>
+            </a:r>
+            <a:r>
+              <a:rPr lang="en-US" dirty="0"/>
+              <a:t>(0), </a:t>
+            </a:r>
+          </a:p>
+          <a:p>
+            <a:r>
+              <a:rPr lang="en-US" dirty="0"/>
+              <a:t>      </a:t>
+            </a:r>
+            <a:r>
+              <a:rPr lang="en-US" dirty="0" err="1"/>
+              <a:t>Constants.k_ticks_per_rev</a:t>
+            </a:r>
+            <a:r>
+              <a:rPr lang="en-US" dirty="0"/>
+              <a:t>, </a:t>
+            </a:r>
+            <a:r>
+              <a:rPr lang="en-US" dirty="0" err="1"/>
+              <a:t>Constants.k_wheel_diameter</a:t>
+            </a:r>
+            <a:r>
+              <a:rPr lang="en-US" dirty="0"/>
+              <a:t>);</a:t>
+            </a:r>
+          </a:p>
+          <a:p>
+            <a:r>
+              <a:rPr lang="en-US" dirty="0"/>
+              <a:t>      // You must tune the PID values on the following line!</a:t>
+            </a:r>
+          </a:p>
+          <a:p>
+            <a:r>
+              <a:rPr lang="en-US" dirty="0"/>
+              <a:t>      </a:t>
+            </a:r>
+            <a:r>
+              <a:rPr lang="en-US" dirty="0" err="1"/>
+              <a:t>RobotMap.sRightFollower.configurePIDVA</a:t>
+            </a:r>
+            <a:r>
+              <a:rPr lang="en-US" dirty="0"/>
+              <a:t>(1.0, 0.0, 0.0, 1 / </a:t>
+            </a:r>
+            <a:r>
+              <a:rPr lang="en-US" dirty="0" err="1"/>
+              <a:t>Constants.k_max_velocity</a:t>
+            </a:r>
+            <a:r>
+              <a:rPr lang="en-US" dirty="0"/>
+              <a:t>, 0);</a:t>
+            </a:r>
+          </a:p>
+          <a:p>
+            <a:r>
+              <a:rPr lang="en-US" dirty="0"/>
+              <a:t>      </a:t>
+            </a:r>
+          </a:p>
+          <a:p>
+            <a:r>
+              <a:rPr lang="en-US" dirty="0"/>
+              <a:t>      </a:t>
+            </a:r>
+            <a:r>
+              <a:rPr lang="en-US" dirty="0" err="1"/>
+              <a:t>RobotMap.sFollowerNotifier</a:t>
+            </a:r>
+            <a:r>
+              <a:rPr lang="en-US" dirty="0"/>
+              <a:t> = new Notifier(this::</a:t>
+            </a:r>
+            <a:r>
+              <a:rPr lang="en-US" dirty="0" err="1"/>
+              <a:t>followPath</a:t>
+            </a:r>
+            <a:r>
+              <a:rPr lang="en-US" dirty="0"/>
+              <a:t>);</a:t>
+            </a:r>
+          </a:p>
+          <a:p>
+            <a:r>
+              <a:rPr lang="en-US" dirty="0"/>
+              <a:t>      </a:t>
+            </a:r>
+            <a:r>
+              <a:rPr lang="en-US" dirty="0" err="1"/>
+              <a:t>RobotMap.sFollowerNotifier.startPeriodic</a:t>
+            </a:r>
+            <a:r>
+              <a:rPr lang="en-US" dirty="0"/>
+              <a:t>(</a:t>
+            </a:r>
+            <a:r>
+              <a:rPr lang="en-US" dirty="0" err="1"/>
+              <a:t>left_trajectory.get</a:t>
+            </a:r>
+            <a:r>
+              <a:rPr lang="en-US" dirty="0"/>
+              <a:t>(0).dt);</a:t>
+            </a:r>
+          </a:p>
+        </p:txBody>
+      </p:sp>
     </p:spTree>
     <p:extLst>
       <p:ext uri="{BB962C8B-B14F-4D97-AF65-F5344CB8AC3E}">
-        <p14:creationId xmlns:p14="http://schemas.microsoft.com/office/powerpoint/2010/main" val="2738392593"/>
+        <p14:creationId xmlns:p14="http://schemas.microsoft.com/office/powerpoint/2010/main" val="492416119"/>
+      </p:ext>
+    </p:extLst>
+  </p:cSld>
+  <p:clrMapOvr>
+    <a:masterClrMapping/>
+  </p:clrMapOvr>
+</p:sld>
+</file>
+
+<file path=ppt/slides/slide21.xml><?xml version="1.0" encoding="utf-8"?>
+<p:sld xmlns:a="http://schemas.openxmlformats.org/drawingml/2006/main" xmlns:r="http://schemas.openxmlformats.org/officeDocument/2006/relationships" xmlns:p="http://schemas.openxmlformats.org/presentationml/2006/main">
+  <p:cSld>
+    <p:spTree>
+      <p:nvGrpSpPr>
+        <p:cNvPr id="1" name=""/>
+        <p:cNvGrpSpPr/>
+        <p:nvPr/>
+      </p:nvGrpSpPr>
+      <p:grpSpPr>
+        <a:xfrm>
+          <a:off x="0" y="0"/>
+          <a:ext cx="0" cy="0"/>
+          <a:chOff x="0" y="0"/>
+          <a:chExt cx="0" cy="0"/>
+        </a:xfrm>
+      </p:grpSpPr>
+      <p:sp>
+        <p:nvSpPr>
+          <p:cNvPr id="2" name="Title 1">
+            <a:extLst>
+              <a:ext uri="{FF2B5EF4-FFF2-40B4-BE49-F238E27FC236}">
+                <a16:creationId xmlns:a16="http://schemas.microsoft.com/office/drawing/2014/main" id="{1C4D0ADC-C24B-45E4-9ADC-9AB04A59FCE4}"/>
+              </a:ext>
+            </a:extLst>
+          </p:cNvPr>
+          <p:cNvSpPr>
+            <a:spLocks noGrp="1"/>
+          </p:cNvSpPr>
+          <p:nvPr>
+            <p:ph type="title"/>
+          </p:nvPr>
+        </p:nvSpPr>
+        <p:spPr>
+          <a:xfrm>
+            <a:off x="5235388" y="452718"/>
+            <a:ext cx="4815446" cy="1400530"/>
+          </a:xfrm>
+        </p:spPr>
+        <p:txBody>
+          <a:bodyPr/>
+          <a:lstStyle/>
+          <a:p>
+            <a:r>
+              <a:rPr lang="en-US" dirty="0"/>
+              <a:t>Pathfinder</a:t>
+            </a:r>
+          </a:p>
+        </p:txBody>
+      </p:sp>
+      <p:sp>
+        <p:nvSpPr>
+          <p:cNvPr id="4" name="Rectangle 3">
+            <a:extLst>
+              <a:ext uri="{FF2B5EF4-FFF2-40B4-BE49-F238E27FC236}">
+                <a16:creationId xmlns:a16="http://schemas.microsoft.com/office/drawing/2014/main" id="{5C84F44E-0421-40F0-B772-49D309B7DAD5}"/>
+              </a:ext>
+            </a:extLst>
+          </p:cNvPr>
+          <p:cNvSpPr/>
+          <p:nvPr/>
+        </p:nvSpPr>
+        <p:spPr>
+          <a:xfrm>
+            <a:off x="1659988" y="6239482"/>
+            <a:ext cx="9387422" cy="523220"/>
+          </a:xfrm>
+          <a:prstGeom prst="rect">
+            <a:avLst/>
+          </a:prstGeom>
+        </p:spPr>
+        <p:txBody>
+          <a:bodyPr wrap="square">
+            <a:spAutoFit/>
+          </a:bodyPr>
+          <a:lstStyle/>
+          <a:p>
+            <a:r>
+              <a:rPr lang="en-US" sz="2800" dirty="0"/>
+              <a:t>https://github.com/JimWright4089/FIRSTWorkshops</a:t>
+            </a:r>
+          </a:p>
+        </p:txBody>
+      </p:sp>
+      <p:sp>
+        <p:nvSpPr>
+          <p:cNvPr id="3" name="Rectangle 2">
+            <a:extLst>
+              <a:ext uri="{FF2B5EF4-FFF2-40B4-BE49-F238E27FC236}">
+                <a16:creationId xmlns:a16="http://schemas.microsoft.com/office/drawing/2014/main" id="{7F5D2454-CBCA-41F5-B882-BDDB43597F83}"/>
+              </a:ext>
+            </a:extLst>
+          </p:cNvPr>
+          <p:cNvSpPr/>
+          <p:nvPr/>
+        </p:nvSpPr>
+        <p:spPr>
+          <a:xfrm>
+            <a:off x="219635" y="452718"/>
+            <a:ext cx="11752730" cy="5909310"/>
+          </a:xfrm>
+          <a:prstGeom prst="rect">
+            <a:avLst/>
+          </a:prstGeom>
+        </p:spPr>
+        <p:txBody>
+          <a:bodyPr wrap="square">
+            <a:spAutoFit/>
+          </a:bodyPr>
+          <a:lstStyle/>
+          <a:p>
+            <a:r>
+              <a:rPr lang="en-US" sz="1400" dirty="0"/>
+              <a:t> private void </a:t>
+            </a:r>
+            <a:r>
+              <a:rPr lang="en-US" sz="1400" dirty="0" err="1"/>
+              <a:t>followPath</a:t>
+            </a:r>
+            <a:r>
+              <a:rPr lang="en-US" sz="1400" dirty="0"/>
+              <a:t>() </a:t>
+            </a:r>
+          </a:p>
+          <a:p>
+            <a:r>
+              <a:rPr lang="en-US" sz="1400" dirty="0"/>
+              <a:t>  {</a:t>
+            </a:r>
+          </a:p>
+          <a:p>
+            <a:r>
+              <a:rPr lang="en-US" sz="1400" dirty="0"/>
+              <a:t>    if ((</a:t>
+            </a:r>
+            <a:r>
+              <a:rPr lang="en-US" sz="1400" dirty="0" err="1"/>
+              <a:t>isFinished</a:t>
+            </a:r>
+            <a:r>
+              <a:rPr lang="en-US" sz="1400" dirty="0"/>
+              <a:t>())||(false == </a:t>
+            </a:r>
+            <a:r>
+              <a:rPr lang="en-US" sz="1400" dirty="0" err="1"/>
+              <a:t>mRunLoop</a:t>
+            </a:r>
+            <a:r>
+              <a:rPr lang="en-US" sz="1400" dirty="0"/>
+              <a:t>)) </a:t>
+            </a:r>
+          </a:p>
+          <a:p>
+            <a:r>
+              <a:rPr lang="en-US" sz="1400" dirty="0"/>
+              <a:t>    {</a:t>
+            </a:r>
+          </a:p>
+          <a:p>
+            <a:r>
+              <a:rPr lang="en-US" sz="1400" dirty="0"/>
+              <a:t>      // Stop the motors and stop the follower</a:t>
+            </a:r>
+          </a:p>
+          <a:p>
+            <a:r>
+              <a:rPr lang="en-US" sz="1400" dirty="0"/>
+              <a:t>      </a:t>
+            </a:r>
+            <a:r>
+              <a:rPr lang="en-US" sz="1400" dirty="0" err="1"/>
+              <a:t>RobotMap.sFollowerNotifier.stop</a:t>
+            </a:r>
+            <a:r>
+              <a:rPr lang="en-US" sz="1400" dirty="0"/>
+              <a:t>();</a:t>
+            </a:r>
+          </a:p>
+          <a:p>
+            <a:r>
+              <a:rPr lang="en-US" sz="1400" dirty="0"/>
+              <a:t>      </a:t>
+            </a:r>
+            <a:r>
+              <a:rPr lang="en-US" sz="1400" dirty="0" err="1"/>
+              <a:t>RobotMap.sMotorLeftA.set</a:t>
+            </a:r>
+            <a:r>
+              <a:rPr lang="en-US" sz="1400" dirty="0"/>
+              <a:t>(0);</a:t>
+            </a:r>
+          </a:p>
+          <a:p>
+            <a:r>
+              <a:rPr lang="en-US" sz="1400" dirty="0"/>
+              <a:t>      </a:t>
+            </a:r>
+            <a:r>
+              <a:rPr lang="en-US" sz="1400" dirty="0" err="1"/>
+              <a:t>RobotMap.sMotorRightA.set</a:t>
+            </a:r>
+            <a:r>
+              <a:rPr lang="en-US" sz="1400" dirty="0"/>
+              <a:t>(0);</a:t>
+            </a:r>
+          </a:p>
+          <a:p>
+            <a:r>
+              <a:rPr lang="en-US" sz="1400" dirty="0"/>
+              <a:t>    } </a:t>
+            </a:r>
+          </a:p>
+          <a:p>
+            <a:r>
+              <a:rPr lang="en-US" sz="1400" dirty="0"/>
+              <a:t>    else </a:t>
+            </a:r>
+          </a:p>
+          <a:p>
+            <a:r>
+              <a:rPr lang="en-US" sz="1400" dirty="0"/>
+              <a:t>    {</a:t>
+            </a:r>
+          </a:p>
+          <a:p>
+            <a:r>
+              <a:rPr lang="en-US" sz="1400" dirty="0"/>
+              <a:t>      </a:t>
+            </a:r>
+            <a:r>
+              <a:rPr lang="en-US" sz="1400" dirty="0" err="1"/>
+              <a:t>PigeonIMU.FusionStatus</a:t>
+            </a:r>
+            <a:r>
+              <a:rPr lang="en-US" sz="1400" dirty="0"/>
+              <a:t> </a:t>
+            </a:r>
+            <a:r>
+              <a:rPr lang="en-US" sz="1400" dirty="0" err="1"/>
+              <a:t>fusionStatus</a:t>
+            </a:r>
+            <a:r>
+              <a:rPr lang="en-US" sz="1400" dirty="0"/>
+              <a:t> = new </a:t>
+            </a:r>
+            <a:r>
+              <a:rPr lang="en-US" sz="1400" dirty="0" err="1"/>
+              <a:t>PigeonIMU.FusionStatus</a:t>
+            </a:r>
+            <a:r>
+              <a:rPr lang="en-US" sz="1400" dirty="0"/>
+              <a:t>();</a:t>
+            </a:r>
+          </a:p>
+          <a:p>
+            <a:r>
+              <a:rPr lang="en-US" sz="1400" dirty="0"/>
+              <a:t>      double[] </a:t>
+            </a:r>
+            <a:r>
+              <a:rPr lang="en-US" sz="1400" dirty="0" err="1"/>
+              <a:t>xyz_dps</a:t>
+            </a:r>
+            <a:r>
+              <a:rPr lang="en-US" sz="1400" dirty="0"/>
+              <a:t> = new double[3];</a:t>
+            </a:r>
+          </a:p>
+          <a:p>
+            <a:r>
+              <a:rPr lang="en-US" sz="1400" dirty="0"/>
+              <a:t>      </a:t>
+            </a:r>
+            <a:r>
+              <a:rPr lang="en-US" sz="1400" dirty="0" err="1"/>
+              <a:t>RobotMap.sPigeonIMU.getRawGyro</a:t>
+            </a:r>
+            <a:r>
+              <a:rPr lang="en-US" sz="1400" dirty="0"/>
+              <a:t>(</a:t>
+            </a:r>
+            <a:r>
+              <a:rPr lang="en-US" sz="1400" dirty="0" err="1"/>
+              <a:t>xyz_dps</a:t>
+            </a:r>
+            <a:r>
+              <a:rPr lang="en-US" sz="1400" dirty="0"/>
+              <a:t>);</a:t>
+            </a:r>
+          </a:p>
+          <a:p>
+            <a:r>
+              <a:rPr lang="en-US" sz="1400" dirty="0"/>
+              <a:t>      </a:t>
+            </a:r>
+            <a:r>
+              <a:rPr lang="en-US" sz="1400" dirty="0" err="1"/>
+              <a:t>RobotMap.sPigeonIMU.getFusedHeading</a:t>
+            </a:r>
+            <a:r>
+              <a:rPr lang="en-US" sz="1400" dirty="0"/>
+              <a:t>(</a:t>
+            </a:r>
+            <a:r>
+              <a:rPr lang="en-US" sz="1400" dirty="0" err="1"/>
+              <a:t>fusionStatus</a:t>
+            </a:r>
+            <a:r>
+              <a:rPr lang="en-US" sz="1400" dirty="0"/>
+              <a:t>);</a:t>
+            </a:r>
+          </a:p>
+          <a:p>
+            <a:r>
+              <a:rPr lang="en-US" sz="1400" dirty="0"/>
+              <a:t>  </a:t>
+            </a:r>
+          </a:p>
+          <a:p>
+            <a:r>
+              <a:rPr lang="en-US" sz="1400" dirty="0"/>
+              <a:t>      double </a:t>
+            </a:r>
+            <a:r>
+              <a:rPr lang="en-US" sz="1400" dirty="0" err="1"/>
+              <a:t>left_speed</a:t>
+            </a:r>
+            <a:r>
+              <a:rPr lang="en-US" sz="1400" dirty="0"/>
+              <a:t> = </a:t>
+            </a:r>
+            <a:r>
+              <a:rPr lang="en-US" sz="1400" dirty="0" err="1"/>
+              <a:t>RobotMap.sLeftFollower.calculate</a:t>
+            </a:r>
+            <a:r>
+              <a:rPr lang="en-US" sz="1400" dirty="0"/>
+              <a:t>(</a:t>
+            </a:r>
+            <a:r>
+              <a:rPr lang="en-US" sz="1400" dirty="0" err="1"/>
+              <a:t>RobotMap.sMotorLeftA.getSelectedSensorPosition</a:t>
+            </a:r>
+            <a:r>
+              <a:rPr lang="en-US" sz="1400" dirty="0"/>
+              <a:t>(0)*-1);</a:t>
+            </a:r>
+          </a:p>
+          <a:p>
+            <a:r>
+              <a:rPr lang="en-US" sz="1400" dirty="0"/>
+              <a:t>      double </a:t>
+            </a:r>
+            <a:r>
+              <a:rPr lang="en-US" sz="1400" dirty="0" err="1"/>
+              <a:t>right_speed</a:t>
+            </a:r>
+            <a:r>
+              <a:rPr lang="en-US" sz="1400" dirty="0"/>
+              <a:t> = </a:t>
+            </a:r>
+            <a:r>
+              <a:rPr lang="en-US" sz="1400" dirty="0" err="1"/>
+              <a:t>RobotMap.sRightFollower.calculate</a:t>
+            </a:r>
+            <a:r>
+              <a:rPr lang="en-US" sz="1400" dirty="0"/>
+              <a:t>(</a:t>
+            </a:r>
+            <a:r>
+              <a:rPr lang="en-US" sz="1400" dirty="0" err="1"/>
+              <a:t>RobotMap.sMotorRightA.getSelectedSensorPosition</a:t>
+            </a:r>
+            <a:r>
+              <a:rPr lang="en-US" sz="1400" dirty="0"/>
+              <a:t>(0)*-1);</a:t>
+            </a:r>
+          </a:p>
+          <a:p>
+            <a:r>
+              <a:rPr lang="en-US" sz="1400" dirty="0"/>
+              <a:t>      double heading = </a:t>
+            </a:r>
+            <a:r>
+              <a:rPr lang="en-US" sz="1400" dirty="0" err="1"/>
+              <a:t>fusionStatus.heading</a:t>
+            </a:r>
+            <a:r>
+              <a:rPr lang="en-US" sz="1400" dirty="0"/>
+              <a:t>*-1;</a:t>
+            </a:r>
+          </a:p>
+          <a:p>
+            <a:r>
+              <a:rPr lang="en-US" sz="1400" dirty="0"/>
+              <a:t>      double </a:t>
+            </a:r>
+            <a:r>
+              <a:rPr lang="en-US" sz="1400" dirty="0" err="1"/>
+              <a:t>desired_heading</a:t>
+            </a:r>
+            <a:r>
+              <a:rPr lang="en-US" sz="1400" dirty="0"/>
+              <a:t> = Pathfinder.r2d(</a:t>
+            </a:r>
+            <a:r>
+              <a:rPr lang="en-US" sz="1400" dirty="0" err="1"/>
+              <a:t>RobotMap.sLeftFollower.getHeading</a:t>
+            </a:r>
+            <a:r>
+              <a:rPr lang="en-US" sz="1400" dirty="0"/>
+              <a:t>());</a:t>
+            </a:r>
+          </a:p>
+          <a:p>
+            <a:r>
+              <a:rPr lang="en-US" sz="1400" dirty="0"/>
+              <a:t>      double </a:t>
+            </a:r>
+            <a:r>
+              <a:rPr lang="en-US" sz="1400" dirty="0" err="1"/>
+              <a:t>heading_difference</a:t>
+            </a:r>
+            <a:r>
+              <a:rPr lang="en-US" sz="1400" dirty="0"/>
+              <a:t> = </a:t>
+            </a:r>
+            <a:r>
+              <a:rPr lang="en-US" sz="1400" dirty="0" err="1"/>
+              <a:t>Pathfinder.boundHalfDegrees</a:t>
+            </a:r>
+            <a:r>
+              <a:rPr lang="en-US" sz="1400" dirty="0"/>
+              <a:t>(</a:t>
+            </a:r>
+            <a:r>
+              <a:rPr lang="en-US" sz="1400" dirty="0" err="1"/>
+              <a:t>desired_heading</a:t>
+            </a:r>
+            <a:r>
+              <a:rPr lang="en-US" sz="1400" dirty="0"/>
+              <a:t> - heading);</a:t>
+            </a:r>
+          </a:p>
+          <a:p>
+            <a:r>
+              <a:rPr lang="en-US" sz="1400" dirty="0"/>
+              <a:t>      double turn =  0.8 * (-1.0/80.0) * </a:t>
+            </a:r>
+            <a:r>
+              <a:rPr lang="en-US" sz="1400" dirty="0" err="1"/>
+              <a:t>heading_difference</a:t>
+            </a:r>
+            <a:r>
+              <a:rPr lang="en-US" sz="1400" dirty="0"/>
+              <a:t>;</a:t>
+            </a:r>
+          </a:p>
+          <a:p>
+            <a:r>
+              <a:rPr lang="en-US" sz="1400" dirty="0"/>
+              <a:t>      </a:t>
+            </a:r>
+          </a:p>
+          <a:p>
+            <a:r>
+              <a:rPr lang="en-US" sz="1400" dirty="0"/>
+              <a:t>      </a:t>
+            </a:r>
+            <a:r>
+              <a:rPr lang="en-US" sz="1400" dirty="0" err="1"/>
+              <a:t>RobotMap.sMotorLeftA.set</a:t>
+            </a:r>
+            <a:r>
+              <a:rPr lang="en-US" sz="1400" dirty="0"/>
+              <a:t>(-1*(</a:t>
+            </a:r>
+            <a:r>
+              <a:rPr lang="en-US" sz="1400" dirty="0" err="1"/>
+              <a:t>left_speed</a:t>
+            </a:r>
+            <a:r>
+              <a:rPr lang="en-US" sz="1400" dirty="0"/>
+              <a:t> + turn));</a:t>
+            </a:r>
+          </a:p>
+          <a:p>
+            <a:r>
+              <a:rPr lang="en-US" sz="1400" dirty="0"/>
+              <a:t>      </a:t>
+            </a:r>
+            <a:r>
+              <a:rPr lang="en-US" sz="1400" dirty="0" err="1"/>
+              <a:t>RobotMap.sMotorRightA.set</a:t>
+            </a:r>
+            <a:r>
+              <a:rPr lang="en-US" sz="1400" dirty="0"/>
+              <a:t>(-1*(</a:t>
+            </a:r>
+            <a:r>
+              <a:rPr lang="en-US" sz="1400" dirty="0" err="1"/>
+              <a:t>right_speed</a:t>
+            </a:r>
+            <a:r>
+              <a:rPr lang="en-US" sz="1400" dirty="0"/>
+              <a:t> - turn));</a:t>
+            </a:r>
+          </a:p>
+          <a:p>
+            <a:r>
+              <a:rPr lang="en-US" sz="1400" dirty="0"/>
+              <a:t>    }</a:t>
+            </a:r>
+          </a:p>
+          <a:p>
+            <a:r>
+              <a:rPr lang="en-US" sz="1400" dirty="0"/>
+              <a:t>  }</a:t>
+            </a:r>
+          </a:p>
+        </p:txBody>
+      </p:sp>
+    </p:spTree>
+    <p:extLst>
+      <p:ext uri="{BB962C8B-B14F-4D97-AF65-F5344CB8AC3E}">
+        <p14:creationId xmlns:p14="http://schemas.microsoft.com/office/powerpoint/2010/main" val="2572633791"/>
+      </p:ext>
+    </p:extLst>
+  </p:cSld>
+  <p:clrMapOvr>
+    <a:masterClrMapping/>
+  </p:clrMapOvr>
+</p:sld>
+</file>
+
+<file path=ppt/slides/slide22.xml><?xml version="1.0" encoding="utf-8"?>
+<p:sld xmlns:a="http://schemas.openxmlformats.org/drawingml/2006/main" xmlns:r="http://schemas.openxmlformats.org/officeDocument/2006/relationships" xmlns:p="http://schemas.openxmlformats.org/presentationml/2006/main">
+  <p:cSld>
+    <p:spTree>
+      <p:nvGrpSpPr>
+        <p:cNvPr id="1" name=""/>
+        <p:cNvGrpSpPr/>
+        <p:nvPr/>
+      </p:nvGrpSpPr>
+      <p:grpSpPr>
+        <a:xfrm>
+          <a:off x="0" y="0"/>
+          <a:ext cx="0" cy="0"/>
+          <a:chOff x="0" y="0"/>
+          <a:chExt cx="0" cy="0"/>
+        </a:xfrm>
+      </p:grpSpPr>
+      <p:sp>
+        <p:nvSpPr>
+          <p:cNvPr id="2" name="Title 1">
+            <a:extLst>
+              <a:ext uri="{FF2B5EF4-FFF2-40B4-BE49-F238E27FC236}">
+                <a16:creationId xmlns:a16="http://schemas.microsoft.com/office/drawing/2014/main" id="{1C4D0ADC-C24B-45E4-9ADC-9AB04A59FCE4}"/>
+              </a:ext>
+            </a:extLst>
+          </p:cNvPr>
+          <p:cNvSpPr>
+            <a:spLocks noGrp="1"/>
+          </p:cNvSpPr>
+          <p:nvPr>
+            <p:ph type="title"/>
+          </p:nvPr>
+        </p:nvSpPr>
+        <p:spPr/>
+        <p:txBody>
+          <a:bodyPr/>
+          <a:lstStyle/>
+          <a:p>
+            <a:r>
+              <a:rPr lang="en-US" dirty="0"/>
+              <a:t>Pathfinder V2.0</a:t>
+            </a:r>
+          </a:p>
+        </p:txBody>
+      </p:sp>
+      <p:sp>
+        <p:nvSpPr>
+          <p:cNvPr id="4" name="Rectangle 3">
+            <a:extLst>
+              <a:ext uri="{FF2B5EF4-FFF2-40B4-BE49-F238E27FC236}">
+                <a16:creationId xmlns:a16="http://schemas.microsoft.com/office/drawing/2014/main" id="{5C84F44E-0421-40F0-B772-49D309B7DAD5}"/>
+              </a:ext>
+            </a:extLst>
+          </p:cNvPr>
+          <p:cNvSpPr/>
+          <p:nvPr/>
+        </p:nvSpPr>
+        <p:spPr>
+          <a:xfrm>
+            <a:off x="1659988" y="6239482"/>
+            <a:ext cx="9387422" cy="523220"/>
+          </a:xfrm>
+          <a:prstGeom prst="rect">
+            <a:avLst/>
+          </a:prstGeom>
+        </p:spPr>
+        <p:txBody>
+          <a:bodyPr wrap="square">
+            <a:spAutoFit/>
+          </a:bodyPr>
+          <a:lstStyle/>
+          <a:p>
+            <a:r>
+              <a:rPr lang="en-US" sz="2800" dirty="0"/>
+              <a:t>https://github.com/JimWright4089/FIRSTWorkshops</a:t>
+            </a:r>
+          </a:p>
+        </p:txBody>
+      </p:sp>
+      <p:sp>
+        <p:nvSpPr>
+          <p:cNvPr id="3" name="Rectangle 2">
+            <a:extLst>
+              <a:ext uri="{FF2B5EF4-FFF2-40B4-BE49-F238E27FC236}">
+                <a16:creationId xmlns:a16="http://schemas.microsoft.com/office/drawing/2014/main" id="{0986A001-DFD4-4127-8949-7E9F436E2F94}"/>
+              </a:ext>
+            </a:extLst>
+          </p:cNvPr>
+          <p:cNvSpPr/>
+          <p:nvPr/>
+        </p:nvSpPr>
+        <p:spPr>
+          <a:xfrm>
+            <a:off x="923365" y="1285198"/>
+            <a:ext cx="9260541" cy="4524315"/>
+          </a:xfrm>
+          <a:prstGeom prst="rect">
+            <a:avLst/>
+          </a:prstGeom>
+        </p:spPr>
+        <p:txBody>
+          <a:bodyPr wrap="square">
+            <a:spAutoFit/>
+          </a:bodyPr>
+          <a:lstStyle/>
+          <a:p>
+            <a:r>
+              <a:rPr lang="en-US" dirty="0"/>
+              <a:t> try</a:t>
+            </a:r>
+          </a:p>
+          <a:p>
+            <a:r>
+              <a:rPr lang="en-US" dirty="0"/>
+              <a:t>    {</a:t>
+            </a:r>
+          </a:p>
+          <a:p>
+            <a:r>
+              <a:rPr lang="en-US" dirty="0"/>
+              <a:t>      </a:t>
+            </a:r>
+            <a:r>
+              <a:rPr lang="en-US" dirty="0" err="1"/>
+              <a:t>System.out.println</a:t>
+            </a:r>
+            <a:r>
+              <a:rPr lang="en-US" dirty="0"/>
+              <a:t>(name + ".left");</a:t>
+            </a:r>
+          </a:p>
+          <a:p>
+            <a:r>
+              <a:rPr lang="en-US" dirty="0"/>
+              <a:t>      </a:t>
+            </a:r>
+            <a:r>
+              <a:rPr lang="en-US" dirty="0" err="1"/>
+              <a:t>System.out.println</a:t>
+            </a:r>
+            <a:r>
+              <a:rPr lang="en-US" dirty="0"/>
+              <a:t>(name + ".right");</a:t>
+            </a:r>
+          </a:p>
+          <a:p>
+            <a:r>
+              <a:rPr lang="en-US" dirty="0"/>
+              <a:t>      Trajectory </a:t>
+            </a:r>
+            <a:r>
+              <a:rPr lang="en-US" dirty="0" err="1"/>
+              <a:t>left_trajectory</a:t>
+            </a:r>
+            <a:r>
+              <a:rPr lang="en-US" dirty="0"/>
+              <a:t> = </a:t>
+            </a:r>
+            <a:r>
+              <a:rPr lang="en-US" dirty="0" err="1"/>
+              <a:t>PathfinderFRC.getTrajectory</a:t>
+            </a:r>
+            <a:r>
+              <a:rPr lang="en-US" dirty="0"/>
+              <a:t>(name + ".left");</a:t>
+            </a:r>
+          </a:p>
+          <a:p>
+            <a:r>
+              <a:rPr lang="en-US" dirty="0"/>
+              <a:t>      Trajectory </a:t>
+            </a:r>
+            <a:r>
+              <a:rPr lang="en-US" dirty="0" err="1"/>
+              <a:t>right_trajectory</a:t>
+            </a:r>
+            <a:r>
+              <a:rPr lang="en-US" dirty="0"/>
+              <a:t> = </a:t>
+            </a:r>
+            <a:r>
+              <a:rPr lang="en-US" dirty="0" err="1"/>
+              <a:t>PathfinderFRC.getTrajectory</a:t>
+            </a:r>
+            <a:r>
+              <a:rPr lang="en-US" dirty="0"/>
+              <a:t>(name + ".right");</a:t>
+            </a:r>
+          </a:p>
+          <a:p>
+            <a:r>
+              <a:rPr lang="en-US" dirty="0"/>
+              <a:t>      </a:t>
+            </a:r>
+            <a:r>
+              <a:rPr lang="en-US" dirty="0" err="1"/>
+              <a:t>RobotMap.sLeftFollower</a:t>
+            </a:r>
+            <a:r>
+              <a:rPr lang="en-US" dirty="0"/>
+              <a:t> = new </a:t>
+            </a:r>
+            <a:r>
+              <a:rPr lang="en-US" dirty="0" err="1"/>
+              <a:t>EncoderFollower</a:t>
+            </a:r>
+            <a:r>
+              <a:rPr lang="en-US" dirty="0"/>
+              <a:t>(</a:t>
+            </a:r>
+            <a:r>
+              <a:rPr lang="en-US" dirty="0" err="1"/>
+              <a:t>left_trajectory</a:t>
+            </a:r>
+            <a:r>
+              <a:rPr lang="en-US" dirty="0"/>
+              <a:t>);</a:t>
+            </a:r>
+          </a:p>
+          <a:p>
+            <a:r>
+              <a:rPr lang="en-US" dirty="0"/>
+              <a:t>      </a:t>
+            </a:r>
+            <a:r>
+              <a:rPr lang="en-US" dirty="0" err="1"/>
+              <a:t>RobotMap.sRightFollower</a:t>
+            </a:r>
+            <a:r>
+              <a:rPr lang="en-US" dirty="0"/>
+              <a:t> = new </a:t>
+            </a:r>
+            <a:r>
+              <a:rPr lang="en-US" dirty="0" err="1"/>
+              <a:t>EncoderFollower</a:t>
+            </a:r>
+            <a:r>
+              <a:rPr lang="en-US" dirty="0"/>
+              <a:t>(</a:t>
+            </a:r>
+            <a:r>
+              <a:rPr lang="en-US" dirty="0" err="1"/>
+              <a:t>right_trajectory</a:t>
+            </a:r>
+            <a:r>
+              <a:rPr lang="en-US" dirty="0"/>
+              <a:t>);</a:t>
+            </a:r>
+          </a:p>
+          <a:p>
+            <a:endParaRPr lang="en-US" dirty="0"/>
+          </a:p>
+          <a:p>
+            <a:r>
+              <a:rPr lang="en-US" dirty="0"/>
+              <a:t>      &lt;Next Page&gt;</a:t>
+            </a:r>
+          </a:p>
+          <a:p>
+            <a:r>
+              <a:rPr lang="en-US" dirty="0"/>
+              <a:t>   </a:t>
+            </a:r>
+          </a:p>
+          <a:p>
+            <a:r>
+              <a:rPr lang="en-US" dirty="0"/>
+              <a:t>    }</a:t>
+            </a:r>
+          </a:p>
+          <a:p>
+            <a:r>
+              <a:rPr lang="en-US" dirty="0"/>
+              <a:t>    catch(Exception e)</a:t>
+            </a:r>
+          </a:p>
+          <a:p>
+            <a:r>
+              <a:rPr lang="en-US" dirty="0"/>
+              <a:t>    {</a:t>
+            </a:r>
+          </a:p>
+          <a:p>
+            <a:r>
+              <a:rPr lang="en-US" dirty="0"/>
+              <a:t>      </a:t>
+            </a:r>
+            <a:r>
+              <a:rPr lang="en-US" dirty="0" err="1"/>
+              <a:t>System.console</a:t>
+            </a:r>
+            <a:r>
+              <a:rPr lang="en-US" dirty="0"/>
+              <a:t>().</a:t>
+            </a:r>
+            <a:r>
+              <a:rPr lang="en-US" dirty="0" err="1"/>
+              <a:t>printf</a:t>
+            </a:r>
+            <a:r>
+              <a:rPr lang="en-US" dirty="0"/>
+              <a:t>(</a:t>
+            </a:r>
+            <a:r>
+              <a:rPr lang="en-US" dirty="0" err="1"/>
+              <a:t>e.toString</a:t>
+            </a:r>
+            <a:r>
+              <a:rPr lang="en-US" dirty="0"/>
+              <a:t>());</a:t>
+            </a:r>
+          </a:p>
+          <a:p>
+            <a:r>
+              <a:rPr lang="en-US" dirty="0"/>
+              <a:t>    }</a:t>
+            </a:r>
+          </a:p>
+        </p:txBody>
+      </p:sp>
+    </p:spTree>
+    <p:extLst>
+      <p:ext uri="{BB962C8B-B14F-4D97-AF65-F5344CB8AC3E}">
+        <p14:creationId xmlns:p14="http://schemas.microsoft.com/office/powerpoint/2010/main" val="1126734668"/>
+      </p:ext>
+    </p:extLst>
+  </p:cSld>
+  <p:clrMapOvr>
+    <a:masterClrMapping/>
+  </p:clrMapOvr>
+</p:sld>
+</file>
+
+<file path=ppt/slides/slide23.xml><?xml version="1.0" encoding="utf-8"?>
+<p:sld xmlns:a="http://schemas.openxmlformats.org/drawingml/2006/main" xmlns:r="http://schemas.openxmlformats.org/officeDocument/2006/relationships" xmlns:p="http://schemas.openxmlformats.org/presentationml/2006/main">
+  <p:cSld>
+    <p:spTree>
+      <p:nvGrpSpPr>
+        <p:cNvPr id="1" name=""/>
+        <p:cNvGrpSpPr/>
+        <p:nvPr/>
+      </p:nvGrpSpPr>
+      <p:grpSpPr>
+        <a:xfrm>
+          <a:off x="0" y="0"/>
+          <a:ext cx="0" cy="0"/>
+          <a:chOff x="0" y="0"/>
+          <a:chExt cx="0" cy="0"/>
+        </a:xfrm>
+      </p:grpSpPr>
+      <p:sp>
+        <p:nvSpPr>
+          <p:cNvPr id="2" name="Title 1">
+            <a:extLst>
+              <a:ext uri="{FF2B5EF4-FFF2-40B4-BE49-F238E27FC236}">
+                <a16:creationId xmlns:a16="http://schemas.microsoft.com/office/drawing/2014/main" id="{1C4D0ADC-C24B-45E4-9ADC-9AB04A59FCE4}"/>
+              </a:ext>
+            </a:extLst>
+          </p:cNvPr>
+          <p:cNvSpPr>
+            <a:spLocks noGrp="1"/>
+          </p:cNvSpPr>
+          <p:nvPr>
+            <p:ph type="title"/>
+          </p:nvPr>
+        </p:nvSpPr>
+        <p:spPr/>
+        <p:txBody>
+          <a:bodyPr/>
+          <a:lstStyle/>
+          <a:p>
+            <a:r>
+              <a:rPr lang="en-US" dirty="0"/>
+              <a:t>Pathfinder V2.0</a:t>
+            </a:r>
+          </a:p>
+        </p:txBody>
+      </p:sp>
+      <p:sp>
+        <p:nvSpPr>
+          <p:cNvPr id="3" name="Content Placeholder 2">
+            <a:extLst>
+              <a:ext uri="{FF2B5EF4-FFF2-40B4-BE49-F238E27FC236}">
+                <a16:creationId xmlns:a16="http://schemas.microsoft.com/office/drawing/2014/main" id="{90408834-0F7E-446D-B3D1-217CD142B1A3}"/>
+              </a:ext>
+            </a:extLst>
+          </p:cNvPr>
+          <p:cNvSpPr>
+            <a:spLocks noGrp="1"/>
+          </p:cNvSpPr>
+          <p:nvPr>
+            <p:ph idx="1"/>
+          </p:nvPr>
+        </p:nvSpPr>
+        <p:spPr/>
+        <p:txBody>
+          <a:bodyPr>
+            <a:normAutofit/>
+          </a:bodyPr>
+          <a:lstStyle/>
+          <a:p>
+            <a:r>
+              <a:rPr lang="en-US" dirty="0" err="1"/>
+              <a:t>Pathweaver</a:t>
+            </a:r>
+            <a:r>
+              <a:rPr lang="en-US" dirty="0"/>
+              <a:t> produces one file, with only the data for the way points.</a:t>
+            </a:r>
+          </a:p>
+          <a:p>
+            <a:r>
+              <a:rPr lang="en-US" dirty="0"/>
+              <a:t>Pathfinder V2.0 source is on the web, but has not been FRC-</a:t>
+            </a:r>
+            <a:r>
+              <a:rPr lang="en-US" dirty="0" err="1"/>
+              <a:t>ized</a:t>
+            </a:r>
+            <a:r>
+              <a:rPr lang="en-US" dirty="0"/>
+              <a:t>.</a:t>
+            </a:r>
+          </a:p>
+          <a:p>
+            <a:r>
+              <a:rPr lang="en-US" dirty="0"/>
+              <a:t>Not sure if the engine will read the file from </a:t>
+            </a:r>
+            <a:r>
+              <a:rPr lang="en-US" dirty="0" err="1"/>
+              <a:t>Pathweaver</a:t>
+            </a:r>
+            <a:r>
+              <a:rPr lang="en-US" dirty="0"/>
+              <a:t>.</a:t>
+            </a:r>
+          </a:p>
+          <a:p>
+            <a:r>
+              <a:rPr lang="en-US" dirty="0"/>
+              <a:t>The path can be generated at run time with way points.</a:t>
+            </a:r>
+          </a:p>
+          <a:p>
+            <a:r>
+              <a:rPr lang="en-US" dirty="0"/>
+              <a:t>Both Tank drive and Swerve drives supported.</a:t>
+            </a:r>
+          </a:p>
+        </p:txBody>
+      </p:sp>
+      <p:sp>
+        <p:nvSpPr>
+          <p:cNvPr id="4" name="Rectangle 3">
+            <a:extLst>
+              <a:ext uri="{FF2B5EF4-FFF2-40B4-BE49-F238E27FC236}">
+                <a16:creationId xmlns:a16="http://schemas.microsoft.com/office/drawing/2014/main" id="{5C84F44E-0421-40F0-B772-49D309B7DAD5}"/>
+              </a:ext>
+            </a:extLst>
+          </p:cNvPr>
+          <p:cNvSpPr/>
+          <p:nvPr/>
+        </p:nvSpPr>
+        <p:spPr>
+          <a:xfrm>
+            <a:off x="1659988" y="6239482"/>
+            <a:ext cx="9387422" cy="523220"/>
+          </a:xfrm>
+          <a:prstGeom prst="rect">
+            <a:avLst/>
+          </a:prstGeom>
+        </p:spPr>
+        <p:txBody>
+          <a:bodyPr wrap="square">
+            <a:spAutoFit/>
+          </a:bodyPr>
+          <a:lstStyle/>
+          <a:p>
+            <a:r>
+              <a:rPr lang="en-US" sz="2800" dirty="0"/>
+              <a:t>https://github.com/JimWright4089/FIRSTWorkshops</a:t>
+            </a:r>
+          </a:p>
+        </p:txBody>
+      </p:sp>
+    </p:spTree>
+    <p:extLst>
+      <p:ext uri="{BB962C8B-B14F-4D97-AF65-F5344CB8AC3E}">
+        <p14:creationId xmlns:p14="http://schemas.microsoft.com/office/powerpoint/2010/main" val="831164817"/>
+      </p:ext>
+    </p:extLst>
+  </p:cSld>
+  <p:clrMapOvr>
+    <a:masterClrMapping/>
+  </p:clrMapOvr>
+</p:sld>
+</file>
+
+<file path=ppt/slides/slide24.xml><?xml version="1.0" encoding="utf-8"?>
+<p:sld xmlns:a="http://schemas.openxmlformats.org/drawingml/2006/main" xmlns:r="http://schemas.openxmlformats.org/officeDocument/2006/relationships" xmlns:p="http://schemas.openxmlformats.org/presentationml/2006/main">
+  <p:cSld>
+    <p:spTree>
+      <p:nvGrpSpPr>
+        <p:cNvPr id="1" name=""/>
+        <p:cNvGrpSpPr/>
+        <p:nvPr/>
+      </p:nvGrpSpPr>
+      <p:grpSpPr>
+        <a:xfrm>
+          <a:off x="0" y="0"/>
+          <a:ext cx="0" cy="0"/>
+          <a:chOff x="0" y="0"/>
+          <a:chExt cx="0" cy="0"/>
+        </a:xfrm>
+      </p:grpSpPr>
+      <p:sp>
+        <p:nvSpPr>
+          <p:cNvPr id="2" name="Title 1">
+            <a:extLst>
+              <a:ext uri="{FF2B5EF4-FFF2-40B4-BE49-F238E27FC236}">
+                <a16:creationId xmlns:a16="http://schemas.microsoft.com/office/drawing/2014/main" id="{1C4D0ADC-C24B-45E4-9ADC-9AB04A59FCE4}"/>
+              </a:ext>
+            </a:extLst>
+          </p:cNvPr>
+          <p:cNvSpPr>
+            <a:spLocks noGrp="1"/>
+          </p:cNvSpPr>
+          <p:nvPr>
+            <p:ph type="title"/>
+          </p:nvPr>
+        </p:nvSpPr>
+        <p:spPr/>
+        <p:txBody>
+          <a:bodyPr/>
+          <a:lstStyle/>
+          <a:p>
+            <a:r>
+              <a:rPr lang="en-US" dirty="0"/>
+              <a:t>Pathfinder V2.0</a:t>
+            </a:r>
+          </a:p>
+        </p:txBody>
+      </p:sp>
+      <p:sp>
+        <p:nvSpPr>
+          <p:cNvPr id="4" name="Rectangle 3">
+            <a:extLst>
+              <a:ext uri="{FF2B5EF4-FFF2-40B4-BE49-F238E27FC236}">
+                <a16:creationId xmlns:a16="http://schemas.microsoft.com/office/drawing/2014/main" id="{5C84F44E-0421-40F0-B772-49D309B7DAD5}"/>
+              </a:ext>
+            </a:extLst>
+          </p:cNvPr>
+          <p:cNvSpPr/>
+          <p:nvPr/>
+        </p:nvSpPr>
+        <p:spPr>
+          <a:xfrm>
+            <a:off x="1659988" y="6239482"/>
+            <a:ext cx="9387422" cy="523220"/>
+          </a:xfrm>
+          <a:prstGeom prst="rect">
+            <a:avLst/>
+          </a:prstGeom>
+        </p:spPr>
+        <p:txBody>
+          <a:bodyPr wrap="square">
+            <a:spAutoFit/>
+          </a:bodyPr>
+          <a:lstStyle/>
+          <a:p>
+            <a:r>
+              <a:rPr lang="en-US" sz="2800" dirty="0"/>
+              <a:t>https://github.com/JimWright4089/FIRSTWorkshops</a:t>
+            </a:r>
+          </a:p>
+        </p:txBody>
+      </p:sp>
+      <p:sp>
+        <p:nvSpPr>
+          <p:cNvPr id="3" name="Rectangle 2">
+            <a:extLst>
+              <a:ext uri="{FF2B5EF4-FFF2-40B4-BE49-F238E27FC236}">
+                <a16:creationId xmlns:a16="http://schemas.microsoft.com/office/drawing/2014/main" id="{1D2294C3-5C2E-4FC9-938E-54E337B92E71}"/>
+              </a:ext>
+            </a:extLst>
+          </p:cNvPr>
+          <p:cNvSpPr/>
+          <p:nvPr/>
+        </p:nvSpPr>
+        <p:spPr>
+          <a:xfrm>
+            <a:off x="646111" y="1627165"/>
+            <a:ext cx="10694894" cy="1477328"/>
+          </a:xfrm>
+          <a:prstGeom prst="rect">
+            <a:avLst/>
+          </a:prstGeom>
+        </p:spPr>
+        <p:txBody>
+          <a:bodyPr wrap="square">
+            <a:spAutoFit/>
+          </a:bodyPr>
+          <a:lstStyle/>
+          <a:p>
+            <a:r>
+              <a:rPr lang="en-US" dirty="0"/>
+              <a:t> 	List&lt;</a:t>
+            </a:r>
+            <a:r>
+              <a:rPr lang="en-US" dirty="0" err="1"/>
+              <a:t>HermiteCubic.Waypoint</a:t>
+            </a:r>
+            <a:r>
+              <a:rPr lang="en-US" dirty="0"/>
+              <a:t>&gt; </a:t>
+            </a:r>
+            <a:r>
+              <a:rPr lang="en-US" dirty="0" err="1"/>
+              <a:t>wps</a:t>
+            </a:r>
+            <a:r>
+              <a:rPr lang="en-US" dirty="0"/>
+              <a:t> = new </a:t>
+            </a:r>
+            <a:r>
+              <a:rPr lang="en-US" dirty="0" err="1"/>
+              <a:t>ArrayList</a:t>
+            </a:r>
+            <a:r>
+              <a:rPr lang="en-US" dirty="0"/>
+              <a:t>&lt;&gt;();</a:t>
+            </a:r>
+          </a:p>
+          <a:p>
+            <a:r>
+              <a:rPr lang="en-US" dirty="0"/>
+              <a:t>        </a:t>
+            </a:r>
+            <a:r>
+              <a:rPr lang="en-US" dirty="0" err="1"/>
+              <a:t>wps.add</a:t>
+            </a:r>
+            <a:r>
+              <a:rPr lang="en-US" dirty="0"/>
+              <a:t>(new </a:t>
+            </a:r>
+            <a:r>
+              <a:rPr lang="en-US" dirty="0" err="1"/>
+              <a:t>HermiteCubic.Waypoint</a:t>
+            </a:r>
+            <a:r>
+              <a:rPr lang="en-US" dirty="0"/>
+              <a:t>(Vec2.cartesian(2, 2), Vec2.cartesian(5, 0)));</a:t>
+            </a:r>
+          </a:p>
+          <a:p>
+            <a:r>
+              <a:rPr lang="en-US" dirty="0"/>
+              <a:t>        </a:t>
+            </a:r>
+            <a:r>
+              <a:rPr lang="en-US" dirty="0" err="1"/>
+              <a:t>wps.add</a:t>
+            </a:r>
+            <a:r>
+              <a:rPr lang="en-US" dirty="0"/>
+              <a:t>(new </a:t>
+            </a:r>
+            <a:r>
+              <a:rPr lang="en-US" dirty="0" err="1"/>
+              <a:t>HermiteCubic.Waypoint</a:t>
+            </a:r>
+            <a:r>
+              <a:rPr lang="en-US" dirty="0"/>
+              <a:t>(Vec2.cartesian(5, 5), Vec2.cartesian(3, 2)));</a:t>
+            </a:r>
+          </a:p>
+          <a:p>
+            <a:r>
+              <a:rPr lang="en-US" dirty="0"/>
+              <a:t>        </a:t>
+            </a:r>
+            <a:r>
+              <a:rPr lang="en-US" dirty="0" err="1"/>
+              <a:t>wps.add</a:t>
+            </a:r>
+            <a:r>
+              <a:rPr lang="en-US" dirty="0"/>
+              <a:t>(new </a:t>
+            </a:r>
+            <a:r>
+              <a:rPr lang="en-US" dirty="0" err="1"/>
+              <a:t>HermiteCubic.Waypoint</a:t>
+            </a:r>
+            <a:r>
+              <a:rPr lang="en-US" dirty="0"/>
+              <a:t>(Vec2.cartesian(10, 5), Vec2.cartesian(0, 5)));</a:t>
+            </a:r>
+          </a:p>
+          <a:p>
+            <a:r>
+              <a:rPr lang="en-US" dirty="0"/>
+              <a:t>        </a:t>
+            </a:r>
+            <a:r>
+              <a:rPr lang="en-US" dirty="0" err="1"/>
+              <a:t>nativeSplines</a:t>
+            </a:r>
+            <a:r>
+              <a:rPr lang="en-US" dirty="0"/>
+              <a:t> = </a:t>
+            </a:r>
+            <a:r>
+              <a:rPr lang="en-US" dirty="0" err="1"/>
+              <a:t>HermiteFactory.generateCubic</a:t>
+            </a:r>
+            <a:r>
+              <a:rPr lang="en-US" dirty="0"/>
+              <a:t>(</a:t>
+            </a:r>
+            <a:r>
+              <a:rPr lang="en-US" dirty="0" err="1"/>
+              <a:t>wps</a:t>
+            </a:r>
+            <a:r>
+              <a:rPr lang="en-US" dirty="0"/>
+              <a:t>);</a:t>
+            </a:r>
+          </a:p>
+        </p:txBody>
+      </p:sp>
+      <p:sp>
+        <p:nvSpPr>
+          <p:cNvPr id="6" name="Rectangle 5">
+            <a:extLst>
+              <a:ext uri="{FF2B5EF4-FFF2-40B4-BE49-F238E27FC236}">
+                <a16:creationId xmlns:a16="http://schemas.microsoft.com/office/drawing/2014/main" id="{374F4FE7-1EB3-4714-B1B7-9C7E7FA68AE1}"/>
+              </a:ext>
+            </a:extLst>
+          </p:cNvPr>
+          <p:cNvSpPr/>
+          <p:nvPr/>
+        </p:nvSpPr>
+        <p:spPr>
+          <a:xfrm>
+            <a:off x="824753" y="3263277"/>
+            <a:ext cx="10222658" cy="1477328"/>
+          </a:xfrm>
+          <a:prstGeom prst="rect">
+            <a:avLst/>
+          </a:prstGeom>
+        </p:spPr>
+        <p:txBody>
+          <a:bodyPr wrap="square">
+            <a:spAutoFit/>
+          </a:bodyPr>
+          <a:lstStyle/>
+          <a:p>
+            <a:r>
+              <a:rPr lang="en-US" dirty="0"/>
+              <a:t> 	start = new </a:t>
+            </a:r>
+            <a:r>
+              <a:rPr lang="en-US" dirty="0" err="1"/>
+              <a:t>HermiteQuintic.Waypoint</a:t>
+            </a:r>
+            <a:r>
+              <a:rPr lang="en-US" dirty="0"/>
+              <a:t>(Vec2.cartesian(0, 0), Vec2.polar(5, 0), Vec2.polar(3,3 ));</a:t>
+            </a:r>
+          </a:p>
+          <a:p>
+            <a:r>
+              <a:rPr lang="en-US" dirty="0"/>
+              <a:t>        end = new </a:t>
+            </a:r>
+            <a:r>
+              <a:rPr lang="en-US" dirty="0" err="1"/>
+              <a:t>HermiteQuintic.Waypoint</a:t>
+            </a:r>
+            <a:r>
+              <a:rPr lang="en-US" dirty="0"/>
+              <a:t>(Vec2.cartesian(5, 4), Vec2.polar(5, -</a:t>
+            </a:r>
+            <a:r>
+              <a:rPr lang="en-US" dirty="0" err="1"/>
+              <a:t>Math.PI</a:t>
+            </a:r>
+            <a:r>
+              <a:rPr lang="en-US" dirty="0"/>
+              <a:t> / 2.0), Vec2.polar(-2, 3));</a:t>
+            </a:r>
+          </a:p>
+          <a:p>
+            <a:r>
+              <a:rPr lang="en-US" dirty="0"/>
+              <a:t>        spline = new </a:t>
+            </a:r>
+            <a:r>
+              <a:rPr lang="en-US" dirty="0" err="1"/>
+              <a:t>HermiteQuintic</a:t>
+            </a:r>
+            <a:r>
+              <a:rPr lang="en-US" dirty="0"/>
+              <a:t>(start, end);</a:t>
+            </a:r>
+          </a:p>
+        </p:txBody>
+      </p:sp>
+    </p:spTree>
+    <p:extLst>
+      <p:ext uri="{BB962C8B-B14F-4D97-AF65-F5344CB8AC3E}">
+        <p14:creationId xmlns:p14="http://schemas.microsoft.com/office/powerpoint/2010/main" val="3151222629"/>
       </p:ext>
     </p:extLst>
   </p:cSld>
@@ -8426,8 +10064,12 @@
           <a:lstStyle/>
           <a:p>
             <a:r>
-              <a:rPr lang="en-US" dirty="0"/>
-              <a:t>This talk</a:t>
+              <a:rPr lang="en-US" dirty="0" err="1"/>
+              <a:t>Jaci’s</a:t>
+            </a:r>
+            <a:r>
+              <a:rPr lang="en-US" dirty="0"/>
+              <a:t> Pathfinder</a:t>
             </a:r>
           </a:p>
         </p:txBody>
@@ -8457,19 +10099,49 @@
           <a:p>
             <a:r>
               <a:rPr lang="en-US" dirty="0"/>
-              <a:t>I thought I could do this in one hour, however, after writing the presentation I learned that it is very full or stuff at a high level.</a:t>
-            </a:r>
-          </a:p>
-          <a:p>
-            <a:r>
-              <a:rPr lang="en-US" dirty="0"/>
-              <a:t>This is a very bread </a:t>
-            </a:r>
-            <a:r>
-              <a:rPr lang="en-US"/>
-              <a:t>crumb presentation.</a:t>
+              <a:t>Two parts:</a:t>
+            </a:r>
+          </a:p>
+          <a:p>
+            <a:r>
+              <a:rPr lang="en-US" dirty="0"/>
+              <a:t>Pathfinder</a:t>
+            </a:r>
+          </a:p>
+          <a:p>
+            <a:pPr lvl="1"/>
+            <a:r>
+              <a:rPr lang="en-US" dirty="0"/>
+              <a:t>Two versions, the first version was used up to last season</a:t>
+            </a:r>
+          </a:p>
+          <a:p>
+            <a:pPr lvl="1"/>
+            <a:r>
+              <a:rPr lang="en-US" dirty="0"/>
+              <a:t>The next version is not quite released for FRC</a:t>
+            </a:r>
+          </a:p>
+          <a:p>
+            <a:r>
+              <a:rPr lang="en-US" dirty="0" err="1"/>
+              <a:t>Pathweaver</a:t>
             </a:r>
             <a:endParaRPr lang="en-US" dirty="0"/>
+          </a:p>
+          <a:p>
+            <a:pPr lvl="1"/>
+            <a:r>
+              <a:rPr lang="en-US" dirty="0"/>
+              <a:t>Also two versions, the first built the path off the robot and saved CVS files.</a:t>
+            </a:r>
+          </a:p>
+          <a:p>
+            <a:pPr lvl="1"/>
+            <a:r>
+              <a:rPr lang="en-US" dirty="0"/>
+              <a:t>The next version is just to check the path.</a:t>
+            </a:r>
           </a:p>
         </p:txBody>
       </p:sp>
@@ -8510,7 +10182,7 @@
     </p:spTree>
     <p:extLst>
       <p:ext uri="{BB962C8B-B14F-4D97-AF65-F5344CB8AC3E}">
-        <p14:creationId xmlns:p14="http://schemas.microsoft.com/office/powerpoint/2010/main" val="4125412573"/>
+        <p14:creationId xmlns:p14="http://schemas.microsoft.com/office/powerpoint/2010/main" val="507798930"/>
       </p:ext>
     </p:extLst>
   </p:cSld>
@@ -8542,7 +10214,7 @@
           <p:cNvPr id="2" name="Title 1">
             <a:extLst>
               <a:ext uri="{FF2B5EF4-FFF2-40B4-BE49-F238E27FC236}">
-                <a16:creationId xmlns:a16="http://schemas.microsoft.com/office/drawing/2014/main" id="{D7879DA8-9B20-4651-9F29-32EEE5F00C37}"/>
+                <a16:creationId xmlns:a16="http://schemas.microsoft.com/office/drawing/2014/main" id="{1C4D0ADC-C24B-45E4-9ADC-9AB04A59FCE4}"/>
               </a:ext>
             </a:extLst>
           </p:cNvPr>
@@ -8559,13 +10231,14 @@
           <a:lstStyle/>
           <a:p>
             <a:r>
+              <a:rPr lang="en-US" dirty="0"/>
+              <a:t>The </a:t>
+            </a:r>
+            <a:r>
               <a:rPr lang="en-US" dirty="0" err="1"/>
-              <a:t>WPILib</a:t>
-            </a:r>
-            <a:r>
-              <a:rPr lang="en-US" dirty="0"/>
-              <a:t> </a:t>
-            </a:r>
+              <a:t>Pathweaver</a:t>
+            </a:r>
+            <a:endParaRPr lang="en-US" dirty="0"/>
           </a:p>
         </p:txBody>
       </p:sp>
@@ -8574,7 +10247,7 @@
           <p:cNvPr id="3" name="Content Placeholder 2">
             <a:extLst>
               <a:ext uri="{FF2B5EF4-FFF2-40B4-BE49-F238E27FC236}">
-                <a16:creationId xmlns:a16="http://schemas.microsoft.com/office/drawing/2014/main" id="{1B505E14-7359-45D0-B1BB-02FE224BDA6B}"/>
+                <a16:creationId xmlns:a16="http://schemas.microsoft.com/office/drawing/2014/main" id="{90408834-0F7E-446D-B3D1-217CD142B1A3}"/>
               </a:ext>
             </a:extLst>
           </p:cNvPr>
@@ -8585,12 +10258,7 @@
             <p:ph idx="1"/>
           </p:nvPr>
         </p:nvSpPr>
-        <p:spPr>
-          <a:xfrm>
-            <a:off x="1141412" y="2214282"/>
-            <a:ext cx="9905999" cy="4025200"/>
-          </a:xfrm>
-        </p:spPr>
+        <p:spPr/>
         <p:txBody>
           <a:bodyPr>
             <a:normAutofit/>
@@ -8599,13 +10267,7 @@
           <a:p>
             <a:r>
               <a:rPr lang="en-US" dirty="0"/>
-              <a:t>The only thing that can control motors and talk to the Drivers Station.</a:t>
-            </a:r>
-          </a:p>
-          <a:p>
-            <a:r>
-              <a:rPr lang="en-US" dirty="0"/>
-              <a:t>Most of the source code is on </a:t>
+              <a:t>It is located in the WPI </a:t>
             </a:r>
             <a:r>
               <a:rPr lang="en-US" dirty="0" err="1"/>
@@ -8613,167 +10275,41 @@
             </a:r>
             <a:r>
               <a:rPr lang="en-US" dirty="0"/>
-              <a:t>, </a:t>
-            </a:r>
+              <a:t>.</a:t>
+            </a:r>
+          </a:p>
+          <a:p>
             <a:r>
               <a:rPr lang="en-US" dirty="0">
-                <a:solidFill>
-                  <a:schemeClr val="tx2">
-                    <a:lumMod val="20000"/>
-                    <a:lumOff val="80000"/>
-                  </a:schemeClr>
-                </a:solidFill>
-                <a:hlinkClick r:id="rId2">
-                  <a:extLst>
-                    <a:ext uri="{A12FA001-AC4F-418D-AE19-62706E023703}">
-                      <ahyp:hlinkClr xmlns:ahyp="http://schemas.microsoft.com/office/drawing/2018/hyperlinkcolor" val="tx"/>
-                    </a:ext>
-                  </a:extLst>
-                </a:hlinkClick>
+                <a:hlinkClick r:id="rId2"/>
               </a:rPr>
-              <a:t>https://github.com/wpilibsuite</a:t>
-            </a:r>
-            <a:endParaRPr lang="en-US" dirty="0">
-              <a:solidFill>
-                <a:schemeClr val="tx2">
-                  <a:lumMod val="20000"/>
-                  <a:lumOff val="80000"/>
-                </a:schemeClr>
-              </a:solidFill>
-            </a:endParaRPr>
-          </a:p>
-          <a:p>
-            <a:r>
-              <a:rPr lang="en-US" dirty="0">
-                <a:solidFill>
-                  <a:schemeClr val="tx2">
-                    <a:lumMod val="20000"/>
-                    <a:lumOff val="80000"/>
-                  </a:schemeClr>
-                </a:solidFill>
-              </a:rPr>
-              <a:t>Repository is </a:t>
-            </a:r>
-            <a:r>
-              <a:rPr lang="en-US" dirty="0" err="1">
-                <a:solidFill>
-                  <a:schemeClr val="tx2">
-                    <a:lumMod val="20000"/>
-                    <a:lumOff val="80000"/>
-                  </a:schemeClr>
-                </a:solidFill>
-              </a:rPr>
-              <a:t>allwpilib</a:t>
-            </a:r>
-            <a:r>
-              <a:rPr lang="en-US" dirty="0">
-                <a:solidFill>
-                  <a:schemeClr val="tx2">
-                    <a:lumMod val="20000"/>
-                    <a:lumOff val="80000"/>
-                  </a:schemeClr>
-                </a:solidFill>
-              </a:rPr>
-              <a:t>.</a:t>
-            </a:r>
-          </a:p>
-          <a:p>
-            <a:r>
-              <a:rPr lang="en-US" dirty="0">
-                <a:solidFill>
-                  <a:schemeClr val="tx2">
-                    <a:lumMod val="20000"/>
-                    <a:lumOff val="80000"/>
-                  </a:schemeClr>
-                </a:solidFill>
-              </a:rPr>
-              <a:t>Gradle build for: Windows (Visual C++, Java), </a:t>
-            </a:r>
-            <a:r>
-              <a:rPr lang="en-US" dirty="0" err="1">
-                <a:solidFill>
-                  <a:schemeClr val="tx2">
-                    <a:lumMod val="20000"/>
-                    <a:lumOff val="80000"/>
-                  </a:schemeClr>
-                </a:solidFill>
-              </a:rPr>
-              <a:t>Roborio</a:t>
-            </a:r>
-            <a:r>
-              <a:rPr lang="en-US" dirty="0">
-                <a:solidFill>
-                  <a:schemeClr val="tx2">
-                    <a:lumMod val="20000"/>
-                    <a:lumOff val="80000"/>
-                  </a:schemeClr>
-                </a:solidFill>
-              </a:rPr>
-              <a:t> (GCC, Java), and </a:t>
-            </a:r>
-            <a:r>
-              <a:rPr lang="en-US" dirty="0" err="1">
-                <a:solidFill>
-                  <a:schemeClr val="tx2">
-                    <a:lumMod val="20000"/>
-                    <a:lumOff val="80000"/>
-                  </a:schemeClr>
-                </a:solidFill>
-              </a:rPr>
-              <a:t>Rasberrien</a:t>
-            </a:r>
-            <a:r>
-              <a:rPr lang="en-US" dirty="0">
-                <a:solidFill>
-                  <a:schemeClr val="tx2">
-                    <a:lumMod val="20000"/>
-                    <a:lumOff val="80000"/>
-                  </a:schemeClr>
-                </a:solidFill>
-              </a:rPr>
-              <a:t> (GCC, Java).</a:t>
-            </a:r>
-          </a:p>
-          <a:p>
-            <a:r>
-              <a:rPr lang="en-US" dirty="0">
-                <a:solidFill>
-                  <a:schemeClr val="tx2">
-                    <a:lumMod val="20000"/>
-                    <a:lumOff val="80000"/>
-                  </a:schemeClr>
-                </a:solidFill>
-              </a:rPr>
-              <a:t>All other environment (Ubuntu) uses </a:t>
-            </a:r>
-            <a:r>
-              <a:rPr lang="en-US" dirty="0" err="1">
-                <a:solidFill>
-                  <a:schemeClr val="tx2">
-                    <a:lumMod val="20000"/>
-                    <a:lumOff val="80000"/>
-                  </a:schemeClr>
-                </a:solidFill>
-              </a:rPr>
-              <a:t>Cmake</a:t>
-            </a:r>
-            <a:r>
-              <a:rPr lang="en-US" dirty="0">
-                <a:solidFill>
-                  <a:schemeClr val="tx2">
-                    <a:lumMod val="20000"/>
-                    <a:lumOff val="80000"/>
-                  </a:schemeClr>
-                </a:solidFill>
-              </a:rPr>
-              <a:t>. </a:t>
-            </a:r>
-          </a:p>
-          <a:p>
+              <a:t>https://github.com/wpilibsuite/PathWeaver</a:t>
+            </a:r>
             <a:endParaRPr lang="en-US" dirty="0"/>
           </a:p>
           <a:p>
-            <a:endParaRPr lang="en-US" dirty="0"/>
+            <a:r>
+              <a:rPr lang="en-US" dirty="0"/>
+              <a:t>The top of the tree is for V2.</a:t>
+            </a:r>
+          </a:p>
+          <a:p>
+            <a:r>
+              <a:rPr lang="en-US" dirty="0"/>
+              <a:t>We will talk about PathWeaver-2019.2.1</a:t>
+            </a:r>
+          </a:p>
+          <a:p>
+            <a:r>
+              <a:rPr lang="en-US" dirty="0"/>
+              <a:t>Click on the releases and choose 2019.2.1</a:t>
+            </a:r>
+          </a:p>
+          <a:p>
+            <a:r>
+              <a:rPr lang="en-US" dirty="0"/>
+              <a:t>Download that.</a:t>
+            </a:r>
           </a:p>
         </p:txBody>
       </p:sp>
@@ -8782,7 +10318,7 @@
           <p:cNvPr id="4" name="Rectangle 3">
             <a:extLst>
               <a:ext uri="{FF2B5EF4-FFF2-40B4-BE49-F238E27FC236}">
-                <a16:creationId xmlns:a16="http://schemas.microsoft.com/office/drawing/2014/main" id="{EFF5C574-311F-465D-8090-E29BE1AFC8AC}"/>
+                <a16:creationId xmlns:a16="http://schemas.microsoft.com/office/drawing/2014/main" id="{5C84F44E-0421-40F0-B772-49D309B7DAD5}"/>
               </a:ext>
             </a:extLst>
           </p:cNvPr>
@@ -8814,7 +10350,7 @@
     </p:spTree>
     <p:extLst>
       <p:ext uri="{BB962C8B-B14F-4D97-AF65-F5344CB8AC3E}">
-        <p14:creationId xmlns:p14="http://schemas.microsoft.com/office/powerpoint/2010/main" val="4204319204"/>
+        <p14:creationId xmlns:p14="http://schemas.microsoft.com/office/powerpoint/2010/main" val="4125412573"/>
       </p:ext>
     </p:extLst>
   </p:cSld>
@@ -8846,7 +10382,7 @@
           <p:cNvPr id="2" name="Title 1">
             <a:extLst>
               <a:ext uri="{FF2B5EF4-FFF2-40B4-BE49-F238E27FC236}">
-                <a16:creationId xmlns:a16="http://schemas.microsoft.com/office/drawing/2014/main" id="{DA0FEEBF-D427-4607-9420-58413B21C5C5}"/>
+                <a16:creationId xmlns:a16="http://schemas.microsoft.com/office/drawing/2014/main" id="{1C4D0ADC-C24B-45E4-9ADC-9AB04A59FCE4}"/>
               </a:ext>
             </a:extLst>
           </p:cNvPr>
@@ -8863,13 +10399,14 @@
           <a:lstStyle/>
           <a:p>
             <a:r>
+              <a:rPr lang="en-US" dirty="0"/>
+              <a:t>The </a:t>
+            </a:r>
+            <a:r>
               <a:rPr lang="en-US" dirty="0" err="1"/>
-              <a:t>WPLib</a:t>
-            </a:r>
-            <a:r>
-              <a:rPr lang="en-US" dirty="0"/>
-              <a:t> parts</a:t>
-            </a:r>
+              <a:t>Pathweaver</a:t>
+            </a:r>
+            <a:endParaRPr lang="en-US" dirty="0"/>
           </a:p>
         </p:txBody>
       </p:sp>
@@ -8878,7 +10415,7 @@
           <p:cNvPr id="3" name="Content Placeholder 2">
             <a:extLst>
               <a:ext uri="{FF2B5EF4-FFF2-40B4-BE49-F238E27FC236}">
-                <a16:creationId xmlns:a16="http://schemas.microsoft.com/office/drawing/2014/main" id="{9E1A0EFC-7480-44C9-88C8-CB393210D0DC}"/>
+                <a16:creationId xmlns:a16="http://schemas.microsoft.com/office/drawing/2014/main" id="{90408834-0F7E-446D-B3D1-217CD142B1A3}"/>
               </a:ext>
             </a:extLst>
           </p:cNvPr>
@@ -8897,71 +10434,33 @@
           <a:lstStyle/>
           <a:p>
             <a:r>
-              <a:rPr lang="en-US" dirty="0" err="1"/>
-              <a:t>Wpilibc</a:t>
-            </a:r>
-            <a:endParaRPr lang="en-US" dirty="0"/>
-          </a:p>
-          <a:p>
-            <a:pPr lvl="1"/>
-            <a:r>
-              <a:rPr lang="en-US" dirty="0"/>
-              <a:t>All of the classes for writing in C++.  This also includes the entry point</a:t>
-            </a:r>
-          </a:p>
-          <a:p>
-            <a:r>
-              <a:rPr lang="en-US" dirty="0" err="1"/>
-              <a:t>Wpilibj</a:t>
-            </a:r>
-            <a:endParaRPr lang="en-US" dirty="0"/>
-          </a:p>
-          <a:p>
-            <a:pPr lvl="1"/>
-            <a:r>
-              <a:rPr lang="en-US" dirty="0"/>
-              <a:t>All of the classes for Java</a:t>
-            </a:r>
-          </a:p>
-          <a:p>
-            <a:r>
-              <a:rPr lang="en-US" dirty="0" err="1"/>
-              <a:t>Cemeraserver</a:t>
-            </a:r>
-            <a:endParaRPr lang="en-US" dirty="0"/>
-          </a:p>
-          <a:p>
-            <a:pPr lvl="1"/>
-            <a:r>
-              <a:rPr lang="en-US" dirty="0"/>
-              <a:t>The server for sending video to the drivers station.</a:t>
-            </a:r>
-          </a:p>
-          <a:p>
-            <a:r>
-              <a:rPr lang="en-US" dirty="0" err="1"/>
-              <a:t>Cscore</a:t>
-            </a:r>
-            <a:endParaRPr lang="en-US" dirty="0"/>
-          </a:p>
-          <a:p>
-            <a:pPr lvl="1"/>
-            <a:r>
-              <a:rPr lang="en-US" dirty="0"/>
-              <a:t>The interface for OpenCV</a:t>
-            </a:r>
-          </a:p>
-          <a:p>
-            <a:pPr marL="0" indent="0">
-              <a:buNone/>
-            </a:pPr>
-            <a:endParaRPr lang="en-US" dirty="0"/>
-          </a:p>
-          <a:p>
-            <a:pPr marL="0" indent="0">
-              <a:buNone/>
-            </a:pPr>
-            <a:endParaRPr lang="en-US" dirty="0"/>
+              <a:rPr lang="en-US" dirty="0"/>
+              <a:t>Building on Windows.</a:t>
+            </a:r>
+          </a:p>
+          <a:p>
+            <a:r>
+              <a:rPr lang="en-US" dirty="0"/>
+              <a:t>Get Java JDK 11</a:t>
+            </a:r>
+          </a:p>
+          <a:p>
+            <a:r>
+              <a:rPr lang="en-US" dirty="0"/>
+              <a:t>Set JAVA_HOME=C:\Program Files\Java\jdk-11.0.5\ in your environment variables.  Google it</a:t>
+            </a:r>
+          </a:p>
+          <a:p>
+            <a:r>
+              <a:rPr lang="en-US" dirty="0"/>
+              <a:t>Unzip the zip file into a location.</a:t>
+            </a:r>
+          </a:p>
+          <a:p>
+            <a:r>
+              <a:rPr lang="en-US" dirty="0"/>
+              <a:t>Start a command line and change into the path</a:t>
+            </a:r>
           </a:p>
         </p:txBody>
       </p:sp>
@@ -8970,7 +10469,7 @@
           <p:cNvPr id="4" name="Rectangle 3">
             <a:extLst>
               <a:ext uri="{FF2B5EF4-FFF2-40B4-BE49-F238E27FC236}">
-                <a16:creationId xmlns:a16="http://schemas.microsoft.com/office/drawing/2014/main" id="{361134A5-CFD3-4DB3-9403-F2D6A963E003}"/>
+                <a16:creationId xmlns:a16="http://schemas.microsoft.com/office/drawing/2014/main" id="{5C84F44E-0421-40F0-B772-49D309B7DAD5}"/>
               </a:ext>
             </a:extLst>
           </p:cNvPr>
@@ -8979,7 +10478,7 @@
         </p:nvSpPr>
         <p:spPr>
           <a:xfrm>
-            <a:off x="1659989" y="6087082"/>
+            <a:off x="1659988" y="6239482"/>
             <a:ext cx="9387422" cy="523220"/>
           </a:xfrm>
           <a:prstGeom prst="rect">
@@ -9002,7 +10501,7 @@
     </p:spTree>
     <p:extLst>
       <p:ext uri="{BB962C8B-B14F-4D97-AF65-F5344CB8AC3E}">
-        <p14:creationId xmlns:p14="http://schemas.microsoft.com/office/powerpoint/2010/main" val="632783454"/>
+        <p14:creationId xmlns:p14="http://schemas.microsoft.com/office/powerpoint/2010/main" val="4009556426"/>
       </p:ext>
     </p:extLst>
   </p:cSld>
@@ -9034,7 +10533,7 @@
           <p:cNvPr id="2" name="Title 1">
             <a:extLst>
               <a:ext uri="{FF2B5EF4-FFF2-40B4-BE49-F238E27FC236}">
-                <a16:creationId xmlns:a16="http://schemas.microsoft.com/office/drawing/2014/main" id="{DA0FEEBF-D427-4607-9420-58413B21C5C5}"/>
+                <a16:creationId xmlns:a16="http://schemas.microsoft.com/office/drawing/2014/main" id="{1C4D0ADC-C24B-45E4-9ADC-9AB04A59FCE4}"/>
               </a:ext>
             </a:extLst>
           </p:cNvPr>
@@ -9051,12 +10550,16 @@
           <a:lstStyle/>
           <a:p>
             <a:r>
+              <a:rPr lang="en-US" dirty="0"/>
+              <a:t>The </a:t>
+            </a:r>
+            <a:r>
               <a:rPr lang="en-US" dirty="0" err="1"/>
-              <a:t>WPLib</a:t>
-            </a:r>
-            <a:r>
-              <a:rPr lang="en-US" dirty="0"/>
-              <a:t> parts</a:t>
+              <a:t>Pathweaver</a:t>
+            </a:r>
+            <a:r>
+              <a:rPr lang="en-US" dirty="0"/>
+              <a:t>, Gradle</a:t>
             </a:r>
           </a:p>
         </p:txBody>
@@ -9066,7 +10569,7 @@
           <p:cNvPr id="3" name="Content Placeholder 2">
             <a:extLst>
               <a:ext uri="{FF2B5EF4-FFF2-40B4-BE49-F238E27FC236}">
-                <a16:creationId xmlns:a16="http://schemas.microsoft.com/office/drawing/2014/main" id="{9E1A0EFC-7480-44C9-88C8-CB393210D0DC}"/>
+                <a16:creationId xmlns:a16="http://schemas.microsoft.com/office/drawing/2014/main" id="{90408834-0F7E-446D-B3D1-217CD142B1A3}"/>
               </a:ext>
             </a:extLst>
           </p:cNvPr>
@@ -9086,57 +10589,42 @@
           <a:p>
             <a:r>
               <a:rPr lang="en-US" dirty="0"/>
-              <a:t>Hal</a:t>
-            </a:r>
-          </a:p>
-          <a:p>
-            <a:pPr lvl="1"/>
-            <a:r>
-              <a:rPr lang="en-US" dirty="0"/>
-              <a:t>Hardware abstraction layer.</a:t>
-            </a:r>
-          </a:p>
-          <a:p>
+              <a:t>In the path there is a file called gradlew.bat.</a:t>
+            </a:r>
+          </a:p>
+          <a:p>
+            <a:r>
+              <a:rPr lang="en-US" dirty="0"/>
+              <a:t>Type ‘</a:t>
+            </a:r>
             <a:r>
               <a:rPr lang="en-US" dirty="0" err="1"/>
-              <a:t>Ntcore</a:t>
-            </a:r>
-            <a:endParaRPr lang="en-US" dirty="0"/>
-          </a:p>
-          <a:p>
-            <a:pPr lvl="1"/>
+              <a:t>gradlew</a:t>
+            </a:r>
+            <a:r>
+              <a:rPr lang="en-US" dirty="0"/>
+              <a:t>’ in the command prompt.</a:t>
+            </a:r>
+          </a:p>
+          <a:p>
+            <a:r>
+              <a:rPr lang="en-US" dirty="0"/>
+              <a:t>Gradle will take over and download things it needs.</a:t>
+            </a:r>
+          </a:p>
+          <a:p>
+            <a:r>
+              <a:rPr lang="en-US" dirty="0"/>
+              <a:t>If it passes then you can run it with ‘</a:t>
+            </a:r>
             <a:r>
               <a:rPr lang="en-US" dirty="0" err="1"/>
-              <a:t>Nettables</a:t>
-            </a:r>
-            <a:r>
-              <a:rPr lang="en-US" dirty="0"/>
-              <a:t> core code.</a:t>
-            </a:r>
-          </a:p>
-          <a:p>
-            <a:r>
-              <a:rPr lang="en-US" dirty="0" err="1"/>
-              <a:t>Wpiutil</a:t>
-            </a:r>
-            <a:endParaRPr lang="en-US" dirty="0"/>
-          </a:p>
-          <a:p>
-            <a:pPr lvl="1"/>
-            <a:r>
-              <a:rPr lang="en-US" dirty="0" err="1"/>
-              <a:t>Suporting</a:t>
-            </a:r>
-            <a:r>
-              <a:rPr lang="en-US" dirty="0"/>
-              <a:t> classes for the other parts</a:t>
-            </a:r>
-          </a:p>
-          <a:p>
-            <a:pPr marL="0" indent="0">
-              <a:buNone/>
-            </a:pPr>
-            <a:endParaRPr lang="en-US" dirty="0"/>
+              <a:t>gradlew</a:t>
+            </a:r>
+            <a:r>
+              <a:rPr lang="en-US" dirty="0"/>
+              <a:t> run’</a:t>
+            </a:r>
           </a:p>
         </p:txBody>
       </p:sp>
@@ -9145,7 +10633,7 @@
           <p:cNvPr id="4" name="Rectangle 3">
             <a:extLst>
               <a:ext uri="{FF2B5EF4-FFF2-40B4-BE49-F238E27FC236}">
-                <a16:creationId xmlns:a16="http://schemas.microsoft.com/office/drawing/2014/main" id="{CE0087DF-50AD-4FAA-9E0F-3709D436B0B0}"/>
+                <a16:creationId xmlns:a16="http://schemas.microsoft.com/office/drawing/2014/main" id="{5C84F44E-0421-40F0-B772-49D309B7DAD5}"/>
               </a:ext>
             </a:extLst>
           </p:cNvPr>
@@ -9177,7 +10665,7 @@
     </p:spTree>
     <p:extLst>
       <p:ext uri="{BB962C8B-B14F-4D97-AF65-F5344CB8AC3E}">
-        <p14:creationId xmlns:p14="http://schemas.microsoft.com/office/powerpoint/2010/main" val="2995530084"/>
+        <p14:creationId xmlns:p14="http://schemas.microsoft.com/office/powerpoint/2010/main" val="876525476"/>
       </p:ext>
     </p:extLst>
   </p:cSld>
@@ -9209,7 +10697,7 @@
           <p:cNvPr id="2" name="Title 1">
             <a:extLst>
               <a:ext uri="{FF2B5EF4-FFF2-40B4-BE49-F238E27FC236}">
-                <a16:creationId xmlns:a16="http://schemas.microsoft.com/office/drawing/2014/main" id="{AEF99A0D-A05A-466A-8F42-1B770CE74B26}"/>
+                <a16:creationId xmlns:a16="http://schemas.microsoft.com/office/drawing/2014/main" id="{1C4D0ADC-C24B-45E4-9ADC-9AB04A59FCE4}"/>
               </a:ext>
             </a:extLst>
           </p:cNvPr>
@@ -9226,102 +10714,14 @@
           <a:lstStyle/>
           <a:p>
             <a:r>
+              <a:rPr lang="en-US" dirty="0"/>
+              <a:t>The </a:t>
+            </a:r>
+            <a:r>
               <a:rPr lang="en-US" dirty="0" err="1"/>
-              <a:t>WPILib</a:t>
-            </a:r>
-            <a:r>
-              <a:rPr lang="en-US" dirty="0"/>
-              <a:t> Network tables</a:t>
-            </a:r>
-          </a:p>
-        </p:txBody>
-      </p:sp>
-      <p:sp>
-        <p:nvSpPr>
-          <p:cNvPr id="3" name="Content Placeholder 2">
-            <a:extLst>
-              <a:ext uri="{FF2B5EF4-FFF2-40B4-BE49-F238E27FC236}">
-                <a16:creationId xmlns:a16="http://schemas.microsoft.com/office/drawing/2014/main" id="{AD37D7A2-A41C-4031-B1B3-1E4E62898996}"/>
-              </a:ext>
-            </a:extLst>
-          </p:cNvPr>
-          <p:cNvSpPr>
-            <a:spLocks noGrp="1"/>
-          </p:cNvSpPr>
-          <p:nvPr>
-            <p:ph idx="1"/>
-          </p:nvPr>
-        </p:nvSpPr>
-        <p:spPr/>
-        <p:txBody>
-          <a:bodyPr>
-            <a:normAutofit/>
-          </a:bodyPr>
-          <a:lstStyle/>
-          <a:p>
-            <a:r>
-              <a:rPr lang="en-US" dirty="0"/>
-              <a:t>By far the most important piece of the WPI for external processors</a:t>
-            </a:r>
-          </a:p>
-          <a:p>
-            <a:r>
-              <a:rPr lang="en-US" dirty="0"/>
-              <a:t>Publish/Subscribe server</a:t>
-            </a:r>
-          </a:p>
-          <a:p>
-            <a:r>
-              <a:rPr lang="en-US" dirty="0"/>
-              <a:t>The </a:t>
-            </a:r>
-            <a:r>
-              <a:rPr lang="en-US" dirty="0" err="1"/>
-              <a:t>Roborio</a:t>
-            </a:r>
-            <a:r>
-              <a:rPr lang="en-US" dirty="0"/>
-              <a:t> is the server!</a:t>
-            </a:r>
-          </a:p>
-          <a:p>
-            <a:r>
-              <a:rPr lang="en-US" dirty="0"/>
-              <a:t>It does need </a:t>
-            </a:r>
-            <a:r>
-              <a:rPr lang="en-US" dirty="0" err="1"/>
-              <a:t>WPIUtils</a:t>
+              <a:t>Pathweaver</a:t>
             </a:r>
             <a:endParaRPr lang="en-US" dirty="0"/>
-          </a:p>
-          <a:p>
-            <a:r>
-              <a:rPr lang="en-US" dirty="0"/>
-              <a:t>As long as you can build the </a:t>
-            </a:r>
-            <a:r>
-              <a:rPr lang="en-US" dirty="0" err="1"/>
-              <a:t>NTCore</a:t>
-            </a:r>
-            <a:r>
-              <a:rPr lang="en-US" dirty="0"/>
-              <a:t> and </a:t>
-            </a:r>
-            <a:r>
-              <a:rPr lang="en-US" dirty="0" err="1"/>
-              <a:t>WPIUtils</a:t>
-            </a:r>
-            <a:r>
-              <a:rPr lang="en-US" dirty="0"/>
-              <a:t> you can use that device easily in your robot.</a:t>
-            </a:r>
-          </a:p>
-          <a:p>
-            <a:r>
-              <a:rPr lang="en-US" dirty="0"/>
-              <a:t>Several version of this, backwards compatible.</a:t>
-            </a:r>
           </a:p>
         </p:txBody>
       </p:sp>
@@ -9330,7 +10730,7 @@
           <p:cNvPr id="4" name="Rectangle 3">
             <a:extLst>
               <a:ext uri="{FF2B5EF4-FFF2-40B4-BE49-F238E27FC236}">
-                <a16:creationId xmlns:a16="http://schemas.microsoft.com/office/drawing/2014/main" id="{F7D4AC80-F5DA-45FD-92E5-9BC461F49F89}"/>
+                <a16:creationId xmlns:a16="http://schemas.microsoft.com/office/drawing/2014/main" id="{5C84F44E-0421-40F0-B772-49D309B7DAD5}"/>
               </a:ext>
             </a:extLst>
           </p:cNvPr>
@@ -9359,10 +10759,65 @@
           </a:p>
         </p:txBody>
       </p:sp>
+      <p:pic>
+        <p:nvPicPr>
+          <p:cNvPr id="5" name="Picture 4">
+            <a:extLst>
+              <a:ext uri="{FF2B5EF4-FFF2-40B4-BE49-F238E27FC236}">
+                <a16:creationId xmlns:a16="http://schemas.microsoft.com/office/drawing/2014/main" id="{BF41241B-8244-4CFA-B91D-2C85678C1E95}"/>
+              </a:ext>
+            </a:extLst>
+          </p:cNvPr>
+          <p:cNvPicPr>
+            <a:picLocks noChangeAspect="1"/>
+          </p:cNvPicPr>
+          <p:nvPr/>
+        </p:nvPicPr>
+        <p:blipFill>
+          <a:blip r:embed="rId2"/>
+          <a:stretch>
+            <a:fillRect/>
+          </a:stretch>
+        </p:blipFill>
+        <p:spPr>
+          <a:xfrm>
+            <a:off x="3182309" y="1315051"/>
+            <a:ext cx="5575920" cy="4924431"/>
+          </a:xfrm>
+          <a:prstGeom prst="rect">
+            <a:avLst/>
+          </a:prstGeom>
+        </p:spPr>
+      </p:pic>
+      <p:sp>
+        <p:nvSpPr>
+          <p:cNvPr id="7" name="Content Placeholder 6">
+            <a:extLst>
+              <a:ext uri="{FF2B5EF4-FFF2-40B4-BE49-F238E27FC236}">
+                <a16:creationId xmlns:a16="http://schemas.microsoft.com/office/drawing/2014/main" id="{2BE2EF22-C51C-4B48-8333-98FD95E63855}"/>
+              </a:ext>
+            </a:extLst>
+          </p:cNvPr>
+          <p:cNvSpPr>
+            <a:spLocks noGrp="1"/>
+          </p:cNvSpPr>
+          <p:nvPr>
+            <p:ph idx="1"/>
+          </p:nvPr>
+        </p:nvSpPr>
+        <p:spPr/>
+        <p:txBody>
+          <a:bodyPr/>
+          <a:lstStyle/>
+          <a:p>
+            <a:endParaRPr lang="en-US"/>
+          </a:p>
+        </p:txBody>
+      </p:sp>
     </p:spTree>
     <p:extLst>
       <p:ext uri="{BB962C8B-B14F-4D97-AF65-F5344CB8AC3E}">
-        <p14:creationId xmlns:p14="http://schemas.microsoft.com/office/powerpoint/2010/main" val="1419520905"/>
+        <p14:creationId xmlns:p14="http://schemas.microsoft.com/office/powerpoint/2010/main" val="3377321191"/>
       </p:ext>
     </p:extLst>
   </p:cSld>
@@ -9394,7 +10849,7 @@
           <p:cNvPr id="2" name="Title 1">
             <a:extLst>
               <a:ext uri="{FF2B5EF4-FFF2-40B4-BE49-F238E27FC236}">
-                <a16:creationId xmlns:a16="http://schemas.microsoft.com/office/drawing/2014/main" id="{FD4CA355-A7F4-42B8-9EC3-5615ACA9F6A2}"/>
+                <a16:creationId xmlns:a16="http://schemas.microsoft.com/office/drawing/2014/main" id="{1C4D0ADC-C24B-45E4-9ADC-9AB04A59FCE4}"/>
               </a:ext>
             </a:extLst>
           </p:cNvPr>
@@ -9412,20 +10867,59 @@
           <a:p>
             <a:r>
               <a:rPr lang="en-US" dirty="0"/>
-              <a:t>ROBORIO</a:t>
-            </a:r>
-          </a:p>
-        </p:txBody>
-      </p:sp>
-      <p:sp>
-        <p:nvSpPr>
-          <p:cNvPr id="3" name="Content Placeholder 2">
+              <a:t>The </a:t>
+            </a:r>
+            <a:r>
+              <a:rPr lang="en-US" dirty="0" err="1"/>
+              <a:t>Pathweaver</a:t>
+            </a:r>
+            <a:endParaRPr lang="en-US" dirty="0"/>
+          </a:p>
+        </p:txBody>
+      </p:sp>
+      <p:sp>
+        <p:nvSpPr>
+          <p:cNvPr id="4" name="Rectangle 3">
             <a:extLst>
               <a:ext uri="{FF2B5EF4-FFF2-40B4-BE49-F238E27FC236}">
-                <a16:creationId xmlns:a16="http://schemas.microsoft.com/office/drawing/2014/main" id="{39948EB9-84F3-47E6-AE61-37D371E8848A}"/>
+                <a16:creationId xmlns:a16="http://schemas.microsoft.com/office/drawing/2014/main" id="{5C84F44E-0421-40F0-B772-49D309B7DAD5}"/>
               </a:ext>
             </a:extLst>
           </p:cNvPr>
+          <p:cNvSpPr/>
+          <p:nvPr/>
+        </p:nvSpPr>
+        <p:spPr>
+          <a:xfrm>
+            <a:off x="1659988" y="6239482"/>
+            <a:ext cx="9387422" cy="523220"/>
+          </a:xfrm>
+          <a:prstGeom prst="rect">
+            <a:avLst/>
+          </a:prstGeom>
+        </p:spPr>
+        <p:txBody>
+          <a:bodyPr wrap="square">
+            <a:spAutoFit/>
+          </a:bodyPr>
+          <a:lstStyle/>
+          <a:p>
+            <a:r>
+              <a:rPr lang="en-US" sz="2800" dirty="0"/>
+              <a:t>https://github.com/JimWright4089/FIRSTWorkshops</a:t>
+            </a:r>
+          </a:p>
+        </p:txBody>
+      </p:sp>
+      <p:sp>
+        <p:nvSpPr>
+          <p:cNvPr id="7" name="Content Placeholder 6">
+            <a:extLst>
+              <a:ext uri="{FF2B5EF4-FFF2-40B4-BE49-F238E27FC236}">
+                <a16:creationId xmlns:a16="http://schemas.microsoft.com/office/drawing/2014/main" id="{2BE2EF22-C51C-4B48-8333-98FD95E63855}"/>
+              </a:ext>
+            </a:extLst>
+          </p:cNvPr>
           <p:cNvSpPr>
             <a:spLocks noGrp="1"/>
           </p:cNvSpPr>
@@ -9433,68 +10927,53 @@
             <p:ph idx="1"/>
           </p:nvPr>
         </p:nvSpPr>
-        <p:spPr/>
-        <p:txBody>
-          <a:bodyPr>
-            <a:normAutofit/>
-          </a:bodyPr>
-          <a:lstStyle/>
-          <a:p>
-            <a:r>
-              <a:rPr lang="en-US" dirty="0"/>
-              <a:t>Old device, had an amazing amount of processing power seven years ago.</a:t>
-            </a:r>
-          </a:p>
-          <a:p>
-            <a:r>
-              <a:rPr lang="en-US" dirty="0"/>
-              <a:t>The core of </a:t>
-            </a:r>
-            <a:r>
-              <a:rPr lang="en-US" dirty="0" err="1"/>
-              <a:t>WPILib</a:t>
-            </a:r>
-            <a:r>
-              <a:rPr lang="en-US" dirty="0"/>
-              <a:t> goes on this.</a:t>
-            </a:r>
-          </a:p>
-          <a:p>
-            <a:r>
-              <a:rPr lang="en-US" dirty="0"/>
-              <a:t>5V tolerant device.  The I2C port is 5 volt.  Pay attention to devices you want to hook to it for voltage compatibility.</a:t>
-            </a:r>
-          </a:p>
-          <a:p>
-            <a:r>
-              <a:rPr lang="en-US" dirty="0" err="1"/>
-              <a:t>Eithernet</a:t>
-            </a:r>
-            <a:r>
-              <a:rPr lang="en-US" dirty="0"/>
-              <a:t>, I2C, UART, and USB.</a:t>
-            </a:r>
-          </a:p>
-          <a:p>
-            <a:r>
-              <a:rPr lang="en-US" dirty="0"/>
-              <a:t>Can run vision processing, but it can’t run it very well.</a:t>
-            </a:r>
-          </a:p>
-          <a:p>
-            <a:r>
-              <a:rPr lang="en-US" dirty="0"/>
-              <a:t>You want to keep this processing motion commands and not slow it down.</a:t>
+        <p:spPr>
+          <a:xfrm>
+            <a:off x="1103313" y="2052918"/>
+            <a:ext cx="4687888" cy="4195481"/>
+          </a:xfrm>
+        </p:spPr>
+        <p:txBody>
+          <a:bodyPr/>
+          <a:lstStyle/>
+          <a:p>
+            <a:r>
+              <a:rPr lang="en-US" dirty="0"/>
+              <a:t>Project and output point to you folder.</a:t>
+            </a:r>
+          </a:p>
+          <a:p>
+            <a:r>
+              <a:rPr lang="en-US" dirty="0"/>
+              <a:t>Select game.</a:t>
+            </a:r>
+          </a:p>
+          <a:p>
+            <a:r>
+              <a:rPr lang="en-US" dirty="0"/>
+              <a:t>The units is SOOOOOO key, once you choose one stay with it.</a:t>
+            </a:r>
+          </a:p>
+          <a:p>
+            <a:r>
+              <a:rPr lang="en-US" dirty="0"/>
+              <a:t>Time step is how fast can your system run.  Choose 0.02</a:t>
+            </a:r>
+          </a:p>
+          <a:p>
+            <a:r>
+              <a:rPr lang="en-US" dirty="0"/>
+              <a:t>There is a way to characterize your robot to find the Vel, Acc, and Jerk.  Or guess. </a:t>
             </a:r>
           </a:p>
         </p:txBody>
       </p:sp>
       <p:pic>
         <p:nvPicPr>
-          <p:cNvPr id="5" name="Picture 4" descr="A close up of electronics&#10;&#10;Description automatically generated">
+          <p:cNvPr id="3" name="Picture 2">
             <a:extLst>
               <a:ext uri="{FF2B5EF4-FFF2-40B4-BE49-F238E27FC236}">
-                <a16:creationId xmlns:a16="http://schemas.microsoft.com/office/drawing/2014/main" id="{5624EAFF-AA26-4E34-A302-FE71ADD71042}"/>
+                <a16:creationId xmlns:a16="http://schemas.microsoft.com/office/drawing/2014/main" id="{02B19913-5B30-47C9-A042-9DE0F45ED191}"/>
               </a:ext>
             </a:extLst>
           </p:cNvPr>
@@ -9511,52 +10990,18 @@
         </p:blipFill>
         <p:spPr>
           <a:xfrm>
-            <a:off x="8067675" y="171449"/>
-            <a:ext cx="2219325" cy="2219325"/>
+            <a:off x="5934760" y="1338448"/>
+            <a:ext cx="5737163" cy="5066834"/>
           </a:xfrm>
           <a:prstGeom prst="rect">
             <a:avLst/>
           </a:prstGeom>
         </p:spPr>
       </p:pic>
-      <p:sp>
-        <p:nvSpPr>
-          <p:cNvPr id="6" name="Rectangle 5">
-            <a:extLst>
-              <a:ext uri="{FF2B5EF4-FFF2-40B4-BE49-F238E27FC236}">
-                <a16:creationId xmlns:a16="http://schemas.microsoft.com/office/drawing/2014/main" id="{14E7F27E-B0EB-470A-ABDB-9EB490D6DA66}"/>
-              </a:ext>
-            </a:extLst>
-          </p:cNvPr>
-          <p:cNvSpPr/>
-          <p:nvPr/>
-        </p:nvSpPr>
-        <p:spPr>
-          <a:xfrm>
-            <a:off x="1659988" y="6239482"/>
-            <a:ext cx="9387422" cy="523220"/>
-          </a:xfrm>
-          <a:prstGeom prst="rect">
-            <a:avLst/>
-          </a:prstGeom>
-        </p:spPr>
-        <p:txBody>
-          <a:bodyPr wrap="square">
-            <a:spAutoFit/>
-          </a:bodyPr>
-          <a:lstStyle/>
-          <a:p>
-            <a:r>
-              <a:rPr lang="en-US" sz="2800" dirty="0"/>
-              <a:t>https://github.com/JimWright4089/FIRSTWorkshops</a:t>
-            </a:r>
-          </a:p>
-        </p:txBody>
-      </p:sp>
     </p:spTree>
     <p:extLst>
       <p:ext uri="{BB962C8B-B14F-4D97-AF65-F5344CB8AC3E}">
-        <p14:creationId xmlns:p14="http://schemas.microsoft.com/office/powerpoint/2010/main" val="3353914447"/>
+        <p14:creationId xmlns:p14="http://schemas.microsoft.com/office/powerpoint/2010/main" val="2826759698"/>
       </p:ext>
     </p:extLst>
   </p:cSld>
@@ -9588,7 +11033,7 @@
           <p:cNvPr id="2" name="Title 1">
             <a:extLst>
               <a:ext uri="{FF2B5EF4-FFF2-40B4-BE49-F238E27FC236}">
-                <a16:creationId xmlns:a16="http://schemas.microsoft.com/office/drawing/2014/main" id="{320C7D88-A068-4E2C-AED2-7F7F0E67CDFC}"/>
+                <a16:creationId xmlns:a16="http://schemas.microsoft.com/office/drawing/2014/main" id="{1C4D0ADC-C24B-45E4-9ADC-9AB04A59FCE4}"/>
               </a:ext>
             </a:extLst>
           </p:cNvPr>
@@ -9605,61 +11050,14 @@
           <a:lstStyle/>
           <a:p>
             <a:r>
+              <a:rPr lang="en-US" dirty="0"/>
+              <a:t>The </a:t>
+            </a:r>
+            <a:r>
               <a:rPr lang="en-US" dirty="0" err="1"/>
-              <a:t>Roborio</a:t>
-            </a:r>
-            <a:r>
-              <a:rPr lang="en-US" dirty="0"/>
-              <a:t> is a </a:t>
-            </a:r>
-            <a:r>
-              <a:rPr lang="en-US" dirty="0" err="1"/>
-              <a:t>linux</a:t>
-            </a:r>
-            <a:r>
-              <a:rPr lang="en-US" dirty="0"/>
-              <a:t> device</a:t>
-            </a:r>
-          </a:p>
-        </p:txBody>
-      </p:sp>
-      <p:sp>
-        <p:nvSpPr>
-          <p:cNvPr id="3" name="Content Placeholder 2">
-            <a:extLst>
-              <a:ext uri="{FF2B5EF4-FFF2-40B4-BE49-F238E27FC236}">
-                <a16:creationId xmlns:a16="http://schemas.microsoft.com/office/drawing/2014/main" id="{A725567C-44A7-4578-9B51-8ECD11C5DF5C}"/>
-              </a:ext>
-            </a:extLst>
-          </p:cNvPr>
-          <p:cNvSpPr>
-            <a:spLocks noGrp="1"/>
-          </p:cNvSpPr>
-          <p:nvPr>
-            <p:ph idx="1"/>
-          </p:nvPr>
-        </p:nvSpPr>
-        <p:spPr/>
-        <p:txBody>
-          <a:bodyPr/>
-          <a:lstStyle/>
-          <a:p>
-            <a:r>
-              <a:rPr lang="en-US" dirty="0"/>
-              <a:t>You can SSH and FTP into it.  You can browse the FTP with Windows Explorer.</a:t>
-            </a:r>
-          </a:p>
-          <a:p>
-            <a:r>
-              <a:rPr lang="en-US" dirty="0"/>
-              <a:t>In debugging things you can SSH into it and ping the other parts to see if you have the networking setup correctly.</a:t>
-            </a:r>
-          </a:p>
-          <a:p>
-            <a:r>
-              <a:rPr lang="en-US" dirty="0"/>
-              <a:t>The user is ‘admin’ the password is blank.  Don’t change the password!!!</a:t>
-            </a:r>
+              <a:t>Pathweaver</a:t>
+            </a:r>
+            <a:endParaRPr lang="en-US" dirty="0"/>
           </a:p>
         </p:txBody>
       </p:sp>
@@ -9668,7 +11066,7 @@
           <p:cNvPr id="4" name="Rectangle 3">
             <a:extLst>
               <a:ext uri="{FF2B5EF4-FFF2-40B4-BE49-F238E27FC236}">
-                <a16:creationId xmlns:a16="http://schemas.microsoft.com/office/drawing/2014/main" id="{5F6424C0-93B9-4CB5-9396-C8FD1A312C64}"/>
+                <a16:creationId xmlns:a16="http://schemas.microsoft.com/office/drawing/2014/main" id="{5C84F44E-0421-40F0-B772-49D309B7DAD5}"/>
               </a:ext>
             </a:extLst>
           </p:cNvPr>
@@ -9697,10 +11095,97 @@
           </a:p>
         </p:txBody>
       </p:sp>
+      <p:sp>
+        <p:nvSpPr>
+          <p:cNvPr id="7" name="Content Placeholder 6">
+            <a:extLst>
+              <a:ext uri="{FF2B5EF4-FFF2-40B4-BE49-F238E27FC236}">
+                <a16:creationId xmlns:a16="http://schemas.microsoft.com/office/drawing/2014/main" id="{2BE2EF22-C51C-4B48-8333-98FD95E63855}"/>
+              </a:ext>
+            </a:extLst>
+          </p:cNvPr>
+          <p:cNvSpPr>
+            <a:spLocks noGrp="1"/>
+          </p:cNvSpPr>
+          <p:nvPr>
+            <p:ph idx="1"/>
+          </p:nvPr>
+        </p:nvSpPr>
+        <p:spPr>
+          <a:xfrm>
+            <a:off x="1103313" y="2052918"/>
+            <a:ext cx="4687888" cy="4195481"/>
+          </a:xfrm>
+        </p:spPr>
+        <p:txBody>
+          <a:bodyPr/>
+          <a:lstStyle/>
+          <a:p>
+            <a:r>
+              <a:rPr lang="en-US" dirty="0"/>
+              <a:t>Project and output point to you folder.</a:t>
+            </a:r>
+          </a:p>
+          <a:p>
+            <a:r>
+              <a:rPr lang="en-US" dirty="0"/>
+              <a:t>Select game.</a:t>
+            </a:r>
+          </a:p>
+          <a:p>
+            <a:r>
+              <a:rPr lang="en-US" dirty="0"/>
+              <a:t>The units is SOOOOOO key, once you choose one stay with it.</a:t>
+            </a:r>
+          </a:p>
+          <a:p>
+            <a:r>
+              <a:rPr lang="en-US" dirty="0"/>
+              <a:t>Time step is how fast can your system run.  Choose 0.02</a:t>
+            </a:r>
+          </a:p>
+          <a:p>
+            <a:r>
+              <a:rPr lang="en-US" dirty="0"/>
+              <a:t>There is a way to characterize your robot to find the Vel, Acc, and Jerk.  Or guess. </a:t>
+            </a:r>
+          </a:p>
+        </p:txBody>
+      </p:sp>
+      <p:pic>
+        <p:nvPicPr>
+          <p:cNvPr id="3" name="Picture 2">
+            <a:extLst>
+              <a:ext uri="{FF2B5EF4-FFF2-40B4-BE49-F238E27FC236}">
+                <a16:creationId xmlns:a16="http://schemas.microsoft.com/office/drawing/2014/main" id="{02B19913-5B30-47C9-A042-9DE0F45ED191}"/>
+              </a:ext>
+            </a:extLst>
+          </p:cNvPr>
+          <p:cNvPicPr>
+            <a:picLocks noChangeAspect="1"/>
+          </p:cNvPicPr>
+          <p:nvPr/>
+        </p:nvPicPr>
+        <p:blipFill>
+          <a:blip r:embed="rId2"/>
+          <a:stretch>
+            <a:fillRect/>
+          </a:stretch>
+        </p:blipFill>
+        <p:spPr>
+          <a:xfrm>
+            <a:off x="5934760" y="1338448"/>
+            <a:ext cx="5737163" cy="5066834"/>
+          </a:xfrm>
+          <a:prstGeom prst="rect">
+            <a:avLst/>
+          </a:prstGeom>
+        </p:spPr>
+      </p:pic>
     </p:spTree>
     <p:extLst>
       <p:ext uri="{BB962C8B-B14F-4D97-AF65-F5344CB8AC3E}">
-        <p14:creationId xmlns:p14="http://schemas.microsoft.com/office/powerpoint/2010/main" val="1734332515"/>
+        <p14:creationId xmlns:p14="http://schemas.microsoft.com/office/powerpoint/2010/main" val="2179814884"/>
       </p:ext>
     </p:extLst>
   </p:cSld>

--- a/FRC/2019/Pathfinding/Pathfinding.pptx
+++ b/FRC/2019/Pathfinding/Pathfinding.pptx
@@ -20,15 +20,18 @@
     <p:sldId id="304" r:id="rId14"/>
     <p:sldId id="305" r:id="rId15"/>
     <p:sldId id="306" r:id="rId16"/>
-    <p:sldId id="307" r:id="rId17"/>
-    <p:sldId id="308" r:id="rId18"/>
-    <p:sldId id="311" r:id="rId19"/>
-    <p:sldId id="314" r:id="rId20"/>
-    <p:sldId id="312" r:id="rId21"/>
-    <p:sldId id="313" r:id="rId22"/>
-    <p:sldId id="310" r:id="rId23"/>
-    <p:sldId id="315" r:id="rId24"/>
-    <p:sldId id="316" r:id="rId25"/>
+    <p:sldId id="319" r:id="rId17"/>
+    <p:sldId id="307" r:id="rId18"/>
+    <p:sldId id="308" r:id="rId19"/>
+    <p:sldId id="311" r:id="rId20"/>
+    <p:sldId id="318" r:id="rId21"/>
+    <p:sldId id="314" r:id="rId22"/>
+    <p:sldId id="312" r:id="rId23"/>
+    <p:sldId id="313" r:id="rId24"/>
+    <p:sldId id="317" r:id="rId25"/>
+    <p:sldId id="310" r:id="rId26"/>
+    <p:sldId id="315" r:id="rId27"/>
+    <p:sldId id="316" r:id="rId28"/>
   </p:sldIdLst>
   <p:sldSz cx="12192000" cy="6858000"/>
   <p:notesSz cx="6858000" cy="9144000"/>
@@ -321,7 +324,7 @@
           <a:p>
             <a:fld id="{48A87A34-81AB-432B-8DAE-1953F412C126}" type="datetimeFigureOut">
               <a:rPr lang="en-US" smtClean="0"/>
-              <a:t>11/13/2019</a:t>
+              <a:t>11/14/2019</a:t>
             </a:fld>
             <a:endParaRPr lang="en-US" dirty="0"/>
           </a:p>
@@ -597,7 +600,7 @@
             <a:fld id="{48A87A34-81AB-432B-8DAE-1953F412C126}" type="datetimeFigureOut">
               <a:rPr lang="en-US" smtClean="0"/>
               <a:pPr/>
-              <a:t>11/13/2019</a:t>
+              <a:t>11/14/2019</a:t>
             </a:fld>
             <a:endParaRPr lang="en-US" dirty="0"/>
           </a:p>
@@ -793,7 +796,7 @@
             <a:fld id="{48A87A34-81AB-432B-8DAE-1953F412C126}" type="datetimeFigureOut">
               <a:rPr lang="en-US" smtClean="0"/>
               <a:pPr/>
-              <a:t>11/13/2019</a:t>
+              <a:t>11/14/2019</a:t>
             </a:fld>
             <a:endParaRPr lang="en-US" dirty="0"/>
           </a:p>
@@ -1068,7 +1071,7 @@
             <a:fld id="{48A87A34-81AB-432B-8DAE-1953F412C126}" type="datetimeFigureOut">
               <a:rPr lang="en-US" smtClean="0"/>
               <a:pPr/>
-              <a:t>11/13/2019</a:t>
+              <a:t>11/14/2019</a:t>
             </a:fld>
             <a:endParaRPr lang="en-US" dirty="0"/>
           </a:p>
@@ -1411,7 +1414,7 @@
             <a:fld id="{48A87A34-81AB-432B-8DAE-1953F412C126}" type="datetimeFigureOut">
               <a:rPr lang="en-US" smtClean="0"/>
               <a:pPr/>
-              <a:t>11/13/2019</a:t>
+              <a:t>11/14/2019</a:t>
             </a:fld>
             <a:endParaRPr lang="en-US" dirty="0"/>
           </a:p>
@@ -2036,7 +2039,7 @@
             <a:fld id="{48A87A34-81AB-432B-8DAE-1953F412C126}" type="datetimeFigureOut">
               <a:rPr lang="en-US" smtClean="0"/>
               <a:pPr/>
-              <a:t>11/13/2019</a:t>
+              <a:t>11/14/2019</a:t>
             </a:fld>
             <a:endParaRPr lang="en-US" dirty="0"/>
           </a:p>
@@ -2898,7 +2901,7 @@
             <a:fld id="{48A87A34-81AB-432B-8DAE-1953F412C126}" type="datetimeFigureOut">
               <a:rPr lang="en-US" smtClean="0"/>
               <a:pPr/>
-              <a:t>11/13/2019</a:t>
+              <a:t>11/14/2019</a:t>
             </a:fld>
             <a:endParaRPr lang="en-US" dirty="0"/>
           </a:p>
@@ -3069,7 +3072,7 @@
           <a:p>
             <a:fld id="{48A87A34-81AB-432B-8DAE-1953F412C126}" type="datetimeFigureOut">
               <a:rPr lang="en-US" smtClean="0"/>
-              <a:t>11/13/2019</a:t>
+              <a:t>11/14/2019</a:t>
             </a:fld>
             <a:endParaRPr lang="en-US" dirty="0"/>
           </a:p>
@@ -3249,7 +3252,7 @@
           <a:p>
             <a:fld id="{48A87A34-81AB-432B-8DAE-1953F412C126}" type="datetimeFigureOut">
               <a:rPr lang="en-US" smtClean="0"/>
-              <a:t>11/13/2019</a:t>
+              <a:t>11/14/2019</a:t>
             </a:fld>
             <a:endParaRPr lang="en-US" dirty="0"/>
           </a:p>
@@ -3419,7 +3422,7 @@
           <a:p>
             <a:fld id="{48A87A34-81AB-432B-8DAE-1953F412C126}" type="datetimeFigureOut">
               <a:rPr lang="en-US" smtClean="0"/>
-              <a:t>11/13/2019</a:t>
+              <a:t>11/14/2019</a:t>
             </a:fld>
             <a:endParaRPr lang="en-US" dirty="0"/>
           </a:p>
@@ -3666,7 +3669,7 @@
           <a:p>
             <a:fld id="{48A87A34-81AB-432B-8DAE-1953F412C126}" type="datetimeFigureOut">
               <a:rPr lang="en-US" smtClean="0"/>
-              <a:t>11/13/2019</a:t>
+              <a:t>11/14/2019</a:t>
             </a:fld>
             <a:endParaRPr lang="en-US" dirty="0"/>
           </a:p>
@@ -3958,7 +3961,7 @@
           <a:p>
             <a:fld id="{48A87A34-81AB-432B-8DAE-1953F412C126}" type="datetimeFigureOut">
               <a:rPr lang="en-US" smtClean="0"/>
-              <a:t>11/13/2019</a:t>
+              <a:t>11/14/2019</a:t>
             </a:fld>
             <a:endParaRPr lang="en-US" dirty="0"/>
           </a:p>
@@ -4402,7 +4405,7 @@
           <a:p>
             <a:fld id="{48A87A34-81AB-432B-8DAE-1953F412C126}" type="datetimeFigureOut">
               <a:rPr lang="en-US" smtClean="0"/>
-              <a:t>11/13/2019</a:t>
+              <a:t>11/14/2019</a:t>
             </a:fld>
             <a:endParaRPr lang="en-US" dirty="0"/>
           </a:p>
@@ -4520,7 +4523,7 @@
           <a:p>
             <a:fld id="{48A87A34-81AB-432B-8DAE-1953F412C126}" type="datetimeFigureOut">
               <a:rPr lang="en-US" smtClean="0"/>
-              <a:t>11/13/2019</a:t>
+              <a:t>11/14/2019</a:t>
             </a:fld>
             <a:endParaRPr lang="en-US" dirty="0"/>
           </a:p>
@@ -4615,7 +4618,7 @@
           <a:p>
             <a:fld id="{48A87A34-81AB-432B-8DAE-1953F412C126}" type="datetimeFigureOut">
               <a:rPr lang="en-US" smtClean="0"/>
-              <a:t>11/13/2019</a:t>
+              <a:t>11/14/2019</a:t>
             </a:fld>
             <a:endParaRPr lang="en-US" dirty="0"/>
           </a:p>
@@ -4894,7 +4897,7 @@
           <a:p>
             <a:fld id="{48A87A34-81AB-432B-8DAE-1953F412C126}" type="datetimeFigureOut">
               <a:rPr lang="en-US" smtClean="0"/>
-              <a:t>11/13/2019</a:t>
+              <a:t>11/14/2019</a:t>
             </a:fld>
             <a:endParaRPr lang="en-US" dirty="0"/>
           </a:p>
@@ -5169,7 +5172,7 @@
           <a:p>
             <a:fld id="{48A87A34-81AB-432B-8DAE-1953F412C126}" type="datetimeFigureOut">
               <a:rPr lang="en-US" smtClean="0"/>
-              <a:t>11/13/2019</a:t>
+              <a:t>11/14/2019</a:t>
             </a:fld>
             <a:endParaRPr lang="en-US" dirty="0"/>
           </a:p>
@@ -5599,7 +5602,7 @@
             <a:fld id="{48A87A34-81AB-432B-8DAE-1953F412C126}" type="datetimeFigureOut">
               <a:rPr lang="en-US" smtClean="0"/>
               <a:pPr/>
-              <a:t>11/13/2019</a:t>
+              <a:t>11/14/2019</a:t>
             </a:fld>
             <a:endParaRPr lang="en-US" dirty="0"/>
           </a:p>
@@ -7115,6 +7118,173 @@
           <a:p>
             <a:r>
               <a:rPr lang="en-US" dirty="0"/>
+              <a:t>Pathfinder Videos</a:t>
+            </a:r>
+          </a:p>
+        </p:txBody>
+      </p:sp>
+      <p:sp>
+        <p:nvSpPr>
+          <p:cNvPr id="3" name="Content Placeholder 2">
+            <a:extLst>
+              <a:ext uri="{FF2B5EF4-FFF2-40B4-BE49-F238E27FC236}">
+                <a16:creationId xmlns:a16="http://schemas.microsoft.com/office/drawing/2014/main" id="{90408834-0F7E-446D-B3D1-217CD142B1A3}"/>
+              </a:ext>
+            </a:extLst>
+          </p:cNvPr>
+          <p:cNvSpPr>
+            <a:spLocks noGrp="1"/>
+          </p:cNvSpPr>
+          <p:nvPr>
+            <p:ph idx="1"/>
+          </p:nvPr>
+        </p:nvSpPr>
+        <p:spPr/>
+        <p:txBody>
+          <a:bodyPr>
+            <a:normAutofit/>
+          </a:bodyPr>
+          <a:lstStyle/>
+          <a:p>
+            <a:r>
+              <a:rPr lang="en-US" dirty="0"/>
+              <a:t>Blue Position 2 To Depot Position 2:</a:t>
+            </a:r>
+          </a:p>
+          <a:p>
+            <a:r>
+              <a:rPr lang="en-US" dirty="0">
+                <a:hlinkClick r:id="rId2"/>
+              </a:rPr>
+              <a:t>https://www.youtube.com/watch?v=f9vzAfaiYjs</a:t>
+            </a:r>
+            <a:endParaRPr lang="en-US" dirty="0"/>
+          </a:p>
+          <a:p>
+            <a:endParaRPr lang="en-US" dirty="0"/>
+          </a:p>
+          <a:p>
+            <a:r>
+              <a:rPr lang="en-US" dirty="0"/>
+              <a:t>Blue Position 2 To Rocket Position 2:</a:t>
+            </a:r>
+          </a:p>
+          <a:p>
+            <a:r>
+              <a:rPr lang="en-US" dirty="0">
+                <a:hlinkClick r:id="rId3"/>
+              </a:rPr>
+              <a:t>https://www.youtube.com/watch?v=bJKUwGRgA0w</a:t>
+            </a:r>
+            <a:endParaRPr lang="en-US" dirty="0"/>
+          </a:p>
+          <a:p>
+            <a:endParaRPr lang="en-US" dirty="0"/>
+          </a:p>
+          <a:p>
+            <a:r>
+              <a:rPr lang="en-US" dirty="0"/>
+              <a:t>Blue 2 To Depot Front:</a:t>
+            </a:r>
+          </a:p>
+          <a:p>
+            <a:r>
+              <a:rPr lang="en-US" dirty="0">
+                <a:hlinkClick r:id="rId4"/>
+              </a:rPr>
+              <a:t>https://www.youtube.com/watch?v=PGxn4kQ0Uek</a:t>
+            </a:r>
+            <a:endParaRPr lang="en-US" dirty="0"/>
+          </a:p>
+        </p:txBody>
+      </p:sp>
+      <p:sp>
+        <p:nvSpPr>
+          <p:cNvPr id="4" name="Rectangle 3">
+            <a:extLst>
+              <a:ext uri="{FF2B5EF4-FFF2-40B4-BE49-F238E27FC236}">
+                <a16:creationId xmlns:a16="http://schemas.microsoft.com/office/drawing/2014/main" id="{5C84F44E-0421-40F0-B772-49D309B7DAD5}"/>
+              </a:ext>
+            </a:extLst>
+          </p:cNvPr>
+          <p:cNvSpPr/>
+          <p:nvPr/>
+        </p:nvSpPr>
+        <p:spPr>
+          <a:xfrm>
+            <a:off x="1659988" y="6239482"/>
+            <a:ext cx="9387422" cy="523220"/>
+          </a:xfrm>
+          <a:prstGeom prst="rect">
+            <a:avLst/>
+          </a:prstGeom>
+        </p:spPr>
+        <p:txBody>
+          <a:bodyPr wrap="square">
+            <a:spAutoFit/>
+          </a:bodyPr>
+          <a:lstStyle/>
+          <a:p>
+            <a:r>
+              <a:rPr lang="en-US" sz="2800" dirty="0"/>
+              <a:t>https://github.com/JimWright4089/FIRSTWorkshops</a:t>
+            </a:r>
+          </a:p>
+        </p:txBody>
+      </p:sp>
+    </p:spTree>
+    <p:extLst>
+      <p:ext uri="{BB962C8B-B14F-4D97-AF65-F5344CB8AC3E}">
+        <p14:creationId xmlns:p14="http://schemas.microsoft.com/office/powerpoint/2010/main" val="3090051038"/>
+      </p:ext>
+    </p:extLst>
+  </p:cSld>
+  <p:clrMapOvr>
+    <a:masterClrMapping/>
+  </p:clrMapOvr>
+</p:sld>
+</file>
+
+<file path=ppt/slides/slide17.xml><?xml version="1.0" encoding="utf-8"?>
+<p:sld xmlns:a="http://schemas.openxmlformats.org/drawingml/2006/main" xmlns:r="http://schemas.openxmlformats.org/officeDocument/2006/relationships" xmlns:p="http://schemas.openxmlformats.org/presentationml/2006/main">
+  <p:cSld>
+    <p:spTree>
+      <p:nvGrpSpPr>
+        <p:cNvPr id="1" name=""/>
+        <p:cNvGrpSpPr/>
+        <p:nvPr/>
+      </p:nvGrpSpPr>
+      <p:grpSpPr>
+        <a:xfrm>
+          <a:off x="0" y="0"/>
+          <a:ext cx="0" cy="0"/>
+          <a:chOff x="0" y="0"/>
+          <a:chExt cx="0" cy="0"/>
+        </a:xfrm>
+      </p:grpSpPr>
+      <p:sp>
+        <p:nvSpPr>
+          <p:cNvPr id="2" name="Title 1">
+            <a:extLst>
+              <a:ext uri="{FF2B5EF4-FFF2-40B4-BE49-F238E27FC236}">
+                <a16:creationId xmlns:a16="http://schemas.microsoft.com/office/drawing/2014/main" id="{1C4D0ADC-C24B-45E4-9ADC-9AB04A59FCE4}"/>
+              </a:ext>
+            </a:extLst>
+          </p:cNvPr>
+          <p:cNvSpPr>
+            <a:spLocks noGrp="1"/>
+          </p:cNvSpPr>
+          <p:nvPr>
+            <p:ph type="title"/>
+          </p:nvPr>
+        </p:nvSpPr>
+        <p:spPr/>
+        <p:txBody>
+          <a:bodyPr/>
+          <a:lstStyle/>
+          <a:p>
+            <a:r>
+              <a:rPr lang="en-US" dirty="0"/>
               <a:t>The </a:t>
             </a:r>
             <a:r>
@@ -7298,155 +7468,6 @@
 </p:sld>
 </file>
 
-<file path=ppt/slides/slide17.xml><?xml version="1.0" encoding="utf-8"?>
-<p:sld xmlns:a="http://schemas.openxmlformats.org/drawingml/2006/main" xmlns:r="http://schemas.openxmlformats.org/officeDocument/2006/relationships" xmlns:p="http://schemas.openxmlformats.org/presentationml/2006/main">
-  <p:cSld>
-    <p:spTree>
-      <p:nvGrpSpPr>
-        <p:cNvPr id="1" name=""/>
-        <p:cNvGrpSpPr/>
-        <p:nvPr/>
-      </p:nvGrpSpPr>
-      <p:grpSpPr>
-        <a:xfrm>
-          <a:off x="0" y="0"/>
-          <a:ext cx="0" cy="0"/>
-          <a:chOff x="0" y="0"/>
-          <a:chExt cx="0" cy="0"/>
-        </a:xfrm>
-      </p:grpSpPr>
-      <p:sp>
-        <p:nvSpPr>
-          <p:cNvPr id="2" name="Title 1">
-            <a:extLst>
-              <a:ext uri="{FF2B5EF4-FFF2-40B4-BE49-F238E27FC236}">
-                <a16:creationId xmlns:a16="http://schemas.microsoft.com/office/drawing/2014/main" id="{1C4D0ADC-C24B-45E4-9ADC-9AB04A59FCE4}"/>
-              </a:ext>
-            </a:extLst>
-          </p:cNvPr>
-          <p:cNvSpPr>
-            <a:spLocks noGrp="1"/>
-          </p:cNvSpPr>
-          <p:nvPr>
-            <p:ph type="title"/>
-          </p:nvPr>
-        </p:nvSpPr>
-        <p:spPr/>
-        <p:txBody>
-          <a:bodyPr/>
-          <a:lstStyle/>
-          <a:p>
-            <a:r>
-              <a:rPr lang="en-US" dirty="0"/>
-              <a:t>Pathfinder</a:t>
-            </a:r>
-          </a:p>
-        </p:txBody>
-      </p:sp>
-      <p:sp>
-        <p:nvSpPr>
-          <p:cNvPr id="3" name="Content Placeholder 2">
-            <a:extLst>
-              <a:ext uri="{FF2B5EF4-FFF2-40B4-BE49-F238E27FC236}">
-                <a16:creationId xmlns:a16="http://schemas.microsoft.com/office/drawing/2014/main" id="{90408834-0F7E-446D-B3D1-217CD142B1A3}"/>
-              </a:ext>
-            </a:extLst>
-          </p:cNvPr>
-          <p:cNvSpPr>
-            <a:spLocks noGrp="1"/>
-          </p:cNvSpPr>
-          <p:nvPr>
-            <p:ph idx="1"/>
-          </p:nvPr>
-        </p:nvSpPr>
-        <p:spPr/>
-        <p:txBody>
-          <a:bodyPr>
-            <a:normAutofit/>
-          </a:bodyPr>
-          <a:lstStyle/>
-          <a:p>
-            <a:r>
-              <a:rPr lang="en-US" dirty="0"/>
-              <a:t>You need to add it like a vendor library.</a:t>
-            </a:r>
-          </a:p>
-          <a:p>
-            <a:r>
-              <a:rPr lang="en-US" dirty="0"/>
-              <a:t>Like Cross the road.</a:t>
-            </a:r>
-          </a:p>
-          <a:p>
-            <a:r>
-              <a:rPr lang="en-US" dirty="0"/>
-              <a:t>Manage Vendor Library/Install new library (online)</a:t>
-            </a:r>
-          </a:p>
-          <a:p>
-            <a:r>
-              <a:rPr lang="en-US" dirty="0">
-                <a:hlinkClick r:id="rId2"/>
-              </a:rPr>
-              <a:t>https://dev.imjac.in/maven/jaci/pathfinder/PathfinderOLD-latest.json</a:t>
-            </a:r>
-            <a:endParaRPr lang="en-US" dirty="0"/>
-          </a:p>
-          <a:p>
-            <a:r>
-              <a:rPr lang="en-US" dirty="0"/>
-              <a:t>Copy that link into the URL box</a:t>
-            </a:r>
-          </a:p>
-        </p:txBody>
-      </p:sp>
-      <p:sp>
-        <p:nvSpPr>
-          <p:cNvPr id="4" name="Rectangle 3">
-            <a:extLst>
-              <a:ext uri="{FF2B5EF4-FFF2-40B4-BE49-F238E27FC236}">
-                <a16:creationId xmlns:a16="http://schemas.microsoft.com/office/drawing/2014/main" id="{5C84F44E-0421-40F0-B772-49D309B7DAD5}"/>
-              </a:ext>
-            </a:extLst>
-          </p:cNvPr>
-          <p:cNvSpPr/>
-          <p:nvPr/>
-        </p:nvSpPr>
-        <p:spPr>
-          <a:xfrm>
-            <a:off x="1659988" y="6239482"/>
-            <a:ext cx="9387422" cy="523220"/>
-          </a:xfrm>
-          <a:prstGeom prst="rect">
-            <a:avLst/>
-          </a:prstGeom>
-        </p:spPr>
-        <p:txBody>
-          <a:bodyPr wrap="square">
-            <a:spAutoFit/>
-          </a:bodyPr>
-          <a:lstStyle/>
-          <a:p>
-            <a:r>
-              <a:rPr lang="en-US" sz="2800" dirty="0"/>
-              <a:t>https://github.com/JimWright4089/FIRSTWorkshops</a:t>
-            </a:r>
-          </a:p>
-        </p:txBody>
-      </p:sp>
-    </p:spTree>
-    <p:extLst>
-      <p:ext uri="{BB962C8B-B14F-4D97-AF65-F5344CB8AC3E}">
-        <p14:creationId xmlns:p14="http://schemas.microsoft.com/office/powerpoint/2010/main" val="2976737082"/>
-      </p:ext>
-    </p:extLst>
-  </p:cSld>
-  <p:clrMapOvr>
-    <a:masterClrMapping/>
-  </p:clrMapOvr>
-</p:sld>
-</file>
-
 <file path=ppt/slides/slide18.xml><?xml version="1.0" encoding="utf-8"?>
 <p:sld xmlns:a="http://schemas.openxmlformats.org/drawingml/2006/main" xmlns:r="http://schemas.openxmlformats.org/officeDocument/2006/relationships" xmlns:p="http://schemas.openxmlformats.org/presentationml/2006/main">
   <p:cSld>
@@ -7494,6 +7515,63 @@
       </p:sp>
       <p:sp>
         <p:nvSpPr>
+          <p:cNvPr id="3" name="Content Placeholder 2">
+            <a:extLst>
+              <a:ext uri="{FF2B5EF4-FFF2-40B4-BE49-F238E27FC236}">
+                <a16:creationId xmlns:a16="http://schemas.microsoft.com/office/drawing/2014/main" id="{90408834-0F7E-446D-B3D1-217CD142B1A3}"/>
+              </a:ext>
+            </a:extLst>
+          </p:cNvPr>
+          <p:cNvSpPr>
+            <a:spLocks noGrp="1"/>
+          </p:cNvSpPr>
+          <p:nvPr>
+            <p:ph idx="1"/>
+          </p:nvPr>
+        </p:nvSpPr>
+        <p:spPr/>
+        <p:txBody>
+          <a:bodyPr>
+            <a:normAutofit/>
+          </a:bodyPr>
+          <a:lstStyle/>
+          <a:p>
+            <a:r>
+              <a:rPr lang="en-US" dirty="0"/>
+              <a:t>You need to add it like a vendor library.</a:t>
+            </a:r>
+          </a:p>
+          <a:p>
+            <a:r>
+              <a:rPr lang="en-US" dirty="0"/>
+              <a:t>Like Cross the road.</a:t>
+            </a:r>
+          </a:p>
+          <a:p>
+            <a:r>
+              <a:rPr lang="en-US" dirty="0"/>
+              <a:t>Manage Vendor Library/Install new library (online)</a:t>
+            </a:r>
+          </a:p>
+          <a:p>
+            <a:r>
+              <a:rPr lang="en-US" dirty="0">
+                <a:hlinkClick r:id="rId2"/>
+              </a:rPr>
+              <a:t>https://dev.imjac.in/maven/jaci/pathfinder/PathfinderOLD-latest.json</a:t>
+            </a:r>
+            <a:endParaRPr lang="en-US" dirty="0"/>
+          </a:p>
+          <a:p>
+            <a:r>
+              <a:rPr lang="en-US" dirty="0"/>
+              <a:t>Copy that link into the URL box</a:t>
+            </a:r>
+          </a:p>
+        </p:txBody>
+      </p:sp>
+      <p:sp>
+        <p:nvSpPr>
           <p:cNvPr id="4" name="Rectangle 3">
             <a:extLst>
               <a:ext uri="{FF2B5EF4-FFF2-40B4-BE49-F238E27FC236}">
@@ -7526,292 +7604,10 @@
           </a:p>
         </p:txBody>
       </p:sp>
-      <p:sp>
-        <p:nvSpPr>
-          <p:cNvPr id="3" name="Rectangle 2">
-            <a:extLst>
-              <a:ext uri="{FF2B5EF4-FFF2-40B4-BE49-F238E27FC236}">
-                <a16:creationId xmlns:a16="http://schemas.microsoft.com/office/drawing/2014/main" id="{E209D072-835F-4A2D-B279-F97FE7EA37F0}"/>
-              </a:ext>
-            </a:extLst>
-          </p:cNvPr>
-          <p:cNvSpPr/>
-          <p:nvPr/>
-        </p:nvSpPr>
-        <p:spPr>
-          <a:xfrm>
-            <a:off x="860612" y="4464909"/>
-            <a:ext cx="6096000" cy="1200329"/>
-          </a:xfrm>
-          <a:prstGeom prst="rect">
-            <a:avLst/>
-          </a:prstGeom>
-        </p:spPr>
-        <p:txBody>
-          <a:bodyPr>
-            <a:spAutoFit/>
-          </a:bodyPr>
-          <a:lstStyle/>
-          <a:p>
-            <a:endParaRPr lang="en-US" dirty="0"/>
-          </a:p>
-          <a:p>
-            <a:r>
-              <a:rPr lang="en-US" dirty="0"/>
-              <a:t>  public static Notifier </a:t>
-            </a:r>
-            <a:r>
-              <a:rPr lang="en-US" dirty="0" err="1"/>
-              <a:t>sFollowerNotifier</a:t>
-            </a:r>
-            <a:r>
-              <a:rPr lang="en-US" dirty="0"/>
-              <a:t>;</a:t>
-            </a:r>
-          </a:p>
-          <a:p>
-            <a:r>
-              <a:rPr lang="en-US" dirty="0"/>
-              <a:t>  public static </a:t>
-            </a:r>
-            <a:r>
-              <a:rPr lang="en-US" dirty="0" err="1"/>
-              <a:t>EncoderFollower</a:t>
-            </a:r>
-            <a:r>
-              <a:rPr lang="en-US" dirty="0"/>
-              <a:t> </a:t>
-            </a:r>
-            <a:r>
-              <a:rPr lang="en-US" dirty="0" err="1"/>
-              <a:t>sLeftFollower</a:t>
-            </a:r>
-            <a:r>
-              <a:rPr lang="en-US" dirty="0"/>
-              <a:t>;</a:t>
-            </a:r>
-          </a:p>
-          <a:p>
-            <a:r>
-              <a:rPr lang="en-US" dirty="0"/>
-              <a:t>  public static </a:t>
-            </a:r>
-            <a:r>
-              <a:rPr lang="en-US" dirty="0" err="1"/>
-              <a:t>EncoderFollower</a:t>
-            </a:r>
-            <a:r>
-              <a:rPr lang="en-US" dirty="0"/>
-              <a:t> </a:t>
-            </a:r>
-            <a:r>
-              <a:rPr lang="en-US" dirty="0" err="1"/>
-              <a:t>sRightFollower</a:t>
-            </a:r>
-            <a:r>
-              <a:rPr lang="en-US" dirty="0"/>
-              <a:t>;</a:t>
-            </a:r>
-          </a:p>
-        </p:txBody>
-      </p:sp>
-      <p:sp>
-        <p:nvSpPr>
-          <p:cNvPr id="5" name="Rectangle 4">
-            <a:extLst>
-              <a:ext uri="{FF2B5EF4-FFF2-40B4-BE49-F238E27FC236}">
-                <a16:creationId xmlns:a16="http://schemas.microsoft.com/office/drawing/2014/main" id="{F1191AC1-0676-4374-B567-CA1FBF79D1D4}"/>
-              </a:ext>
-            </a:extLst>
-          </p:cNvPr>
-          <p:cNvSpPr/>
-          <p:nvPr/>
-        </p:nvSpPr>
-        <p:spPr>
-          <a:xfrm>
-            <a:off x="860612" y="2987581"/>
-            <a:ext cx="8148918" cy="1477328"/>
-          </a:xfrm>
-          <a:prstGeom prst="rect">
-            <a:avLst/>
-          </a:prstGeom>
-        </p:spPr>
-        <p:txBody>
-          <a:bodyPr wrap="square">
-            <a:spAutoFit/>
-          </a:bodyPr>
-          <a:lstStyle/>
-          <a:p>
-            <a:r>
-              <a:rPr lang="en-US" dirty="0"/>
-              <a:t> // </a:t>
-            </a:r>
-            <a:r>
-              <a:rPr lang="en-US" dirty="0" err="1"/>
-              <a:t>Jaci's</a:t>
-            </a:r>
-            <a:r>
-              <a:rPr lang="en-US" dirty="0"/>
-              <a:t> Pathfinder</a:t>
-            </a:r>
-          </a:p>
-          <a:p>
-            <a:r>
-              <a:rPr lang="en-US" dirty="0"/>
-              <a:t>  public static final int </a:t>
-            </a:r>
-            <a:r>
-              <a:rPr lang="en-US" dirty="0" err="1"/>
-              <a:t>k_ticks_per_rev</a:t>
-            </a:r>
-            <a:r>
-              <a:rPr lang="en-US" dirty="0"/>
-              <a:t> = 4096;</a:t>
-            </a:r>
-          </a:p>
-          <a:p>
-            <a:r>
-              <a:rPr lang="en-US" dirty="0"/>
-              <a:t>  public static final double </a:t>
-            </a:r>
-            <a:r>
-              <a:rPr lang="en-US" dirty="0" err="1"/>
-              <a:t>k_wheel_diameter</a:t>
-            </a:r>
-            <a:r>
-              <a:rPr lang="en-US" dirty="0"/>
-              <a:t> = .5;</a:t>
-            </a:r>
-          </a:p>
-          <a:p>
-            <a:r>
-              <a:rPr lang="en-US" dirty="0"/>
-              <a:t>  public static final double </a:t>
-            </a:r>
-            <a:r>
-              <a:rPr lang="en-US" dirty="0" err="1"/>
-              <a:t>k_max_velocity</a:t>
-            </a:r>
-            <a:r>
-              <a:rPr lang="en-US" dirty="0"/>
-              <a:t> = 8;</a:t>
-            </a:r>
-          </a:p>
-          <a:p>
-            <a:r>
-              <a:rPr lang="en-US" dirty="0"/>
-              <a:t>  public static final String </a:t>
-            </a:r>
-            <a:r>
-              <a:rPr lang="en-US" dirty="0" err="1"/>
-              <a:t>k_path_name</a:t>
-            </a:r>
-            <a:r>
-              <a:rPr lang="en-US" dirty="0"/>
-              <a:t> = "</a:t>
-            </a:r>
-            <a:r>
-              <a:rPr lang="en-US" dirty="0" err="1"/>
-              <a:t>SimpleForward</a:t>
-            </a:r>
-            <a:r>
-              <a:rPr lang="en-US" dirty="0"/>
-              <a:t>";</a:t>
-            </a:r>
-          </a:p>
-        </p:txBody>
-      </p:sp>
-      <p:sp>
-        <p:nvSpPr>
-          <p:cNvPr id="6" name="Rectangle 5">
-            <a:extLst>
-              <a:ext uri="{FF2B5EF4-FFF2-40B4-BE49-F238E27FC236}">
-                <a16:creationId xmlns:a16="http://schemas.microsoft.com/office/drawing/2014/main" id="{BE966612-D652-45A9-B6D5-175E90A9A2B4}"/>
-              </a:ext>
-            </a:extLst>
-          </p:cNvPr>
-          <p:cNvSpPr/>
-          <p:nvPr/>
-        </p:nvSpPr>
-        <p:spPr>
-          <a:xfrm>
-            <a:off x="860612" y="1263206"/>
-            <a:ext cx="6096000" cy="1477328"/>
-          </a:xfrm>
-          <a:prstGeom prst="rect">
-            <a:avLst/>
-          </a:prstGeom>
-        </p:spPr>
-        <p:txBody>
-          <a:bodyPr>
-            <a:spAutoFit/>
-          </a:bodyPr>
-          <a:lstStyle/>
-          <a:p>
-            <a:endParaRPr lang="en-US" dirty="0"/>
-          </a:p>
-          <a:p>
-            <a:r>
-              <a:rPr lang="en-US" dirty="0"/>
-              <a:t>import </a:t>
-            </a:r>
-            <a:r>
-              <a:rPr lang="en-US" dirty="0" err="1"/>
-              <a:t>jaci.pathfinder.Pathfinder</a:t>
-            </a:r>
-            <a:r>
-              <a:rPr lang="en-US" dirty="0"/>
-              <a:t>;</a:t>
-            </a:r>
-          </a:p>
-          <a:p>
-            <a:r>
-              <a:rPr lang="en-US" dirty="0"/>
-              <a:t>import </a:t>
-            </a:r>
-            <a:r>
-              <a:rPr lang="en-US" dirty="0" err="1"/>
-              <a:t>jaci.pathfinder.PathfinderFRC</a:t>
-            </a:r>
-            <a:r>
-              <a:rPr lang="en-US" dirty="0"/>
-              <a:t>;</a:t>
-            </a:r>
-          </a:p>
-          <a:p>
-            <a:r>
-              <a:rPr lang="en-US" dirty="0"/>
-              <a:t>import </a:t>
-            </a:r>
-            <a:r>
-              <a:rPr lang="en-US" dirty="0" err="1"/>
-              <a:t>jaci.pathfinder.Trajectory</a:t>
-            </a:r>
-            <a:r>
-              <a:rPr lang="en-US" dirty="0"/>
-              <a:t>;</a:t>
-            </a:r>
-          </a:p>
-          <a:p>
-            <a:r>
-              <a:rPr lang="en-US" dirty="0"/>
-              <a:t>import </a:t>
-            </a:r>
-            <a:r>
-              <a:rPr lang="en-US" dirty="0" err="1"/>
-              <a:t>jaci.pathfinder.followers.EncoderFollower</a:t>
-            </a:r>
-            <a:r>
-              <a:rPr lang="en-US" dirty="0"/>
-              <a:t>;</a:t>
-            </a:r>
-          </a:p>
-        </p:txBody>
-      </p:sp>
     </p:spTree>
     <p:extLst>
       <p:ext uri="{BB962C8B-B14F-4D97-AF65-F5344CB8AC3E}">
-        <p14:creationId xmlns:p14="http://schemas.microsoft.com/office/powerpoint/2010/main" val="4108041539"/>
+        <p14:creationId xmlns:p14="http://schemas.microsoft.com/office/powerpoint/2010/main" val="2976737082"/>
       </p:ext>
     </p:extLst>
   </p:cSld>
@@ -7905,7 +7701,7 @@
           <p:cNvPr id="3" name="Rectangle 2">
             <a:extLst>
               <a:ext uri="{FF2B5EF4-FFF2-40B4-BE49-F238E27FC236}">
-                <a16:creationId xmlns:a16="http://schemas.microsoft.com/office/drawing/2014/main" id="{0986A001-DFD4-4127-8949-7E9F436E2F94}"/>
+                <a16:creationId xmlns:a16="http://schemas.microsoft.com/office/drawing/2014/main" id="{E209D072-835F-4A2D-B279-F97FE7EA37F0}"/>
               </a:ext>
             </a:extLst>
           </p:cNvPr>
@@ -7914,14 +7710,103 @@
         </p:nvSpPr>
         <p:spPr>
           <a:xfrm>
-            <a:off x="923365" y="1285198"/>
-            <a:ext cx="9260541" cy="4524315"/>
+            <a:off x="860612" y="4464909"/>
+            <a:ext cx="6096000" cy="1200329"/>
           </a:xfrm>
           <a:prstGeom prst="rect">
             <a:avLst/>
           </a:prstGeom>
         </p:spPr>
         <p:txBody>
+          <a:bodyPr>
+            <a:spAutoFit/>
+          </a:bodyPr>
+          <a:lstStyle/>
+          <a:p>
+            <a:endParaRPr lang="en-US" dirty="0"/>
+          </a:p>
+          <a:p>
+            <a:r>
+              <a:rPr lang="en-US" dirty="0"/>
+              <a:t>  public static Notifier </a:t>
+            </a:r>
+            <a:r>
+              <a:rPr lang="en-US" dirty="0" err="1"/>
+              <a:t>sFollowerNotifier</a:t>
+            </a:r>
+            <a:r>
+              <a:rPr lang="en-US" dirty="0"/>
+              <a:t>;</a:t>
+            </a:r>
+          </a:p>
+          <a:p>
+            <a:r>
+              <a:rPr lang="en-US" dirty="0"/>
+              <a:t>  public static </a:t>
+            </a:r>
+            <a:r>
+              <a:rPr lang="en-US" dirty="0" err="1"/>
+              <a:t>EncoderFollower</a:t>
+            </a:r>
+            <a:r>
+              <a:rPr lang="en-US" dirty="0"/>
+              <a:t> </a:t>
+            </a:r>
+            <a:r>
+              <a:rPr lang="en-US" dirty="0" err="1"/>
+              <a:t>sLeftFollower</a:t>
+            </a:r>
+            <a:r>
+              <a:rPr lang="en-US" dirty="0"/>
+              <a:t>;</a:t>
+            </a:r>
+          </a:p>
+          <a:p>
+            <a:r>
+              <a:rPr lang="en-US" dirty="0"/>
+              <a:t>  public static </a:t>
+            </a:r>
+            <a:r>
+              <a:rPr lang="en-US" dirty="0" err="1"/>
+              <a:t>EncoderFollower</a:t>
+            </a:r>
+            <a:r>
+              <a:rPr lang="en-US" dirty="0"/>
+              <a:t> </a:t>
+            </a:r>
+            <a:r>
+              <a:rPr lang="en-US" dirty="0" err="1"/>
+              <a:t>sRightFollower</a:t>
+            </a:r>
+            <a:r>
+              <a:rPr lang="en-US" dirty="0"/>
+              <a:t>;</a:t>
+            </a:r>
+          </a:p>
+        </p:txBody>
+      </p:sp>
+      <p:sp>
+        <p:nvSpPr>
+          <p:cNvPr id="5" name="Rectangle 4">
+            <a:extLst>
+              <a:ext uri="{FF2B5EF4-FFF2-40B4-BE49-F238E27FC236}">
+                <a16:creationId xmlns:a16="http://schemas.microsoft.com/office/drawing/2014/main" id="{F1191AC1-0676-4374-B567-CA1FBF79D1D4}"/>
+              </a:ext>
+            </a:extLst>
+          </p:cNvPr>
+          <p:cNvSpPr/>
+          <p:nvPr/>
+        </p:nvSpPr>
+        <p:spPr>
+          <a:xfrm>
+            <a:off x="860612" y="2987581"/>
+            <a:ext cx="8148918" cy="1477328"/>
+          </a:xfrm>
+          <a:prstGeom prst="rect">
+            <a:avLst/>
+          </a:prstGeom>
+        </p:spPr>
+        <p:txBody>
           <a:bodyPr wrap="square">
             <a:spAutoFit/>
           </a:bodyPr>
@@ -7929,214 +7814,166 @@
           <a:p>
             <a:r>
               <a:rPr lang="en-US" dirty="0"/>
-              <a:t> try</a:t>
-            </a:r>
-          </a:p>
-          <a:p>
-            <a:r>
-              <a:rPr lang="en-US" dirty="0"/>
-              <a:t>    {</a:t>
-            </a:r>
-          </a:p>
-          <a:p>
-            <a:r>
-              <a:rPr lang="en-US" dirty="0"/>
-              <a:t>      </a:t>
+              <a:t> // </a:t>
             </a:r>
             <a:r>
               <a:rPr lang="en-US" dirty="0" err="1"/>
-              <a:t>System.out.println</a:t>
-            </a:r>
-            <a:r>
-              <a:rPr lang="en-US" dirty="0"/>
-              <a:t>(name + ".left");</a:t>
-            </a:r>
-          </a:p>
-          <a:p>
-            <a:r>
-              <a:rPr lang="en-US" dirty="0"/>
-              <a:t>      </a:t>
+              <a:t>Jaci's</a:t>
+            </a:r>
+            <a:r>
+              <a:rPr lang="en-US" dirty="0"/>
+              <a:t> Pathfinder</a:t>
+            </a:r>
+          </a:p>
+          <a:p>
+            <a:r>
+              <a:rPr lang="en-US" dirty="0"/>
+              <a:t>  public static final int </a:t>
             </a:r>
             <a:r>
               <a:rPr lang="en-US" dirty="0" err="1"/>
-              <a:t>System.out.println</a:t>
-            </a:r>
-            <a:r>
-              <a:rPr lang="en-US" dirty="0"/>
-              <a:t>(name + ".right");</a:t>
-            </a:r>
-          </a:p>
-          <a:p>
-            <a:r>
-              <a:rPr lang="en-US" dirty="0"/>
-              <a:t>      Trajectory </a:t>
+              <a:t>k_ticks_per_rev</a:t>
+            </a:r>
+            <a:r>
+              <a:rPr lang="en-US" dirty="0"/>
+              <a:t> = 4096;</a:t>
+            </a:r>
+          </a:p>
+          <a:p>
+            <a:r>
+              <a:rPr lang="en-US" dirty="0"/>
+              <a:t>  public static final double </a:t>
             </a:r>
             <a:r>
               <a:rPr lang="en-US" dirty="0" err="1"/>
-              <a:t>left_trajectory</a:t>
-            </a:r>
-            <a:r>
-              <a:rPr lang="en-US" dirty="0"/>
-              <a:t> = </a:t>
+              <a:t>k_wheel_diameter</a:t>
+            </a:r>
+            <a:r>
+              <a:rPr lang="en-US" dirty="0"/>
+              <a:t> = .5;</a:t>
+            </a:r>
+          </a:p>
+          <a:p>
+            <a:r>
+              <a:rPr lang="en-US" dirty="0"/>
+              <a:t>  public static final double </a:t>
             </a:r>
             <a:r>
               <a:rPr lang="en-US" dirty="0" err="1"/>
-              <a:t>PathfinderFRC.getTrajectory</a:t>
-            </a:r>
-            <a:r>
-              <a:rPr lang="en-US" dirty="0"/>
-              <a:t>(name + ".left");</a:t>
-            </a:r>
-          </a:p>
-          <a:p>
-            <a:r>
-              <a:rPr lang="en-US" dirty="0"/>
-              <a:t>      Trajectory </a:t>
+              <a:t>k_max_velocity</a:t>
+            </a:r>
+            <a:r>
+              <a:rPr lang="en-US" dirty="0"/>
+              <a:t> = 8;</a:t>
+            </a:r>
+          </a:p>
+          <a:p>
+            <a:r>
+              <a:rPr lang="en-US" dirty="0"/>
+              <a:t>  public static final String </a:t>
             </a:r>
             <a:r>
               <a:rPr lang="en-US" dirty="0" err="1"/>
-              <a:t>right_trajectory</a:t>
-            </a:r>
-            <a:r>
-              <a:rPr lang="en-US" dirty="0"/>
-              <a:t> = </a:t>
+              <a:t>k_path_name</a:t>
+            </a:r>
+            <a:r>
+              <a:rPr lang="en-US" dirty="0"/>
+              <a:t> = "</a:t>
             </a:r>
             <a:r>
               <a:rPr lang="en-US" dirty="0" err="1"/>
-              <a:t>PathfinderFRC.getTrajectory</a:t>
-            </a:r>
-            <a:r>
-              <a:rPr lang="en-US" dirty="0"/>
-              <a:t>(name + ".right");</a:t>
-            </a:r>
-          </a:p>
-          <a:p>
-            <a:r>
-              <a:rPr lang="en-US" dirty="0"/>
-              <a:t>      </a:t>
+              <a:t>SimpleForward</a:t>
+            </a:r>
+            <a:r>
+              <a:rPr lang="en-US" dirty="0"/>
+              <a:t>";</a:t>
+            </a:r>
+          </a:p>
+        </p:txBody>
+      </p:sp>
+      <p:sp>
+        <p:nvSpPr>
+          <p:cNvPr id="6" name="Rectangle 5">
+            <a:extLst>
+              <a:ext uri="{FF2B5EF4-FFF2-40B4-BE49-F238E27FC236}">
+                <a16:creationId xmlns:a16="http://schemas.microsoft.com/office/drawing/2014/main" id="{BE966612-D652-45A9-B6D5-175E90A9A2B4}"/>
+              </a:ext>
+            </a:extLst>
+          </p:cNvPr>
+          <p:cNvSpPr/>
+          <p:nvPr/>
+        </p:nvSpPr>
+        <p:spPr>
+          <a:xfrm>
+            <a:off x="860612" y="1263206"/>
+            <a:ext cx="6096000" cy="1477328"/>
+          </a:xfrm>
+          <a:prstGeom prst="rect">
+            <a:avLst/>
+          </a:prstGeom>
+        </p:spPr>
+        <p:txBody>
+          <a:bodyPr>
+            <a:spAutoFit/>
+          </a:bodyPr>
+          <a:lstStyle/>
+          <a:p>
+            <a:endParaRPr lang="en-US" dirty="0"/>
+          </a:p>
+          <a:p>
+            <a:r>
+              <a:rPr lang="en-US" dirty="0"/>
+              <a:t>import </a:t>
             </a:r>
             <a:r>
               <a:rPr lang="en-US" dirty="0" err="1"/>
-              <a:t>RobotMap.sLeftFollower</a:t>
-            </a:r>
-            <a:r>
-              <a:rPr lang="en-US" dirty="0"/>
-              <a:t> = new </a:t>
+              <a:t>jaci.pathfinder.Pathfinder</a:t>
+            </a:r>
+            <a:r>
+              <a:rPr lang="en-US" dirty="0"/>
+              <a:t>;</a:t>
+            </a:r>
+          </a:p>
+          <a:p>
+            <a:r>
+              <a:rPr lang="en-US" dirty="0"/>
+              <a:t>import </a:t>
             </a:r>
             <a:r>
               <a:rPr lang="en-US" dirty="0" err="1"/>
-              <a:t>EncoderFollower</a:t>
-            </a:r>
-            <a:r>
-              <a:rPr lang="en-US" dirty="0"/>
-              <a:t>(</a:t>
+              <a:t>jaci.pathfinder.PathfinderFRC</a:t>
+            </a:r>
+            <a:r>
+              <a:rPr lang="en-US" dirty="0"/>
+              <a:t>;</a:t>
+            </a:r>
+          </a:p>
+          <a:p>
+            <a:r>
+              <a:rPr lang="en-US" dirty="0"/>
+              <a:t>import </a:t>
             </a:r>
             <a:r>
               <a:rPr lang="en-US" dirty="0" err="1"/>
-              <a:t>left_trajectory</a:t>
-            </a:r>
-            <a:r>
-              <a:rPr lang="en-US" dirty="0"/>
-              <a:t>);</a:t>
-            </a:r>
-          </a:p>
-          <a:p>
-            <a:r>
-              <a:rPr lang="en-US" dirty="0"/>
-              <a:t>      </a:t>
+              <a:t>jaci.pathfinder.Trajectory</a:t>
+            </a:r>
+            <a:r>
+              <a:rPr lang="en-US" dirty="0"/>
+              <a:t>;</a:t>
+            </a:r>
+          </a:p>
+          <a:p>
+            <a:r>
+              <a:rPr lang="en-US" dirty="0"/>
+              <a:t>import </a:t>
             </a:r>
             <a:r>
               <a:rPr lang="en-US" dirty="0" err="1"/>
-              <a:t>RobotMap.sRightFollower</a:t>
-            </a:r>
-            <a:r>
-              <a:rPr lang="en-US" dirty="0"/>
-              <a:t> = new </a:t>
-            </a:r>
-            <a:r>
-              <a:rPr lang="en-US" dirty="0" err="1"/>
-              <a:t>EncoderFollower</a:t>
-            </a:r>
-            <a:r>
-              <a:rPr lang="en-US" dirty="0"/>
-              <a:t>(</a:t>
-            </a:r>
-            <a:r>
-              <a:rPr lang="en-US" dirty="0" err="1"/>
-              <a:t>right_trajectory</a:t>
-            </a:r>
-            <a:r>
-              <a:rPr lang="en-US" dirty="0"/>
-              <a:t>);</a:t>
-            </a:r>
-          </a:p>
-          <a:p>
-            <a:endParaRPr lang="en-US" dirty="0"/>
-          </a:p>
-          <a:p>
-            <a:r>
-              <a:rPr lang="en-US" dirty="0"/>
-              <a:t>      &lt;Next Page&gt;</a:t>
-            </a:r>
-          </a:p>
-          <a:p>
-            <a:r>
-              <a:rPr lang="en-US" dirty="0"/>
-              <a:t>   </a:t>
-            </a:r>
-          </a:p>
-          <a:p>
-            <a:r>
-              <a:rPr lang="en-US" dirty="0"/>
-              <a:t>    }</a:t>
-            </a:r>
-          </a:p>
-          <a:p>
-            <a:r>
-              <a:rPr lang="en-US" dirty="0"/>
-              <a:t>    catch(Exception e)</a:t>
-            </a:r>
-          </a:p>
-          <a:p>
-            <a:r>
-              <a:rPr lang="en-US" dirty="0"/>
-              <a:t>    {</a:t>
-            </a:r>
-          </a:p>
-          <a:p>
-            <a:r>
-              <a:rPr lang="en-US" dirty="0"/>
-              <a:t>      </a:t>
-            </a:r>
-            <a:r>
-              <a:rPr lang="en-US" dirty="0" err="1"/>
-              <a:t>System.console</a:t>
-            </a:r>
-            <a:r>
-              <a:rPr lang="en-US" dirty="0"/>
-              <a:t>().</a:t>
-            </a:r>
-            <a:r>
-              <a:rPr lang="en-US" dirty="0" err="1"/>
-              <a:t>printf</a:t>
-            </a:r>
-            <a:r>
-              <a:rPr lang="en-US" dirty="0"/>
-              <a:t>(</a:t>
-            </a:r>
-            <a:r>
-              <a:rPr lang="en-US" dirty="0" err="1"/>
-              <a:t>e.toString</a:t>
-            </a:r>
-            <a:r>
-              <a:rPr lang="en-US" dirty="0"/>
-              <a:t>());</a:t>
-            </a:r>
-          </a:p>
-          <a:p>
-            <a:r>
-              <a:rPr lang="en-US" dirty="0"/>
-              <a:t>    }</a:t>
+              <a:t>jaci.pathfinder.followers.EncoderFollower</a:t>
+            </a:r>
+            <a:r>
+              <a:rPr lang="en-US" dirty="0"/>
+              <a:t>;</a:t>
             </a:r>
           </a:p>
         </p:txBody>
@@ -8144,7 +7981,7 @@
     </p:spTree>
     <p:extLst>
       <p:ext uri="{BB962C8B-B14F-4D97-AF65-F5344CB8AC3E}">
-        <p14:creationId xmlns:p14="http://schemas.microsoft.com/office/powerpoint/2010/main" val="182550279"/>
+        <p14:creationId xmlns:p14="http://schemas.microsoft.com/office/powerpoint/2010/main" val="4108041539"/>
       </p:ext>
     </p:extLst>
   </p:cSld>
@@ -8384,7 +8221,75 @@
           <a:p>
             <a:r>
               <a:rPr lang="en-US" dirty="0"/>
-              <a:t>Pathfinder</a:t>
+              <a:t>Pathfinder Tuning</a:t>
+            </a:r>
+          </a:p>
+        </p:txBody>
+      </p:sp>
+      <p:sp>
+        <p:nvSpPr>
+          <p:cNvPr id="3" name="Content Placeholder 2">
+            <a:extLst>
+              <a:ext uri="{FF2B5EF4-FFF2-40B4-BE49-F238E27FC236}">
+                <a16:creationId xmlns:a16="http://schemas.microsoft.com/office/drawing/2014/main" id="{90408834-0F7E-446D-B3D1-217CD142B1A3}"/>
+              </a:ext>
+            </a:extLst>
+          </p:cNvPr>
+          <p:cNvSpPr>
+            <a:spLocks noGrp="1"/>
+          </p:cNvSpPr>
+          <p:nvPr>
+            <p:ph idx="1"/>
+          </p:nvPr>
+        </p:nvSpPr>
+        <p:spPr/>
+        <p:txBody>
+          <a:bodyPr>
+            <a:normAutofit/>
+          </a:bodyPr>
+          <a:lstStyle/>
+          <a:p>
+            <a:r>
+              <a:rPr lang="en-US" dirty="0">
+                <a:hlinkClick r:id="rId2"/>
+              </a:rPr>
+              <a:t>https://www.youtube.com/watch?v=pt0w0oHRBEs</a:t>
+            </a:r>
+            <a:endParaRPr lang="en-US" dirty="0"/>
+          </a:p>
+          <a:p>
+            <a:r>
+              <a:rPr lang="en-US" dirty="0"/>
+              <a:t>Tuning will involve Velocity, and modifying the constants.</a:t>
+            </a:r>
+          </a:p>
+          <a:p>
+            <a:endParaRPr lang="en-US" dirty="0"/>
+          </a:p>
+          <a:p>
+            <a:r>
+              <a:rPr lang="en-US" dirty="0"/>
+              <a:t>The idea is repeatability.</a:t>
+            </a:r>
+          </a:p>
+          <a:p>
+            <a:r>
+              <a:rPr lang="en-US" dirty="0"/>
+              <a:t>The first path you create will need some </a:t>
+            </a:r>
+            <a:r>
+              <a:rPr lang="en-US" dirty="0" err="1"/>
+              <a:t>tweeking</a:t>
+            </a:r>
+            <a:r>
+              <a:rPr lang="en-US" dirty="0"/>
+              <a:t>.</a:t>
+            </a:r>
+          </a:p>
+          <a:p>
+            <a:r>
+              <a:rPr lang="en-US" dirty="0"/>
+              <a:t>Test on carpet if you can</a:t>
             </a:r>
           </a:p>
         </p:txBody>
@@ -8423,241 +8328,10 @@
           </a:p>
         </p:txBody>
       </p:sp>
-      <p:sp>
-        <p:nvSpPr>
-          <p:cNvPr id="5" name="Rectangle 4">
-            <a:extLst>
-              <a:ext uri="{FF2B5EF4-FFF2-40B4-BE49-F238E27FC236}">
-                <a16:creationId xmlns:a16="http://schemas.microsoft.com/office/drawing/2014/main" id="{52D512DA-2A42-46CA-8611-13B104D95A9F}"/>
-              </a:ext>
-            </a:extLst>
-          </p:cNvPr>
-          <p:cNvSpPr/>
-          <p:nvPr/>
-        </p:nvSpPr>
-        <p:spPr>
-          <a:xfrm>
-            <a:off x="488576" y="1305341"/>
-            <a:ext cx="11214847" cy="4247317"/>
-          </a:xfrm>
-          <a:prstGeom prst="rect">
-            <a:avLst/>
-          </a:prstGeom>
-        </p:spPr>
-        <p:txBody>
-          <a:bodyPr wrap="square">
-            <a:spAutoFit/>
-          </a:bodyPr>
-          <a:lstStyle/>
-          <a:p>
-            <a:endParaRPr lang="en-US" dirty="0"/>
-          </a:p>
-          <a:p>
-            <a:r>
-              <a:rPr lang="en-US" dirty="0"/>
-              <a:t>    </a:t>
-            </a:r>
-            <a:r>
-              <a:rPr lang="en-US" dirty="0" err="1"/>
-              <a:t>RobotMap.sLeftFollower.configureEncoder</a:t>
-            </a:r>
-            <a:r>
-              <a:rPr lang="en-US" dirty="0"/>
-              <a:t>(-1 *</a:t>
-            </a:r>
-            <a:r>
-              <a:rPr lang="en-US" dirty="0" err="1"/>
-              <a:t>RobotMap.sMotorLeftA.getSelectedSensorPosition</a:t>
-            </a:r>
-            <a:r>
-              <a:rPr lang="en-US" dirty="0"/>
-              <a:t>(0), </a:t>
-            </a:r>
-          </a:p>
-          <a:p>
-            <a:r>
-              <a:rPr lang="en-US" dirty="0"/>
-              <a:t>          </a:t>
-            </a:r>
-            <a:r>
-              <a:rPr lang="en-US" dirty="0" err="1"/>
-              <a:t>Constants.k_ticks_per_rev</a:t>
-            </a:r>
-            <a:r>
-              <a:rPr lang="en-US" dirty="0"/>
-              <a:t>, </a:t>
-            </a:r>
-            <a:r>
-              <a:rPr lang="en-US" dirty="0" err="1"/>
-              <a:t>Constants.k_wheel_diameter</a:t>
-            </a:r>
-            <a:r>
-              <a:rPr lang="en-US" dirty="0"/>
-              <a:t>);</a:t>
-            </a:r>
-          </a:p>
-          <a:p>
-            <a:r>
-              <a:rPr lang="en-US" dirty="0"/>
-              <a:t>      // You must tune the PID values on the following line!</a:t>
-            </a:r>
-          </a:p>
-          <a:p>
-            <a:r>
-              <a:rPr lang="en-US" dirty="0"/>
-              <a:t>      </a:t>
-            </a:r>
-            <a:r>
-              <a:rPr lang="en-US" dirty="0" err="1"/>
-              <a:t>RobotMap.sLeftFollower.configurePIDVA</a:t>
-            </a:r>
-            <a:r>
-              <a:rPr lang="en-US" dirty="0"/>
-              <a:t>(1.0, 0.0, 0.0, 1 / </a:t>
-            </a:r>
-            <a:r>
-              <a:rPr lang="en-US" dirty="0" err="1"/>
-              <a:t>Constants.k_max_velocity</a:t>
-            </a:r>
-            <a:r>
-              <a:rPr lang="en-US" dirty="0"/>
-              <a:t>, 0);</a:t>
-            </a:r>
-          </a:p>
-          <a:p>
-            <a:r>
-              <a:rPr lang="en-US" dirty="0"/>
-              <a:t>  </a:t>
-            </a:r>
-          </a:p>
-          <a:p>
-            <a:r>
-              <a:rPr lang="en-US" dirty="0"/>
-              <a:t>      </a:t>
-            </a:r>
-            <a:r>
-              <a:rPr lang="en-US" dirty="0" err="1"/>
-              <a:t>RobotMap.sRightFollower.configureEncoder</a:t>
-            </a:r>
-            <a:r>
-              <a:rPr lang="en-US" dirty="0"/>
-              <a:t>(-1 *</a:t>
-            </a:r>
-            <a:r>
-              <a:rPr lang="en-US" dirty="0" err="1"/>
-              <a:t>RobotMap.sMotorRightA.getSelectedSensorPosition</a:t>
-            </a:r>
-            <a:r>
-              <a:rPr lang="en-US" dirty="0"/>
-              <a:t>(0), </a:t>
-            </a:r>
-          </a:p>
-          <a:p>
-            <a:r>
-              <a:rPr lang="en-US" dirty="0"/>
-              <a:t>      </a:t>
-            </a:r>
-            <a:r>
-              <a:rPr lang="en-US" dirty="0" err="1"/>
-              <a:t>Constants.k_ticks_per_rev</a:t>
-            </a:r>
-            <a:r>
-              <a:rPr lang="en-US" dirty="0"/>
-              <a:t>, </a:t>
-            </a:r>
-            <a:r>
-              <a:rPr lang="en-US" dirty="0" err="1"/>
-              <a:t>Constants.k_wheel_diameter</a:t>
-            </a:r>
-            <a:r>
-              <a:rPr lang="en-US" dirty="0"/>
-              <a:t>);</a:t>
-            </a:r>
-          </a:p>
-          <a:p>
-            <a:r>
-              <a:rPr lang="en-US" dirty="0"/>
-              <a:t>      // You must tune the PID values on the following line!</a:t>
-            </a:r>
-          </a:p>
-          <a:p>
-            <a:r>
-              <a:rPr lang="en-US" dirty="0"/>
-              <a:t>      </a:t>
-            </a:r>
-            <a:r>
-              <a:rPr lang="en-US" dirty="0" err="1"/>
-              <a:t>RobotMap.sRightFollower.configurePIDVA</a:t>
-            </a:r>
-            <a:r>
-              <a:rPr lang="en-US" dirty="0"/>
-              <a:t>(1.0, 0.0, 0.0, 1 / </a:t>
-            </a:r>
-            <a:r>
-              <a:rPr lang="en-US" dirty="0" err="1"/>
-              <a:t>Constants.k_max_velocity</a:t>
-            </a:r>
-            <a:r>
-              <a:rPr lang="en-US" dirty="0"/>
-              <a:t>, 0);</a:t>
-            </a:r>
-          </a:p>
-          <a:p>
-            <a:r>
-              <a:rPr lang="en-US" dirty="0"/>
-              <a:t>      </a:t>
-            </a:r>
-          </a:p>
-          <a:p>
-            <a:r>
-              <a:rPr lang="en-US" dirty="0"/>
-              <a:t>      </a:t>
-            </a:r>
-            <a:r>
-              <a:rPr lang="en-US" dirty="0" err="1"/>
-              <a:t>RobotMap.sFollowerNotifier</a:t>
-            </a:r>
-            <a:r>
-              <a:rPr lang="en-US" dirty="0"/>
-              <a:t> = new Notifier(this::</a:t>
-            </a:r>
-            <a:r>
-              <a:rPr lang="en-US" dirty="0" err="1"/>
-              <a:t>followPath</a:t>
-            </a:r>
-            <a:r>
-              <a:rPr lang="en-US" dirty="0"/>
-              <a:t>);</a:t>
-            </a:r>
-          </a:p>
-          <a:p>
-            <a:r>
-              <a:rPr lang="en-US" dirty="0"/>
-              <a:t>      </a:t>
-            </a:r>
-            <a:r>
-              <a:rPr lang="en-US" dirty="0" err="1"/>
-              <a:t>RobotMap.sFollowerNotifier.startPeriodic</a:t>
-            </a:r>
-            <a:r>
-              <a:rPr lang="en-US" dirty="0"/>
-              <a:t>(</a:t>
-            </a:r>
-            <a:r>
-              <a:rPr lang="en-US" dirty="0" err="1"/>
-              <a:t>left_trajectory.get</a:t>
-            </a:r>
-            <a:r>
-              <a:rPr lang="en-US" dirty="0"/>
-              <a:t>(0).dt);</a:t>
-            </a:r>
-          </a:p>
-        </p:txBody>
-      </p:sp>
     </p:spTree>
     <p:extLst>
       <p:ext uri="{BB962C8B-B14F-4D97-AF65-F5344CB8AC3E}">
-        <p14:creationId xmlns:p14="http://schemas.microsoft.com/office/powerpoint/2010/main" val="492416119"/>
+        <p14:creationId xmlns:p14="http://schemas.microsoft.com/office/powerpoint/2010/main" val="1310270325"/>
       </p:ext>
     </p:extLst>
   </p:cSld>
@@ -8700,12 +8374,7 @@
             <p:ph type="title"/>
           </p:nvPr>
         </p:nvSpPr>
-        <p:spPr>
-          <a:xfrm>
-            <a:off x="5235388" y="452718"/>
-            <a:ext cx="4815446" cy="1400530"/>
-          </a:xfrm>
-        </p:spPr>
+        <p:spPr/>
         <p:txBody>
           <a:bodyPr/>
           <a:lstStyle/>
@@ -8756,7 +8425,7 @@
           <p:cNvPr id="3" name="Rectangle 2">
             <a:extLst>
               <a:ext uri="{FF2B5EF4-FFF2-40B4-BE49-F238E27FC236}">
-                <a16:creationId xmlns:a16="http://schemas.microsoft.com/office/drawing/2014/main" id="{7F5D2454-CBCA-41F5-B882-BDDB43597F83}"/>
+                <a16:creationId xmlns:a16="http://schemas.microsoft.com/office/drawing/2014/main" id="{0986A001-DFD4-4127-8949-7E9F436E2F94}"/>
               </a:ext>
             </a:extLst>
           </p:cNvPr>
@@ -8765,8 +8434,8 @@
         </p:nvSpPr>
         <p:spPr>
           <a:xfrm>
-            <a:off x="219635" y="452718"/>
-            <a:ext cx="11752730" cy="5909310"/>
+            <a:off x="923365" y="1285198"/>
+            <a:ext cx="9260541" cy="4524315"/>
           </a:xfrm>
           <a:prstGeom prst="rect">
             <a:avLst/>
@@ -8779,412 +8448,215 @@
           <a:lstStyle/>
           <a:p>
             <a:r>
-              <a:rPr lang="en-US" sz="1400" dirty="0"/>
-              <a:t> private void </a:t>
-            </a:r>
-            <a:r>
-              <a:rPr lang="en-US" sz="1400" dirty="0" err="1"/>
-              <a:t>followPath</a:t>
-            </a:r>
-            <a:r>
-              <a:rPr lang="en-US" sz="1400" dirty="0"/>
-              <a:t>() </a:t>
-            </a:r>
-          </a:p>
-          <a:p>
-            <a:r>
-              <a:rPr lang="en-US" sz="1400" dirty="0"/>
-              <a:t>  {</a:t>
-            </a:r>
-          </a:p>
-          <a:p>
-            <a:r>
-              <a:rPr lang="en-US" sz="1400" dirty="0"/>
-              <a:t>    if ((</a:t>
-            </a:r>
-            <a:r>
-              <a:rPr lang="en-US" sz="1400" dirty="0" err="1"/>
-              <a:t>isFinished</a:t>
-            </a:r>
-            <a:r>
-              <a:rPr lang="en-US" sz="1400" dirty="0"/>
-              <a:t>())||(false == </a:t>
-            </a:r>
-            <a:r>
-              <a:rPr lang="en-US" sz="1400" dirty="0" err="1"/>
-              <a:t>mRunLoop</a:t>
-            </a:r>
-            <a:r>
-              <a:rPr lang="en-US" sz="1400" dirty="0"/>
-              <a:t>)) </a:t>
-            </a:r>
-          </a:p>
-          <a:p>
-            <a:r>
-              <a:rPr lang="en-US" sz="1400" dirty="0"/>
+              <a:rPr lang="en-US" dirty="0"/>
+              <a:t> try</a:t>
+            </a:r>
+          </a:p>
+          <a:p>
+            <a:r>
+              <a:rPr lang="en-US" dirty="0"/>
               <a:t>    {</a:t>
             </a:r>
           </a:p>
           <a:p>
             <a:r>
-              <a:rPr lang="en-US" sz="1400" dirty="0"/>
-              <a:t>      // Stop the motors and stop the follower</a:t>
-            </a:r>
-          </a:p>
-          <a:p>
-            <a:r>
-              <a:rPr lang="en-US" sz="1400" dirty="0"/>
+              <a:rPr lang="en-US" dirty="0"/>
               <a:t>      </a:t>
             </a:r>
             <a:r>
-              <a:rPr lang="en-US" sz="1400" dirty="0" err="1"/>
-              <a:t>RobotMap.sFollowerNotifier.stop</a:t>
-            </a:r>
-            <a:r>
-              <a:rPr lang="en-US" sz="1400" dirty="0"/>
-              <a:t>();</a:t>
-            </a:r>
-          </a:p>
-          <a:p>
-            <a:r>
-              <a:rPr lang="en-US" sz="1400" dirty="0"/>
+              <a:rPr lang="en-US" dirty="0" err="1"/>
+              <a:t>System.out.println</a:t>
+            </a:r>
+            <a:r>
+              <a:rPr lang="en-US" dirty="0"/>
+              <a:t>(name + ".left");</a:t>
+            </a:r>
+          </a:p>
+          <a:p>
+            <a:r>
+              <a:rPr lang="en-US" dirty="0"/>
               <a:t>      </a:t>
             </a:r>
             <a:r>
-              <a:rPr lang="en-US" sz="1400" dirty="0" err="1"/>
-              <a:t>RobotMap.sMotorLeftA.set</a:t>
-            </a:r>
-            <a:r>
-              <a:rPr lang="en-US" sz="1400" dirty="0"/>
-              <a:t>(0);</a:t>
-            </a:r>
-          </a:p>
-          <a:p>
-            <a:r>
-              <a:rPr lang="en-US" sz="1400" dirty="0"/>
+              <a:rPr lang="en-US" dirty="0" err="1"/>
+              <a:t>System.out.println</a:t>
+            </a:r>
+            <a:r>
+              <a:rPr lang="en-US" dirty="0"/>
+              <a:t>(name + ".right");</a:t>
+            </a:r>
+          </a:p>
+          <a:p>
+            <a:r>
+              <a:rPr lang="en-US" dirty="0"/>
+              <a:t>      Trajectory </a:t>
+            </a:r>
+            <a:r>
+              <a:rPr lang="en-US" dirty="0" err="1"/>
+              <a:t>left_trajectory</a:t>
+            </a:r>
+            <a:r>
+              <a:rPr lang="en-US" dirty="0"/>
+              <a:t> = </a:t>
+            </a:r>
+            <a:r>
+              <a:rPr lang="en-US" dirty="0" err="1"/>
+              <a:t>PathfinderFRC.getTrajectory</a:t>
+            </a:r>
+            <a:r>
+              <a:rPr lang="en-US" dirty="0"/>
+              <a:t>(name + ".left");</a:t>
+            </a:r>
+          </a:p>
+          <a:p>
+            <a:r>
+              <a:rPr lang="en-US" dirty="0"/>
+              <a:t>      Trajectory </a:t>
+            </a:r>
+            <a:r>
+              <a:rPr lang="en-US" dirty="0" err="1"/>
+              <a:t>right_trajectory</a:t>
+            </a:r>
+            <a:r>
+              <a:rPr lang="en-US" dirty="0"/>
+              <a:t> = </a:t>
+            </a:r>
+            <a:r>
+              <a:rPr lang="en-US" dirty="0" err="1"/>
+              <a:t>PathfinderFRC.getTrajectory</a:t>
+            </a:r>
+            <a:r>
+              <a:rPr lang="en-US" dirty="0"/>
+              <a:t>(name + ".right");</a:t>
+            </a:r>
+          </a:p>
+          <a:p>
+            <a:r>
+              <a:rPr lang="en-US" dirty="0"/>
               <a:t>      </a:t>
             </a:r>
             <a:r>
-              <a:rPr lang="en-US" sz="1400" dirty="0" err="1"/>
-              <a:t>RobotMap.sMotorRightA.set</a:t>
-            </a:r>
-            <a:r>
-              <a:rPr lang="en-US" sz="1400" dirty="0"/>
-              <a:t>(0);</a:t>
-            </a:r>
-          </a:p>
-          <a:p>
-            <a:r>
-              <a:rPr lang="en-US" sz="1400" dirty="0"/>
-              <a:t>    } </a:t>
-            </a:r>
-          </a:p>
-          <a:p>
-            <a:r>
-              <a:rPr lang="en-US" sz="1400" dirty="0"/>
-              <a:t>    else </a:t>
-            </a:r>
-          </a:p>
-          <a:p>
-            <a:r>
-              <a:rPr lang="en-US" sz="1400" dirty="0"/>
+              <a:rPr lang="en-US" dirty="0" err="1"/>
+              <a:t>RobotMap.sLeftFollower</a:t>
+            </a:r>
+            <a:r>
+              <a:rPr lang="en-US" dirty="0"/>
+              <a:t> = new </a:t>
+            </a:r>
+            <a:r>
+              <a:rPr lang="en-US" dirty="0" err="1"/>
+              <a:t>EncoderFollower</a:t>
+            </a:r>
+            <a:r>
+              <a:rPr lang="en-US" dirty="0"/>
+              <a:t>(</a:t>
+            </a:r>
+            <a:r>
+              <a:rPr lang="en-US" dirty="0" err="1"/>
+              <a:t>left_trajectory</a:t>
+            </a:r>
+            <a:r>
+              <a:rPr lang="en-US" dirty="0"/>
+              <a:t>);</a:t>
+            </a:r>
+          </a:p>
+          <a:p>
+            <a:r>
+              <a:rPr lang="en-US" dirty="0"/>
+              <a:t>      </a:t>
+            </a:r>
+            <a:r>
+              <a:rPr lang="en-US" dirty="0" err="1"/>
+              <a:t>RobotMap.sRightFollower</a:t>
+            </a:r>
+            <a:r>
+              <a:rPr lang="en-US" dirty="0"/>
+              <a:t> = new </a:t>
+            </a:r>
+            <a:r>
+              <a:rPr lang="en-US" dirty="0" err="1"/>
+              <a:t>EncoderFollower</a:t>
+            </a:r>
+            <a:r>
+              <a:rPr lang="en-US" dirty="0"/>
+              <a:t>(</a:t>
+            </a:r>
+            <a:r>
+              <a:rPr lang="en-US" dirty="0" err="1"/>
+              <a:t>right_trajectory</a:t>
+            </a:r>
+            <a:r>
+              <a:rPr lang="en-US" dirty="0"/>
+              <a:t>);</a:t>
+            </a:r>
+          </a:p>
+          <a:p>
+            <a:endParaRPr lang="en-US" dirty="0"/>
+          </a:p>
+          <a:p>
+            <a:r>
+              <a:rPr lang="en-US" dirty="0"/>
+              <a:t>      &lt;Next Page&gt;</a:t>
+            </a:r>
+          </a:p>
+          <a:p>
+            <a:r>
+              <a:rPr lang="en-US" dirty="0"/>
+              <a:t>   </a:t>
+            </a:r>
+          </a:p>
+          <a:p>
+            <a:r>
+              <a:rPr lang="en-US" dirty="0"/>
+              <a:t>    }</a:t>
+            </a:r>
+          </a:p>
+          <a:p>
+            <a:r>
+              <a:rPr lang="en-US" dirty="0"/>
+              <a:t>    catch(Exception e)</a:t>
+            </a:r>
+          </a:p>
+          <a:p>
+            <a:r>
+              <a:rPr lang="en-US" dirty="0"/>
               <a:t>    {</a:t>
             </a:r>
           </a:p>
           <a:p>
             <a:r>
-              <a:rPr lang="en-US" sz="1400" dirty="0"/>
+              <a:rPr lang="en-US" dirty="0"/>
               <a:t>      </a:t>
             </a:r>
             <a:r>
-              <a:rPr lang="en-US" sz="1400" dirty="0" err="1"/>
-              <a:t>PigeonIMU.FusionStatus</a:t>
-            </a:r>
-            <a:r>
-              <a:rPr lang="en-US" sz="1400" dirty="0"/>
-              <a:t> </a:t>
-            </a:r>
-            <a:r>
-              <a:rPr lang="en-US" sz="1400" dirty="0" err="1"/>
-              <a:t>fusionStatus</a:t>
-            </a:r>
-            <a:r>
-              <a:rPr lang="en-US" sz="1400" dirty="0"/>
-              <a:t> = new </a:t>
-            </a:r>
-            <a:r>
-              <a:rPr lang="en-US" sz="1400" dirty="0" err="1"/>
-              <a:t>PigeonIMU.FusionStatus</a:t>
-            </a:r>
-            <a:r>
-              <a:rPr lang="en-US" sz="1400" dirty="0"/>
-              <a:t>();</a:t>
-            </a:r>
-          </a:p>
-          <a:p>
-            <a:r>
-              <a:rPr lang="en-US" sz="1400" dirty="0"/>
-              <a:t>      double[] </a:t>
-            </a:r>
-            <a:r>
-              <a:rPr lang="en-US" sz="1400" dirty="0" err="1"/>
-              <a:t>xyz_dps</a:t>
-            </a:r>
-            <a:r>
-              <a:rPr lang="en-US" sz="1400" dirty="0"/>
-              <a:t> = new double[3];</a:t>
-            </a:r>
-          </a:p>
-          <a:p>
-            <a:r>
-              <a:rPr lang="en-US" sz="1400" dirty="0"/>
-              <a:t>      </a:t>
-            </a:r>
-            <a:r>
-              <a:rPr lang="en-US" sz="1400" dirty="0" err="1"/>
-              <a:t>RobotMap.sPigeonIMU.getRawGyro</a:t>
-            </a:r>
-            <a:r>
-              <a:rPr lang="en-US" sz="1400" dirty="0"/>
+              <a:rPr lang="en-US" dirty="0" err="1"/>
+              <a:t>System.console</a:t>
+            </a:r>
+            <a:r>
+              <a:rPr lang="en-US" dirty="0"/>
+              <a:t>().</a:t>
+            </a:r>
+            <a:r>
+              <a:rPr lang="en-US" dirty="0" err="1"/>
+              <a:t>printf</a:t>
+            </a:r>
+            <a:r>
+              <a:rPr lang="en-US" dirty="0"/>
               <a:t>(</a:t>
             </a:r>
             <a:r>
-              <a:rPr lang="en-US" sz="1400" dirty="0" err="1"/>
-              <a:t>xyz_dps</a:t>
-            </a:r>
-            <a:r>
-              <a:rPr lang="en-US" sz="1400" dirty="0"/>
-              <a:t>);</a:t>
-            </a:r>
-          </a:p>
-          <a:p>
-            <a:r>
-              <a:rPr lang="en-US" sz="1400" dirty="0"/>
-              <a:t>      </a:t>
-            </a:r>
-            <a:r>
-              <a:rPr lang="en-US" sz="1400" dirty="0" err="1"/>
-              <a:t>RobotMap.sPigeonIMU.getFusedHeading</a:t>
-            </a:r>
-            <a:r>
-              <a:rPr lang="en-US" sz="1400" dirty="0"/>
-              <a:t>(</a:t>
-            </a:r>
-            <a:r>
-              <a:rPr lang="en-US" sz="1400" dirty="0" err="1"/>
-              <a:t>fusionStatus</a:t>
-            </a:r>
-            <a:r>
-              <a:rPr lang="en-US" sz="1400" dirty="0"/>
-              <a:t>);</a:t>
-            </a:r>
-          </a:p>
-          <a:p>
-            <a:r>
-              <a:rPr lang="en-US" sz="1400" dirty="0"/>
-              <a:t>  </a:t>
-            </a:r>
-          </a:p>
-          <a:p>
-            <a:r>
-              <a:rPr lang="en-US" sz="1400" dirty="0"/>
-              <a:t>      double </a:t>
-            </a:r>
-            <a:r>
-              <a:rPr lang="en-US" sz="1400" dirty="0" err="1"/>
-              <a:t>left_speed</a:t>
-            </a:r>
-            <a:r>
-              <a:rPr lang="en-US" sz="1400" dirty="0"/>
-              <a:t> = </a:t>
-            </a:r>
-            <a:r>
-              <a:rPr lang="en-US" sz="1400" dirty="0" err="1"/>
-              <a:t>RobotMap.sLeftFollower.calculate</a:t>
-            </a:r>
-            <a:r>
-              <a:rPr lang="en-US" sz="1400" dirty="0"/>
-              <a:t>(</a:t>
-            </a:r>
-            <a:r>
-              <a:rPr lang="en-US" sz="1400" dirty="0" err="1"/>
-              <a:t>RobotMap.sMotorLeftA.getSelectedSensorPosition</a:t>
-            </a:r>
-            <a:r>
-              <a:rPr lang="en-US" sz="1400" dirty="0"/>
-              <a:t>(0)*-1);</a:t>
-            </a:r>
-          </a:p>
-          <a:p>
-            <a:r>
-              <a:rPr lang="en-US" sz="1400" dirty="0"/>
-              <a:t>      double </a:t>
-            </a:r>
-            <a:r>
-              <a:rPr lang="en-US" sz="1400" dirty="0" err="1"/>
-              <a:t>right_speed</a:t>
-            </a:r>
-            <a:r>
-              <a:rPr lang="en-US" sz="1400" dirty="0"/>
-              <a:t> = </a:t>
-            </a:r>
-            <a:r>
-              <a:rPr lang="en-US" sz="1400" dirty="0" err="1"/>
-              <a:t>RobotMap.sRightFollower.calculate</a:t>
-            </a:r>
-            <a:r>
-              <a:rPr lang="en-US" sz="1400" dirty="0"/>
-              <a:t>(</a:t>
-            </a:r>
-            <a:r>
-              <a:rPr lang="en-US" sz="1400" dirty="0" err="1"/>
-              <a:t>RobotMap.sMotorRightA.getSelectedSensorPosition</a:t>
-            </a:r>
-            <a:r>
-              <a:rPr lang="en-US" sz="1400" dirty="0"/>
-              <a:t>(0)*-1);</a:t>
-            </a:r>
-          </a:p>
-          <a:p>
-            <a:r>
-              <a:rPr lang="en-US" sz="1400" dirty="0"/>
-              <a:t>      double heading = </a:t>
-            </a:r>
-            <a:r>
-              <a:rPr lang="en-US" sz="1400" dirty="0" err="1"/>
-              <a:t>fusionStatus.heading</a:t>
-            </a:r>
-            <a:r>
-              <a:rPr lang="en-US" sz="1400" dirty="0"/>
-              <a:t>*-1;</a:t>
-            </a:r>
-          </a:p>
-          <a:p>
-            <a:r>
-              <a:rPr lang="en-US" sz="1400" dirty="0"/>
-              <a:t>      double </a:t>
-            </a:r>
-            <a:r>
-              <a:rPr lang="en-US" sz="1400" dirty="0" err="1"/>
-              <a:t>desired_heading</a:t>
-            </a:r>
-            <a:r>
-              <a:rPr lang="en-US" sz="1400" dirty="0"/>
-              <a:t> = Pathfinder.r2d(</a:t>
-            </a:r>
-            <a:r>
-              <a:rPr lang="en-US" sz="1400" dirty="0" err="1"/>
-              <a:t>RobotMap.sLeftFollower.getHeading</a:t>
-            </a:r>
-            <a:r>
-              <a:rPr lang="en-US" sz="1400" dirty="0"/>
+              <a:rPr lang="en-US" dirty="0" err="1"/>
+              <a:t>e.toString</a:t>
+            </a:r>
+            <a:r>
+              <a:rPr lang="en-US" dirty="0"/>
               <a:t>());</a:t>
             </a:r>
           </a:p>
           <a:p>
             <a:r>
-              <a:rPr lang="en-US" sz="1400" dirty="0"/>
-              <a:t>      double </a:t>
-            </a:r>
-            <a:r>
-              <a:rPr lang="en-US" sz="1400" dirty="0" err="1"/>
-              <a:t>heading_difference</a:t>
-            </a:r>
-            <a:r>
-              <a:rPr lang="en-US" sz="1400" dirty="0"/>
-              <a:t> = </a:t>
-            </a:r>
-            <a:r>
-              <a:rPr lang="en-US" sz="1400" dirty="0" err="1"/>
-              <a:t>Pathfinder.boundHalfDegrees</a:t>
-            </a:r>
-            <a:r>
-              <a:rPr lang="en-US" sz="1400" dirty="0"/>
-              <a:t>(</a:t>
-            </a:r>
-            <a:r>
-              <a:rPr lang="en-US" sz="1400" dirty="0" err="1"/>
-              <a:t>desired_heading</a:t>
-            </a:r>
-            <a:r>
-              <a:rPr lang="en-US" sz="1400" dirty="0"/>
-              <a:t> - heading);</a:t>
-            </a:r>
-          </a:p>
-          <a:p>
-            <a:r>
-              <a:rPr lang="en-US" sz="1400" dirty="0"/>
-              <a:t>      double turn =  0.8 * (-1.0/80.0) * </a:t>
-            </a:r>
-            <a:r>
-              <a:rPr lang="en-US" sz="1400" dirty="0" err="1"/>
-              <a:t>heading_difference</a:t>
-            </a:r>
-            <a:r>
-              <a:rPr lang="en-US" sz="1400" dirty="0"/>
-              <a:t>;</a:t>
-            </a:r>
-          </a:p>
-          <a:p>
-            <a:r>
-              <a:rPr lang="en-US" sz="1400" dirty="0"/>
-              <a:t>      </a:t>
-            </a:r>
-          </a:p>
-          <a:p>
-            <a:r>
-              <a:rPr lang="en-US" sz="1400" dirty="0"/>
-              <a:t>      </a:t>
-            </a:r>
-            <a:r>
-              <a:rPr lang="en-US" sz="1400" dirty="0" err="1"/>
-              <a:t>RobotMap.sMotorLeftA.set</a:t>
-            </a:r>
-            <a:r>
-              <a:rPr lang="en-US" sz="1400" dirty="0"/>
-              <a:t>(-1*(</a:t>
-            </a:r>
-            <a:r>
-              <a:rPr lang="en-US" sz="1400" dirty="0" err="1"/>
-              <a:t>left_speed</a:t>
-            </a:r>
-            <a:r>
-              <a:rPr lang="en-US" sz="1400" dirty="0"/>
-              <a:t> + turn));</a:t>
-            </a:r>
-          </a:p>
-          <a:p>
-            <a:r>
-              <a:rPr lang="en-US" sz="1400" dirty="0"/>
-              <a:t>      </a:t>
-            </a:r>
-            <a:r>
-              <a:rPr lang="en-US" sz="1400" dirty="0" err="1"/>
-              <a:t>RobotMap.sMotorRightA.set</a:t>
-            </a:r>
-            <a:r>
-              <a:rPr lang="en-US" sz="1400" dirty="0"/>
-              <a:t>(-1*(</a:t>
-            </a:r>
-            <a:r>
-              <a:rPr lang="en-US" sz="1400" dirty="0" err="1"/>
-              <a:t>right_speed</a:t>
-            </a:r>
-            <a:r>
-              <a:rPr lang="en-US" sz="1400" dirty="0"/>
-              <a:t> - turn));</a:t>
-            </a:r>
-          </a:p>
-          <a:p>
-            <a:r>
-              <a:rPr lang="en-US" sz="1400" dirty="0"/>
+              <a:rPr lang="en-US" dirty="0"/>
               <a:t>    }</a:t>
-            </a:r>
-          </a:p>
-          <a:p>
-            <a:r>
-              <a:rPr lang="en-US" sz="1400" dirty="0"/>
-              <a:t>  }</a:t>
             </a:r>
           </a:p>
         </p:txBody>
@@ -9192,7 +8664,7 @@
     </p:spTree>
     <p:extLst>
       <p:ext uri="{BB962C8B-B14F-4D97-AF65-F5344CB8AC3E}">
-        <p14:creationId xmlns:p14="http://schemas.microsoft.com/office/powerpoint/2010/main" val="2572633791"/>
+        <p14:creationId xmlns:p14="http://schemas.microsoft.com/office/powerpoint/2010/main" val="182550279"/>
       </p:ext>
     </p:extLst>
   </p:cSld>
@@ -9242,7 +8714,7 @@
           <a:p>
             <a:r>
               <a:rPr lang="en-US" dirty="0"/>
-              <a:t>Pathfinder V2.0</a:t>
+              <a:t>Pathfinder</a:t>
             </a:r>
           </a:p>
         </p:txBody>
@@ -9283,10 +8755,10 @@
       </p:sp>
       <p:sp>
         <p:nvSpPr>
-          <p:cNvPr id="3" name="Rectangle 2">
+          <p:cNvPr id="5" name="Rectangle 4">
             <a:extLst>
               <a:ext uri="{FF2B5EF4-FFF2-40B4-BE49-F238E27FC236}">
-                <a16:creationId xmlns:a16="http://schemas.microsoft.com/office/drawing/2014/main" id="{0986A001-DFD4-4127-8949-7E9F436E2F94}"/>
+                <a16:creationId xmlns:a16="http://schemas.microsoft.com/office/drawing/2014/main" id="{52D512DA-2A42-46CA-8611-13B104D95A9F}"/>
               </a:ext>
             </a:extLst>
           </p:cNvPr>
@@ -9295,8 +8767,8 @@
         </p:nvSpPr>
         <p:spPr>
           <a:xfrm>
-            <a:off x="923365" y="1285198"/>
-            <a:ext cx="9260541" cy="4524315"/>
+            <a:off x="488576" y="1305341"/>
+            <a:ext cx="11214847" cy="4247317"/>
           </a:xfrm>
           <a:prstGeom prst="rect">
             <a:avLst/>
@@ -9308,15 +8780,56 @@
           </a:bodyPr>
           <a:lstStyle/>
           <a:p>
-            <a:r>
-              <a:rPr lang="en-US" dirty="0"/>
-              <a:t> try</a:t>
-            </a:r>
-          </a:p>
-          <a:p>
-            <a:r>
-              <a:rPr lang="en-US" dirty="0"/>
-              <a:t>    {</a:t>
+            <a:endParaRPr lang="en-US" dirty="0"/>
+          </a:p>
+          <a:p>
+            <a:r>
+              <a:rPr lang="en-US" dirty="0"/>
+              <a:t>    </a:t>
+            </a:r>
+            <a:r>
+              <a:rPr lang="en-US" dirty="0" err="1"/>
+              <a:t>RobotMap.sLeftFollower.configureEncoder</a:t>
+            </a:r>
+            <a:r>
+              <a:rPr lang="en-US" dirty="0"/>
+              <a:t>(-1 *</a:t>
+            </a:r>
+            <a:r>
+              <a:rPr lang="en-US" dirty="0" err="1"/>
+              <a:t>RobotMap.sMotorLeftA.getSelectedSensorPosition</a:t>
+            </a:r>
+            <a:r>
+              <a:rPr lang="en-US" dirty="0"/>
+              <a:t>(0), </a:t>
+            </a:r>
+          </a:p>
+          <a:p>
+            <a:r>
+              <a:rPr lang="en-US" dirty="0"/>
+              <a:t>          </a:t>
+            </a:r>
+            <a:r>
+              <a:rPr lang="en-US" dirty="0" err="1"/>
+              <a:t>Constants.k_ticks_per_rev</a:t>
+            </a:r>
+            <a:r>
+              <a:rPr lang="en-US" dirty="0"/>
+              <a:t>, </a:t>
+            </a:r>
+            <a:r>
+              <a:rPr lang="en-US" dirty="0" err="1"/>
+              <a:t>Constants.k_wheel_diameter</a:t>
+            </a:r>
+            <a:r>
+              <a:rPr lang="en-US" dirty="0"/>
+              <a:t>);</a:t>
+            </a:r>
+          </a:p>
+          <a:p>
+            <a:r>
+              <a:rPr lang="en-US" dirty="0"/>
+              <a:t>      // You must tune the PID values on the following line!</a:t>
             </a:r>
           </a:p>
           <a:p>
@@ -9326,11 +8839,25 @@
             </a:r>
             <a:r>
               <a:rPr lang="en-US" dirty="0" err="1"/>
-              <a:t>System.out.println</a:t>
-            </a:r>
-            <a:r>
-              <a:rPr lang="en-US" dirty="0"/>
-              <a:t>(name + ".left");</a:t>
+              <a:t>RobotMap.sLeftFollower.configurePIDVA</a:t>
+            </a:r>
+            <a:r>
+              <a:rPr lang="en-US" dirty="0"/>
+              <a:t>(1.0, 0.0, 0.0, 1 / </a:t>
+            </a:r>
+            <a:r>
+              <a:rPr lang="en-US" dirty="0" err="1"/>
+              <a:t>Constants.k_max_velocity</a:t>
+            </a:r>
+            <a:r>
+              <a:rPr lang="en-US" dirty="0"/>
+              <a:t>, 0);</a:t>
+            </a:r>
+          </a:p>
+          <a:p>
+            <a:r>
+              <a:rPr lang="en-US" dirty="0"/>
+              <a:t>  </a:t>
             </a:r>
           </a:p>
           <a:p>
@@ -9340,55 +8867,69 @@
             </a:r>
             <a:r>
               <a:rPr lang="en-US" dirty="0" err="1"/>
-              <a:t>System.out.println</a:t>
-            </a:r>
-            <a:r>
-              <a:rPr lang="en-US" dirty="0"/>
-              <a:t>(name + ".right");</a:t>
-            </a:r>
-          </a:p>
-          <a:p>
-            <a:r>
-              <a:rPr lang="en-US" dirty="0"/>
-              <a:t>      Trajectory </a:t>
+              <a:t>RobotMap.sRightFollower.configureEncoder</a:t>
+            </a:r>
+            <a:r>
+              <a:rPr lang="en-US" dirty="0"/>
+              <a:t>(-1 *</a:t>
             </a:r>
             <a:r>
               <a:rPr lang="en-US" dirty="0" err="1"/>
-              <a:t>left_trajectory</a:t>
-            </a:r>
-            <a:r>
-              <a:rPr lang="en-US" dirty="0"/>
-              <a:t> = </a:t>
+              <a:t>RobotMap.sMotorRightA.getSelectedSensorPosition</a:t>
+            </a:r>
+            <a:r>
+              <a:rPr lang="en-US" dirty="0"/>
+              <a:t>(0), </a:t>
+            </a:r>
+          </a:p>
+          <a:p>
+            <a:r>
+              <a:rPr lang="en-US" dirty="0"/>
+              <a:t>      </a:t>
             </a:r>
             <a:r>
               <a:rPr lang="en-US" dirty="0" err="1"/>
-              <a:t>PathfinderFRC.getTrajectory</a:t>
-            </a:r>
-            <a:r>
-              <a:rPr lang="en-US" dirty="0"/>
-              <a:t>(name + ".left");</a:t>
-            </a:r>
-          </a:p>
-          <a:p>
-            <a:r>
-              <a:rPr lang="en-US" dirty="0"/>
-              <a:t>      Trajectory </a:t>
+              <a:t>Constants.k_ticks_per_rev</a:t>
+            </a:r>
+            <a:r>
+              <a:rPr lang="en-US" dirty="0"/>
+              <a:t>, </a:t>
             </a:r>
             <a:r>
               <a:rPr lang="en-US" dirty="0" err="1"/>
-              <a:t>right_trajectory</a:t>
-            </a:r>
-            <a:r>
-              <a:rPr lang="en-US" dirty="0"/>
-              <a:t> = </a:t>
+              <a:t>Constants.k_wheel_diameter</a:t>
+            </a:r>
+            <a:r>
+              <a:rPr lang="en-US" dirty="0"/>
+              <a:t>);</a:t>
+            </a:r>
+          </a:p>
+          <a:p>
+            <a:r>
+              <a:rPr lang="en-US" dirty="0"/>
+              <a:t>      // You must tune the PID values on the following line!</a:t>
+            </a:r>
+          </a:p>
+          <a:p>
+            <a:r>
+              <a:rPr lang="en-US" dirty="0"/>
+              <a:t>      </a:t>
             </a:r>
             <a:r>
               <a:rPr lang="en-US" dirty="0" err="1"/>
-              <a:t>PathfinderFRC.getTrajectory</a:t>
-            </a:r>
-            <a:r>
-              <a:rPr lang="en-US" dirty="0"/>
-              <a:t>(name + ".right");</a:t>
+              <a:t>RobotMap.sRightFollower.configurePIDVA</a:t>
+            </a:r>
+            <a:r>
+              <a:rPr lang="en-US" dirty="0"/>
+              <a:t>(1.0, 0.0, 0.0, 1 / </a:t>
+            </a:r>
+            <a:r>
+              <a:rPr lang="en-US" dirty="0" err="1"/>
+              <a:t>Constants.k_max_velocity</a:t>
+            </a:r>
+            <a:r>
+              <a:rPr lang="en-US" dirty="0"/>
+              <a:t>, 0);</a:t>
             </a:r>
           </a:p>
           <a:p>
@@ -9396,17 +8937,37 @@
               <a:rPr lang="en-US" dirty="0"/>
               <a:t>      </a:t>
             </a:r>
+          </a:p>
+          <a:p>
+            <a:r>
+              <a:rPr lang="en-US" dirty="0"/>
+              <a:t>      </a:t>
+            </a:r>
             <a:r>
               <a:rPr lang="en-US" dirty="0" err="1"/>
-              <a:t>RobotMap.sLeftFollower</a:t>
-            </a:r>
-            <a:r>
-              <a:rPr lang="en-US" dirty="0"/>
-              <a:t> = new </a:t>
+              <a:t>RobotMap.sFollowerNotifier</a:t>
+            </a:r>
+            <a:r>
+              <a:rPr lang="en-US" dirty="0"/>
+              <a:t> = new Notifier(this::</a:t>
             </a:r>
             <a:r>
               <a:rPr lang="en-US" dirty="0" err="1"/>
-              <a:t>EncoderFollower</a:t>
+              <a:t>followPath</a:t>
+            </a:r>
+            <a:r>
+              <a:rPr lang="en-US" dirty="0"/>
+              <a:t>);</a:t>
+            </a:r>
+          </a:p>
+          <a:p>
+            <a:r>
+              <a:rPr lang="en-US" dirty="0"/>
+              <a:t>      </a:t>
+            </a:r>
+            <a:r>
+              <a:rPr lang="en-US" dirty="0" err="1"/>
+              <a:t>RobotMap.sFollowerNotifier.startPeriodic</a:t>
             </a:r>
             <a:r>
               <a:rPr lang="en-US" dirty="0"/>
@@ -9414,110 +8975,11 @@
             </a:r>
             <a:r>
               <a:rPr lang="en-US" dirty="0" err="1"/>
-              <a:t>left_trajectory</a:t>
-            </a:r>
-            <a:r>
-              <a:rPr lang="en-US" dirty="0"/>
-              <a:t>);</a:t>
-            </a:r>
-          </a:p>
-          <a:p>
-            <a:r>
-              <a:rPr lang="en-US" dirty="0"/>
-              <a:t>      </a:t>
-            </a:r>
-            <a:r>
-              <a:rPr lang="en-US" dirty="0" err="1"/>
-              <a:t>RobotMap.sRightFollower</a:t>
-            </a:r>
-            <a:r>
-              <a:rPr lang="en-US" dirty="0"/>
-              <a:t> = new </a:t>
-            </a:r>
-            <a:r>
-              <a:rPr lang="en-US" dirty="0" err="1"/>
-              <a:t>EncoderFollower</a:t>
-            </a:r>
-            <a:r>
-              <a:rPr lang="en-US" dirty="0"/>
-              <a:t>(</a:t>
-            </a:r>
-            <a:r>
-              <a:rPr lang="en-US" dirty="0" err="1"/>
-              <a:t>right_trajectory</a:t>
-            </a:r>
-            <a:r>
-              <a:rPr lang="en-US" dirty="0"/>
-              <a:t>);</a:t>
-            </a:r>
-          </a:p>
-          <a:p>
-            <a:endParaRPr lang="en-US" dirty="0"/>
-          </a:p>
-          <a:p>
-            <a:r>
-              <a:rPr lang="en-US" dirty="0"/>
-              <a:t>      &lt;Next Page&gt;</a:t>
-            </a:r>
-          </a:p>
-          <a:p>
-            <a:r>
-              <a:rPr lang="en-US" dirty="0"/>
-              <a:t>   </a:t>
-            </a:r>
-          </a:p>
-          <a:p>
-            <a:r>
-              <a:rPr lang="en-US" dirty="0"/>
-              <a:t>    }</a:t>
-            </a:r>
-          </a:p>
-          <a:p>
-            <a:r>
-              <a:rPr lang="en-US" dirty="0"/>
-              <a:t>    catch(Exception e)</a:t>
-            </a:r>
-          </a:p>
-          <a:p>
-            <a:r>
-              <a:rPr lang="en-US" dirty="0"/>
-              <a:t>    {</a:t>
-            </a:r>
-          </a:p>
-          <a:p>
-            <a:r>
-              <a:rPr lang="en-US" dirty="0"/>
-              <a:t>      </a:t>
-            </a:r>
-            <a:r>
-              <a:rPr lang="en-US" dirty="0" err="1"/>
-              <a:t>System.console</a:t>
-            </a:r>
-            <a:r>
-              <a:rPr lang="en-US" dirty="0"/>
-              <a:t>().</a:t>
-            </a:r>
-            <a:r>
-              <a:rPr lang="en-US" dirty="0" err="1"/>
-              <a:t>printf</a:t>
-            </a:r>
-            <a:r>
-              <a:rPr lang="en-US" dirty="0"/>
-              <a:t>(</a:t>
-            </a:r>
-            <a:r>
-              <a:rPr lang="en-US" dirty="0" err="1"/>
-              <a:t>e.toString</a:t>
-            </a:r>
-            <a:r>
-              <a:rPr lang="en-US" dirty="0"/>
-              <a:t>());</a:t>
-            </a:r>
-          </a:p>
-          <a:p>
-            <a:r>
-              <a:rPr lang="en-US" dirty="0"/>
-              <a:t>    }</a:t>
+              <a:t>left_trajectory.get</a:t>
+            </a:r>
+            <a:r>
+              <a:rPr lang="en-US" dirty="0"/>
+              <a:t>(0).dt);</a:t>
             </a:r>
           </a:p>
         </p:txBody>
@@ -9525,7 +8987,7 @@
     </p:spTree>
     <p:extLst>
       <p:ext uri="{BB962C8B-B14F-4D97-AF65-F5344CB8AC3E}">
-        <p14:creationId xmlns:p14="http://schemas.microsoft.com/office/powerpoint/2010/main" val="1126734668"/>
+        <p14:creationId xmlns:p14="http://schemas.microsoft.com/office/powerpoint/2010/main" val="492416119"/>
       </p:ext>
     </p:extLst>
   </p:cSld>
@@ -9568,6 +9030,1409 @@
             <p:ph type="title"/>
           </p:nvPr>
         </p:nvSpPr>
+        <p:spPr>
+          <a:xfrm>
+            <a:off x="5235388" y="452718"/>
+            <a:ext cx="4815446" cy="1400530"/>
+          </a:xfrm>
+        </p:spPr>
+        <p:txBody>
+          <a:bodyPr/>
+          <a:lstStyle/>
+          <a:p>
+            <a:r>
+              <a:rPr lang="en-US" dirty="0"/>
+              <a:t>Pathfinder</a:t>
+            </a:r>
+          </a:p>
+        </p:txBody>
+      </p:sp>
+      <p:sp>
+        <p:nvSpPr>
+          <p:cNvPr id="4" name="Rectangle 3">
+            <a:extLst>
+              <a:ext uri="{FF2B5EF4-FFF2-40B4-BE49-F238E27FC236}">
+                <a16:creationId xmlns:a16="http://schemas.microsoft.com/office/drawing/2014/main" id="{5C84F44E-0421-40F0-B772-49D309B7DAD5}"/>
+              </a:ext>
+            </a:extLst>
+          </p:cNvPr>
+          <p:cNvSpPr/>
+          <p:nvPr/>
+        </p:nvSpPr>
+        <p:spPr>
+          <a:xfrm>
+            <a:off x="1659988" y="6239482"/>
+            <a:ext cx="9387422" cy="523220"/>
+          </a:xfrm>
+          <a:prstGeom prst="rect">
+            <a:avLst/>
+          </a:prstGeom>
+        </p:spPr>
+        <p:txBody>
+          <a:bodyPr wrap="square">
+            <a:spAutoFit/>
+          </a:bodyPr>
+          <a:lstStyle/>
+          <a:p>
+            <a:r>
+              <a:rPr lang="en-US" sz="2800" dirty="0"/>
+              <a:t>https://github.com/JimWright4089/FIRSTWorkshops</a:t>
+            </a:r>
+          </a:p>
+        </p:txBody>
+      </p:sp>
+      <p:sp>
+        <p:nvSpPr>
+          <p:cNvPr id="3" name="Rectangle 2">
+            <a:extLst>
+              <a:ext uri="{FF2B5EF4-FFF2-40B4-BE49-F238E27FC236}">
+                <a16:creationId xmlns:a16="http://schemas.microsoft.com/office/drawing/2014/main" id="{7F5D2454-CBCA-41F5-B882-BDDB43597F83}"/>
+              </a:ext>
+            </a:extLst>
+          </p:cNvPr>
+          <p:cNvSpPr/>
+          <p:nvPr/>
+        </p:nvSpPr>
+        <p:spPr>
+          <a:xfrm>
+            <a:off x="219635" y="495972"/>
+            <a:ext cx="11752730" cy="5909310"/>
+          </a:xfrm>
+          <a:prstGeom prst="rect">
+            <a:avLst/>
+          </a:prstGeom>
+        </p:spPr>
+        <p:txBody>
+          <a:bodyPr wrap="square">
+            <a:spAutoFit/>
+          </a:bodyPr>
+          <a:lstStyle/>
+          <a:p>
+            <a:r>
+              <a:rPr lang="en-US" sz="1400" dirty="0"/>
+              <a:t> private void </a:t>
+            </a:r>
+            <a:r>
+              <a:rPr lang="en-US" sz="1400" dirty="0" err="1"/>
+              <a:t>followPath</a:t>
+            </a:r>
+            <a:r>
+              <a:rPr lang="en-US" sz="1400" dirty="0"/>
+              <a:t>() </a:t>
+            </a:r>
+          </a:p>
+          <a:p>
+            <a:r>
+              <a:rPr lang="en-US" sz="1400" dirty="0"/>
+              <a:t>  {</a:t>
+            </a:r>
+          </a:p>
+          <a:p>
+            <a:r>
+              <a:rPr lang="en-US" sz="1400" dirty="0"/>
+              <a:t>    if ((</a:t>
+            </a:r>
+            <a:r>
+              <a:rPr lang="en-US" sz="1400" dirty="0" err="1"/>
+              <a:t>isFinished</a:t>
+            </a:r>
+            <a:r>
+              <a:rPr lang="en-US" sz="1400" dirty="0"/>
+              <a:t>())||(false == </a:t>
+            </a:r>
+            <a:r>
+              <a:rPr lang="en-US" sz="1400" dirty="0" err="1"/>
+              <a:t>mRunLoop</a:t>
+            </a:r>
+            <a:r>
+              <a:rPr lang="en-US" sz="1400" dirty="0"/>
+              <a:t>)) </a:t>
+            </a:r>
+          </a:p>
+          <a:p>
+            <a:r>
+              <a:rPr lang="en-US" sz="1400" dirty="0"/>
+              <a:t>    {</a:t>
+            </a:r>
+          </a:p>
+          <a:p>
+            <a:r>
+              <a:rPr lang="en-US" sz="1400" dirty="0"/>
+              <a:t>      // Stop the motors and stop the follower</a:t>
+            </a:r>
+          </a:p>
+          <a:p>
+            <a:r>
+              <a:rPr lang="en-US" sz="1400" dirty="0"/>
+              <a:t>      </a:t>
+            </a:r>
+            <a:r>
+              <a:rPr lang="en-US" sz="1400" dirty="0" err="1"/>
+              <a:t>RobotMap.sFollowerNotifier.stop</a:t>
+            </a:r>
+            <a:r>
+              <a:rPr lang="en-US" sz="1400" dirty="0"/>
+              <a:t>();</a:t>
+            </a:r>
+          </a:p>
+          <a:p>
+            <a:r>
+              <a:rPr lang="en-US" sz="1400" dirty="0"/>
+              <a:t>      </a:t>
+            </a:r>
+            <a:r>
+              <a:rPr lang="en-US" sz="1400" dirty="0" err="1"/>
+              <a:t>RobotMap.sMotorLeftA.set</a:t>
+            </a:r>
+            <a:r>
+              <a:rPr lang="en-US" sz="1400" dirty="0"/>
+              <a:t>(0);</a:t>
+            </a:r>
+          </a:p>
+          <a:p>
+            <a:r>
+              <a:rPr lang="en-US" sz="1400" dirty="0"/>
+              <a:t>      </a:t>
+            </a:r>
+            <a:r>
+              <a:rPr lang="en-US" sz="1400" dirty="0" err="1"/>
+              <a:t>RobotMap.sMotorRightA.set</a:t>
+            </a:r>
+            <a:r>
+              <a:rPr lang="en-US" sz="1400" dirty="0"/>
+              <a:t>(0);</a:t>
+            </a:r>
+          </a:p>
+          <a:p>
+            <a:r>
+              <a:rPr lang="en-US" sz="1400" dirty="0"/>
+              <a:t>    } </a:t>
+            </a:r>
+          </a:p>
+          <a:p>
+            <a:r>
+              <a:rPr lang="en-US" sz="1400" dirty="0"/>
+              <a:t>    else </a:t>
+            </a:r>
+          </a:p>
+          <a:p>
+            <a:r>
+              <a:rPr lang="en-US" sz="1400" dirty="0"/>
+              <a:t>    {</a:t>
+            </a:r>
+          </a:p>
+          <a:p>
+            <a:r>
+              <a:rPr lang="en-US" sz="1400" dirty="0"/>
+              <a:t>      </a:t>
+            </a:r>
+            <a:r>
+              <a:rPr lang="en-US" sz="1400" dirty="0" err="1"/>
+              <a:t>PigeonIMU.FusionStatus</a:t>
+            </a:r>
+            <a:r>
+              <a:rPr lang="en-US" sz="1400" dirty="0"/>
+              <a:t> </a:t>
+            </a:r>
+            <a:r>
+              <a:rPr lang="en-US" sz="1400" dirty="0" err="1"/>
+              <a:t>fusionStatus</a:t>
+            </a:r>
+            <a:r>
+              <a:rPr lang="en-US" sz="1400" dirty="0"/>
+              <a:t> = new </a:t>
+            </a:r>
+            <a:r>
+              <a:rPr lang="en-US" sz="1400" dirty="0" err="1"/>
+              <a:t>PigeonIMU.FusionStatus</a:t>
+            </a:r>
+            <a:r>
+              <a:rPr lang="en-US" sz="1400" dirty="0"/>
+              <a:t>();</a:t>
+            </a:r>
+          </a:p>
+          <a:p>
+            <a:r>
+              <a:rPr lang="en-US" sz="1400" dirty="0"/>
+              <a:t>      double[] </a:t>
+            </a:r>
+            <a:r>
+              <a:rPr lang="en-US" sz="1400" dirty="0" err="1"/>
+              <a:t>xyz_dps</a:t>
+            </a:r>
+            <a:r>
+              <a:rPr lang="en-US" sz="1400" dirty="0"/>
+              <a:t> = new double[3];</a:t>
+            </a:r>
+          </a:p>
+          <a:p>
+            <a:r>
+              <a:rPr lang="en-US" sz="1400" dirty="0"/>
+              <a:t>      </a:t>
+            </a:r>
+            <a:r>
+              <a:rPr lang="en-US" sz="1400" dirty="0" err="1"/>
+              <a:t>RobotMap.sPigeonIMU.getRawGyro</a:t>
+            </a:r>
+            <a:r>
+              <a:rPr lang="en-US" sz="1400" dirty="0"/>
+              <a:t>(</a:t>
+            </a:r>
+            <a:r>
+              <a:rPr lang="en-US" sz="1400" dirty="0" err="1"/>
+              <a:t>xyz_dps</a:t>
+            </a:r>
+            <a:r>
+              <a:rPr lang="en-US" sz="1400" dirty="0"/>
+              <a:t>);</a:t>
+            </a:r>
+          </a:p>
+          <a:p>
+            <a:r>
+              <a:rPr lang="en-US" sz="1400" dirty="0"/>
+              <a:t>      </a:t>
+            </a:r>
+            <a:r>
+              <a:rPr lang="en-US" sz="1400" dirty="0" err="1"/>
+              <a:t>RobotMap.sPigeonIMU.getFusedHeading</a:t>
+            </a:r>
+            <a:r>
+              <a:rPr lang="en-US" sz="1400" dirty="0"/>
+              <a:t>(</a:t>
+            </a:r>
+            <a:r>
+              <a:rPr lang="en-US" sz="1400" dirty="0" err="1"/>
+              <a:t>fusionStatus</a:t>
+            </a:r>
+            <a:r>
+              <a:rPr lang="en-US" sz="1400" dirty="0"/>
+              <a:t>);</a:t>
+            </a:r>
+          </a:p>
+          <a:p>
+            <a:r>
+              <a:rPr lang="en-US" sz="1400" dirty="0"/>
+              <a:t>  </a:t>
+            </a:r>
+          </a:p>
+          <a:p>
+            <a:r>
+              <a:rPr lang="en-US" sz="1400" dirty="0"/>
+              <a:t>      double </a:t>
+            </a:r>
+            <a:r>
+              <a:rPr lang="en-US" sz="1400" dirty="0" err="1"/>
+              <a:t>left_speed</a:t>
+            </a:r>
+            <a:r>
+              <a:rPr lang="en-US" sz="1400" dirty="0"/>
+              <a:t> = </a:t>
+            </a:r>
+            <a:r>
+              <a:rPr lang="en-US" sz="1400" dirty="0" err="1"/>
+              <a:t>RobotMap.sLeftFollower.calculate</a:t>
+            </a:r>
+            <a:r>
+              <a:rPr lang="en-US" sz="1400" dirty="0"/>
+              <a:t>(</a:t>
+            </a:r>
+            <a:r>
+              <a:rPr lang="en-US" sz="1400" dirty="0" err="1"/>
+              <a:t>RobotMap.sMotorLeftA.getSelectedSensorPosition</a:t>
+            </a:r>
+            <a:r>
+              <a:rPr lang="en-US" sz="1400" dirty="0"/>
+              <a:t>(0));</a:t>
+            </a:r>
+          </a:p>
+          <a:p>
+            <a:r>
+              <a:rPr lang="en-US" sz="1400" dirty="0"/>
+              <a:t>      double </a:t>
+            </a:r>
+            <a:r>
+              <a:rPr lang="en-US" sz="1400" dirty="0" err="1"/>
+              <a:t>right_speed</a:t>
+            </a:r>
+            <a:r>
+              <a:rPr lang="en-US" sz="1400" dirty="0"/>
+              <a:t> = </a:t>
+            </a:r>
+            <a:r>
+              <a:rPr lang="en-US" sz="1400" dirty="0" err="1"/>
+              <a:t>RobotMap.sRightFollower.calculate</a:t>
+            </a:r>
+            <a:r>
+              <a:rPr lang="en-US" sz="1400" dirty="0"/>
+              <a:t>(</a:t>
+            </a:r>
+            <a:r>
+              <a:rPr lang="en-US" sz="1400" dirty="0" err="1"/>
+              <a:t>RobotMap.sMotorRightA.getSelectedSensorPosition</a:t>
+            </a:r>
+            <a:r>
+              <a:rPr lang="en-US" sz="1400" dirty="0"/>
+              <a:t>(0));</a:t>
+            </a:r>
+          </a:p>
+          <a:p>
+            <a:r>
+              <a:rPr lang="en-US" sz="1400" dirty="0"/>
+              <a:t>      double heading = </a:t>
+            </a:r>
+            <a:r>
+              <a:rPr lang="en-US" sz="1400" dirty="0" err="1"/>
+              <a:t>fusionStatus.heading</a:t>
+            </a:r>
+            <a:r>
+              <a:rPr lang="en-US" sz="1400" dirty="0"/>
+              <a:t>*-1;</a:t>
+            </a:r>
+          </a:p>
+          <a:p>
+            <a:r>
+              <a:rPr lang="en-US" sz="1400" dirty="0"/>
+              <a:t>      double </a:t>
+            </a:r>
+            <a:r>
+              <a:rPr lang="en-US" sz="1400" dirty="0" err="1"/>
+              <a:t>desired_heading</a:t>
+            </a:r>
+            <a:r>
+              <a:rPr lang="en-US" sz="1400" dirty="0"/>
+              <a:t> = Pathfinder.r2d(</a:t>
+            </a:r>
+            <a:r>
+              <a:rPr lang="en-US" sz="1400" dirty="0" err="1"/>
+              <a:t>RobotMap.sLeftFollower.getHeading</a:t>
+            </a:r>
+            <a:r>
+              <a:rPr lang="en-US" sz="1400" dirty="0"/>
+              <a:t>());</a:t>
+            </a:r>
+          </a:p>
+          <a:p>
+            <a:r>
+              <a:rPr lang="en-US" sz="1400" dirty="0"/>
+              <a:t>      double </a:t>
+            </a:r>
+            <a:r>
+              <a:rPr lang="en-US" sz="1400" dirty="0" err="1"/>
+              <a:t>heading_difference</a:t>
+            </a:r>
+            <a:r>
+              <a:rPr lang="en-US" sz="1400" dirty="0"/>
+              <a:t> = </a:t>
+            </a:r>
+            <a:r>
+              <a:rPr lang="en-US" sz="1400" dirty="0" err="1"/>
+              <a:t>Pathfinder.boundHalfDegrees</a:t>
+            </a:r>
+            <a:r>
+              <a:rPr lang="en-US" sz="1400" dirty="0"/>
+              <a:t>(</a:t>
+            </a:r>
+            <a:r>
+              <a:rPr lang="en-US" sz="1400" dirty="0" err="1"/>
+              <a:t>desired_heading</a:t>
+            </a:r>
+            <a:r>
+              <a:rPr lang="en-US" sz="1400" dirty="0"/>
+              <a:t> - heading);</a:t>
+            </a:r>
+          </a:p>
+          <a:p>
+            <a:r>
+              <a:rPr lang="en-US" sz="1400" dirty="0"/>
+              <a:t>      double turn =  0.8 * (-1.0/80.0) * </a:t>
+            </a:r>
+            <a:r>
+              <a:rPr lang="en-US" sz="1400" dirty="0" err="1"/>
+              <a:t>heading_difference</a:t>
+            </a:r>
+            <a:r>
+              <a:rPr lang="en-US" sz="1400" dirty="0"/>
+              <a:t>;</a:t>
+            </a:r>
+          </a:p>
+          <a:p>
+            <a:r>
+              <a:rPr lang="en-US" sz="1400" dirty="0"/>
+              <a:t>      </a:t>
+            </a:r>
+          </a:p>
+          <a:p>
+            <a:r>
+              <a:rPr lang="en-US" sz="1400" dirty="0"/>
+              <a:t>      </a:t>
+            </a:r>
+            <a:r>
+              <a:rPr lang="en-US" sz="1400" dirty="0" err="1"/>
+              <a:t>RobotMap.sMotorLeftA.set</a:t>
+            </a:r>
+            <a:r>
+              <a:rPr lang="en-US" sz="1400" dirty="0"/>
+              <a:t>((</a:t>
+            </a:r>
+            <a:r>
+              <a:rPr lang="en-US" sz="1400" dirty="0" err="1"/>
+              <a:t>left_speed</a:t>
+            </a:r>
+            <a:r>
+              <a:rPr lang="en-US" sz="1400" dirty="0"/>
+              <a:t> + turn));</a:t>
+            </a:r>
+          </a:p>
+          <a:p>
+            <a:r>
+              <a:rPr lang="en-US" sz="1400" dirty="0"/>
+              <a:t>      </a:t>
+            </a:r>
+            <a:r>
+              <a:rPr lang="en-US" sz="1400" dirty="0" err="1"/>
+              <a:t>RobotMap.sMotorRightA.set</a:t>
+            </a:r>
+            <a:r>
+              <a:rPr lang="en-US" sz="1400" dirty="0"/>
+              <a:t>((</a:t>
+            </a:r>
+            <a:r>
+              <a:rPr lang="en-US" sz="1400" dirty="0" err="1"/>
+              <a:t>right_speed</a:t>
+            </a:r>
+            <a:r>
+              <a:rPr lang="en-US" sz="1400" dirty="0"/>
+              <a:t> - turn));</a:t>
+            </a:r>
+          </a:p>
+          <a:p>
+            <a:r>
+              <a:rPr lang="en-US" sz="1400" dirty="0"/>
+              <a:t>    }</a:t>
+            </a:r>
+          </a:p>
+          <a:p>
+            <a:r>
+              <a:rPr lang="en-US" sz="1400" dirty="0"/>
+              <a:t>  }</a:t>
+            </a:r>
+          </a:p>
+        </p:txBody>
+      </p:sp>
+    </p:spTree>
+    <p:extLst>
+      <p:ext uri="{BB962C8B-B14F-4D97-AF65-F5344CB8AC3E}">
+        <p14:creationId xmlns:p14="http://schemas.microsoft.com/office/powerpoint/2010/main" val="2572633791"/>
+      </p:ext>
+    </p:extLst>
+  </p:cSld>
+  <p:clrMapOvr>
+    <a:masterClrMapping/>
+  </p:clrMapOvr>
+</p:sld>
+</file>
+
+<file path=ppt/slides/slide24.xml><?xml version="1.0" encoding="utf-8"?>
+<p:sld xmlns:a="http://schemas.openxmlformats.org/drawingml/2006/main" xmlns:r="http://schemas.openxmlformats.org/officeDocument/2006/relationships" xmlns:p="http://schemas.openxmlformats.org/presentationml/2006/main">
+  <p:cSld>
+    <p:spTree>
+      <p:nvGrpSpPr>
+        <p:cNvPr id="1" name=""/>
+        <p:cNvGrpSpPr/>
+        <p:nvPr/>
+      </p:nvGrpSpPr>
+      <p:grpSpPr>
+        <a:xfrm>
+          <a:off x="0" y="0"/>
+          <a:ext cx="0" cy="0"/>
+          <a:chOff x="0" y="0"/>
+          <a:chExt cx="0" cy="0"/>
+        </a:xfrm>
+      </p:grpSpPr>
+      <p:sp>
+        <p:nvSpPr>
+          <p:cNvPr id="2" name="Title 1">
+            <a:extLst>
+              <a:ext uri="{FF2B5EF4-FFF2-40B4-BE49-F238E27FC236}">
+                <a16:creationId xmlns:a16="http://schemas.microsoft.com/office/drawing/2014/main" id="{1C4D0ADC-C24B-45E4-9ADC-9AB04A59FCE4}"/>
+              </a:ext>
+            </a:extLst>
+          </p:cNvPr>
+          <p:cNvSpPr>
+            <a:spLocks noGrp="1"/>
+          </p:cNvSpPr>
+          <p:nvPr>
+            <p:ph type="title"/>
+          </p:nvPr>
+        </p:nvSpPr>
+        <p:spPr>
+          <a:xfrm>
+            <a:off x="4365812" y="452718"/>
+            <a:ext cx="6051176" cy="1400530"/>
+          </a:xfrm>
+        </p:spPr>
+        <p:txBody>
+          <a:bodyPr/>
+          <a:lstStyle/>
+          <a:p>
+            <a:r>
+              <a:rPr lang="en-US" dirty="0"/>
+              <a:t>Pathfinder Backwards</a:t>
+            </a:r>
+          </a:p>
+        </p:txBody>
+      </p:sp>
+      <p:sp>
+        <p:nvSpPr>
+          <p:cNvPr id="4" name="Rectangle 3">
+            <a:extLst>
+              <a:ext uri="{FF2B5EF4-FFF2-40B4-BE49-F238E27FC236}">
+                <a16:creationId xmlns:a16="http://schemas.microsoft.com/office/drawing/2014/main" id="{5C84F44E-0421-40F0-B772-49D309B7DAD5}"/>
+              </a:ext>
+            </a:extLst>
+          </p:cNvPr>
+          <p:cNvSpPr/>
+          <p:nvPr/>
+        </p:nvSpPr>
+        <p:spPr>
+          <a:xfrm>
+            <a:off x="1659988" y="6239482"/>
+            <a:ext cx="9387422" cy="523220"/>
+          </a:xfrm>
+          <a:prstGeom prst="rect">
+            <a:avLst/>
+          </a:prstGeom>
+        </p:spPr>
+        <p:txBody>
+          <a:bodyPr wrap="square">
+            <a:spAutoFit/>
+          </a:bodyPr>
+          <a:lstStyle/>
+          <a:p>
+            <a:r>
+              <a:rPr lang="en-US" sz="2800" dirty="0"/>
+              <a:t>https://github.com/JimWright4089/FIRSTWorkshops</a:t>
+            </a:r>
+          </a:p>
+        </p:txBody>
+      </p:sp>
+      <p:sp>
+        <p:nvSpPr>
+          <p:cNvPr id="3" name="Rectangle 2">
+            <a:extLst>
+              <a:ext uri="{FF2B5EF4-FFF2-40B4-BE49-F238E27FC236}">
+                <a16:creationId xmlns:a16="http://schemas.microsoft.com/office/drawing/2014/main" id="{7F5D2454-CBCA-41F5-B882-BDDB43597F83}"/>
+              </a:ext>
+            </a:extLst>
+          </p:cNvPr>
+          <p:cNvSpPr/>
+          <p:nvPr/>
+        </p:nvSpPr>
+        <p:spPr>
+          <a:xfrm>
+            <a:off x="219635" y="591782"/>
+            <a:ext cx="11752730" cy="5909310"/>
+          </a:xfrm>
+          <a:prstGeom prst="rect">
+            <a:avLst/>
+          </a:prstGeom>
+        </p:spPr>
+        <p:txBody>
+          <a:bodyPr wrap="square">
+            <a:spAutoFit/>
+          </a:bodyPr>
+          <a:lstStyle/>
+          <a:p>
+            <a:r>
+              <a:rPr lang="en-US" sz="1400" dirty="0"/>
+              <a:t> private void </a:t>
+            </a:r>
+            <a:r>
+              <a:rPr lang="en-US" sz="1400" dirty="0" err="1"/>
+              <a:t>followPath</a:t>
+            </a:r>
+            <a:r>
+              <a:rPr lang="en-US" sz="1400" dirty="0"/>
+              <a:t>() </a:t>
+            </a:r>
+          </a:p>
+          <a:p>
+            <a:r>
+              <a:rPr lang="en-US" sz="1400" dirty="0"/>
+              <a:t>  {</a:t>
+            </a:r>
+          </a:p>
+          <a:p>
+            <a:r>
+              <a:rPr lang="en-US" sz="1400" dirty="0"/>
+              <a:t>    if ((</a:t>
+            </a:r>
+            <a:r>
+              <a:rPr lang="en-US" sz="1400" dirty="0" err="1"/>
+              <a:t>isFinished</a:t>
+            </a:r>
+            <a:r>
+              <a:rPr lang="en-US" sz="1400" dirty="0"/>
+              <a:t>())||(false == </a:t>
+            </a:r>
+            <a:r>
+              <a:rPr lang="en-US" sz="1400" dirty="0" err="1"/>
+              <a:t>mRunLoop</a:t>
+            </a:r>
+            <a:r>
+              <a:rPr lang="en-US" sz="1400" dirty="0"/>
+              <a:t>)) </a:t>
+            </a:r>
+          </a:p>
+          <a:p>
+            <a:r>
+              <a:rPr lang="en-US" sz="1400" dirty="0"/>
+              <a:t>    {</a:t>
+            </a:r>
+          </a:p>
+          <a:p>
+            <a:r>
+              <a:rPr lang="en-US" sz="1400" dirty="0"/>
+              <a:t>      // Stop the motors and stop the follower</a:t>
+            </a:r>
+          </a:p>
+          <a:p>
+            <a:r>
+              <a:rPr lang="en-US" sz="1400" dirty="0"/>
+              <a:t>      </a:t>
+            </a:r>
+            <a:r>
+              <a:rPr lang="en-US" sz="1400" dirty="0" err="1"/>
+              <a:t>RobotMap.sFollowerNotifier.stop</a:t>
+            </a:r>
+            <a:r>
+              <a:rPr lang="en-US" sz="1400" dirty="0"/>
+              <a:t>();</a:t>
+            </a:r>
+          </a:p>
+          <a:p>
+            <a:r>
+              <a:rPr lang="en-US" sz="1400" dirty="0"/>
+              <a:t>      </a:t>
+            </a:r>
+            <a:r>
+              <a:rPr lang="en-US" sz="1400" dirty="0" err="1"/>
+              <a:t>RobotMap.sMotorLeftA.set</a:t>
+            </a:r>
+            <a:r>
+              <a:rPr lang="en-US" sz="1400" dirty="0"/>
+              <a:t>(0);</a:t>
+            </a:r>
+          </a:p>
+          <a:p>
+            <a:r>
+              <a:rPr lang="en-US" sz="1400" dirty="0"/>
+              <a:t>      </a:t>
+            </a:r>
+            <a:r>
+              <a:rPr lang="en-US" sz="1400" dirty="0" err="1"/>
+              <a:t>RobotMap.sMotorRightA.set</a:t>
+            </a:r>
+            <a:r>
+              <a:rPr lang="en-US" sz="1400" dirty="0"/>
+              <a:t>(0);</a:t>
+            </a:r>
+          </a:p>
+          <a:p>
+            <a:r>
+              <a:rPr lang="en-US" sz="1400" dirty="0"/>
+              <a:t>    } </a:t>
+            </a:r>
+          </a:p>
+          <a:p>
+            <a:r>
+              <a:rPr lang="en-US" sz="1400" dirty="0"/>
+              <a:t>    else </a:t>
+            </a:r>
+          </a:p>
+          <a:p>
+            <a:r>
+              <a:rPr lang="en-US" sz="1400" dirty="0"/>
+              <a:t>    {</a:t>
+            </a:r>
+          </a:p>
+          <a:p>
+            <a:r>
+              <a:rPr lang="en-US" sz="1400" dirty="0"/>
+              <a:t>      </a:t>
+            </a:r>
+            <a:r>
+              <a:rPr lang="en-US" sz="1400" dirty="0" err="1"/>
+              <a:t>PigeonIMU.FusionStatus</a:t>
+            </a:r>
+            <a:r>
+              <a:rPr lang="en-US" sz="1400" dirty="0"/>
+              <a:t> </a:t>
+            </a:r>
+            <a:r>
+              <a:rPr lang="en-US" sz="1400" dirty="0" err="1"/>
+              <a:t>fusionStatus</a:t>
+            </a:r>
+            <a:r>
+              <a:rPr lang="en-US" sz="1400" dirty="0"/>
+              <a:t> = new </a:t>
+            </a:r>
+            <a:r>
+              <a:rPr lang="en-US" sz="1400" dirty="0" err="1"/>
+              <a:t>PigeonIMU.FusionStatus</a:t>
+            </a:r>
+            <a:r>
+              <a:rPr lang="en-US" sz="1400" dirty="0"/>
+              <a:t>();</a:t>
+            </a:r>
+          </a:p>
+          <a:p>
+            <a:r>
+              <a:rPr lang="en-US" sz="1400" dirty="0"/>
+              <a:t>      double[] </a:t>
+            </a:r>
+            <a:r>
+              <a:rPr lang="en-US" sz="1400" dirty="0" err="1"/>
+              <a:t>xyz_dps</a:t>
+            </a:r>
+            <a:r>
+              <a:rPr lang="en-US" sz="1400" dirty="0"/>
+              <a:t> = new double[3];</a:t>
+            </a:r>
+          </a:p>
+          <a:p>
+            <a:r>
+              <a:rPr lang="en-US" sz="1400" dirty="0"/>
+              <a:t>      </a:t>
+            </a:r>
+            <a:r>
+              <a:rPr lang="en-US" sz="1400" dirty="0" err="1"/>
+              <a:t>RobotMap.sPigeonIMU.getRawGyro</a:t>
+            </a:r>
+            <a:r>
+              <a:rPr lang="en-US" sz="1400" dirty="0"/>
+              <a:t>(</a:t>
+            </a:r>
+            <a:r>
+              <a:rPr lang="en-US" sz="1400" dirty="0" err="1"/>
+              <a:t>xyz_dps</a:t>
+            </a:r>
+            <a:r>
+              <a:rPr lang="en-US" sz="1400" dirty="0"/>
+              <a:t>);</a:t>
+            </a:r>
+          </a:p>
+          <a:p>
+            <a:r>
+              <a:rPr lang="en-US" sz="1400" dirty="0"/>
+              <a:t>      </a:t>
+            </a:r>
+            <a:r>
+              <a:rPr lang="en-US" sz="1400" dirty="0" err="1"/>
+              <a:t>RobotMap.sPigeonIMU.getFusedHeading</a:t>
+            </a:r>
+            <a:r>
+              <a:rPr lang="en-US" sz="1400" dirty="0"/>
+              <a:t>(</a:t>
+            </a:r>
+            <a:r>
+              <a:rPr lang="en-US" sz="1400" dirty="0" err="1"/>
+              <a:t>fusionStatus</a:t>
+            </a:r>
+            <a:r>
+              <a:rPr lang="en-US" sz="1400" dirty="0"/>
+              <a:t>);</a:t>
+            </a:r>
+          </a:p>
+          <a:p>
+            <a:r>
+              <a:rPr lang="en-US" sz="1400" dirty="0"/>
+              <a:t>  </a:t>
+            </a:r>
+          </a:p>
+          <a:p>
+            <a:r>
+              <a:rPr lang="en-US" sz="1400" dirty="0"/>
+              <a:t>      double </a:t>
+            </a:r>
+            <a:r>
+              <a:rPr lang="en-US" sz="1400" dirty="0" err="1"/>
+              <a:t>left_speed</a:t>
+            </a:r>
+            <a:r>
+              <a:rPr lang="en-US" sz="1400" dirty="0"/>
+              <a:t> = </a:t>
+            </a:r>
+            <a:r>
+              <a:rPr lang="en-US" sz="1400" dirty="0" err="1"/>
+              <a:t>RobotMap.sLeftFollower.calculate</a:t>
+            </a:r>
+            <a:r>
+              <a:rPr lang="en-US" sz="1400" dirty="0"/>
+              <a:t>(</a:t>
+            </a:r>
+            <a:r>
+              <a:rPr lang="en-US" sz="1400" dirty="0" err="1"/>
+              <a:t>RobotMap.sMotorLeftA.getSelectedSensorPosition</a:t>
+            </a:r>
+            <a:r>
+              <a:rPr lang="en-US" sz="1400" dirty="0"/>
+              <a:t>(0)*-1);</a:t>
+            </a:r>
+          </a:p>
+          <a:p>
+            <a:r>
+              <a:rPr lang="en-US" sz="1400" dirty="0"/>
+              <a:t>      double </a:t>
+            </a:r>
+            <a:r>
+              <a:rPr lang="en-US" sz="1400" dirty="0" err="1"/>
+              <a:t>right_speed</a:t>
+            </a:r>
+            <a:r>
+              <a:rPr lang="en-US" sz="1400" dirty="0"/>
+              <a:t> = </a:t>
+            </a:r>
+            <a:r>
+              <a:rPr lang="en-US" sz="1400" dirty="0" err="1"/>
+              <a:t>RobotMap.sRightFollower.calculate</a:t>
+            </a:r>
+            <a:r>
+              <a:rPr lang="en-US" sz="1400" dirty="0"/>
+              <a:t>(</a:t>
+            </a:r>
+            <a:r>
+              <a:rPr lang="en-US" sz="1400" dirty="0" err="1"/>
+              <a:t>RobotMap.sMotorRightA.getSelectedSensorPosition</a:t>
+            </a:r>
+            <a:r>
+              <a:rPr lang="en-US" sz="1400" dirty="0"/>
+              <a:t>(0)*-1);</a:t>
+            </a:r>
+          </a:p>
+          <a:p>
+            <a:r>
+              <a:rPr lang="en-US" sz="1400" dirty="0"/>
+              <a:t>      double heading = </a:t>
+            </a:r>
+            <a:r>
+              <a:rPr lang="en-US" sz="1400" dirty="0" err="1"/>
+              <a:t>fusionStatus.heading</a:t>
+            </a:r>
+            <a:r>
+              <a:rPr lang="en-US" sz="1400" dirty="0"/>
+              <a:t>*-1;</a:t>
+            </a:r>
+          </a:p>
+          <a:p>
+            <a:r>
+              <a:rPr lang="en-US" sz="1400" dirty="0"/>
+              <a:t>      double </a:t>
+            </a:r>
+            <a:r>
+              <a:rPr lang="en-US" sz="1400" dirty="0" err="1"/>
+              <a:t>desired_heading</a:t>
+            </a:r>
+            <a:r>
+              <a:rPr lang="en-US" sz="1400" dirty="0"/>
+              <a:t> = Pathfinder.r2d(</a:t>
+            </a:r>
+            <a:r>
+              <a:rPr lang="en-US" sz="1400" dirty="0" err="1"/>
+              <a:t>RobotMap.sLeftFollower.getHeading</a:t>
+            </a:r>
+            <a:r>
+              <a:rPr lang="en-US" sz="1400" dirty="0"/>
+              <a:t>());</a:t>
+            </a:r>
+          </a:p>
+          <a:p>
+            <a:r>
+              <a:rPr lang="en-US" sz="1400" dirty="0"/>
+              <a:t>      double </a:t>
+            </a:r>
+            <a:r>
+              <a:rPr lang="en-US" sz="1400" dirty="0" err="1"/>
+              <a:t>heading_difference</a:t>
+            </a:r>
+            <a:r>
+              <a:rPr lang="en-US" sz="1400" dirty="0"/>
+              <a:t> = </a:t>
+            </a:r>
+            <a:r>
+              <a:rPr lang="en-US" sz="1400" dirty="0" err="1"/>
+              <a:t>Pathfinder.boundHalfDegrees</a:t>
+            </a:r>
+            <a:r>
+              <a:rPr lang="en-US" sz="1400" dirty="0"/>
+              <a:t>(</a:t>
+            </a:r>
+            <a:r>
+              <a:rPr lang="en-US" sz="1400" dirty="0" err="1"/>
+              <a:t>desired_heading</a:t>
+            </a:r>
+            <a:r>
+              <a:rPr lang="en-US" sz="1400" dirty="0"/>
+              <a:t> - heading);</a:t>
+            </a:r>
+          </a:p>
+          <a:p>
+            <a:r>
+              <a:rPr lang="en-US" sz="1400" dirty="0"/>
+              <a:t>      double turn =  0.8 * (-1.0/80.0) * </a:t>
+            </a:r>
+            <a:r>
+              <a:rPr lang="en-US" sz="1400" dirty="0" err="1"/>
+              <a:t>heading_difference</a:t>
+            </a:r>
+            <a:r>
+              <a:rPr lang="en-US" sz="1400" dirty="0"/>
+              <a:t>;</a:t>
+            </a:r>
+          </a:p>
+          <a:p>
+            <a:r>
+              <a:rPr lang="en-US" sz="1400" dirty="0"/>
+              <a:t>      </a:t>
+            </a:r>
+          </a:p>
+          <a:p>
+            <a:r>
+              <a:rPr lang="en-US" sz="1400" dirty="0"/>
+              <a:t>      </a:t>
+            </a:r>
+            <a:r>
+              <a:rPr lang="en-US" sz="1400" dirty="0" err="1"/>
+              <a:t>RobotMap.sMotorLeftA.set</a:t>
+            </a:r>
+            <a:r>
+              <a:rPr lang="en-US" sz="1400" dirty="0"/>
+              <a:t>(-1*(</a:t>
+            </a:r>
+            <a:r>
+              <a:rPr lang="en-US" sz="1400" dirty="0" err="1"/>
+              <a:t>left_speed</a:t>
+            </a:r>
+            <a:r>
+              <a:rPr lang="en-US" sz="1400" dirty="0"/>
+              <a:t> + turn));</a:t>
+            </a:r>
+          </a:p>
+          <a:p>
+            <a:r>
+              <a:rPr lang="en-US" sz="1400" dirty="0"/>
+              <a:t>      </a:t>
+            </a:r>
+            <a:r>
+              <a:rPr lang="en-US" sz="1400" dirty="0" err="1"/>
+              <a:t>RobotMap.sMotorRightA.set</a:t>
+            </a:r>
+            <a:r>
+              <a:rPr lang="en-US" sz="1400" dirty="0"/>
+              <a:t>(-1*(</a:t>
+            </a:r>
+            <a:r>
+              <a:rPr lang="en-US" sz="1400" dirty="0" err="1"/>
+              <a:t>right_speed</a:t>
+            </a:r>
+            <a:r>
+              <a:rPr lang="en-US" sz="1400" dirty="0"/>
+              <a:t> - turn));</a:t>
+            </a:r>
+          </a:p>
+          <a:p>
+            <a:r>
+              <a:rPr lang="en-US" sz="1400" dirty="0"/>
+              <a:t>    }</a:t>
+            </a:r>
+          </a:p>
+          <a:p>
+            <a:r>
+              <a:rPr lang="en-US" sz="1400" dirty="0"/>
+              <a:t>  }</a:t>
+            </a:r>
+          </a:p>
+        </p:txBody>
+      </p:sp>
+    </p:spTree>
+    <p:extLst>
+      <p:ext uri="{BB962C8B-B14F-4D97-AF65-F5344CB8AC3E}">
+        <p14:creationId xmlns:p14="http://schemas.microsoft.com/office/powerpoint/2010/main" val="3726879202"/>
+      </p:ext>
+    </p:extLst>
+  </p:cSld>
+  <p:clrMapOvr>
+    <a:masterClrMapping/>
+  </p:clrMapOvr>
+</p:sld>
+</file>
+
+<file path=ppt/slides/slide25.xml><?xml version="1.0" encoding="utf-8"?>
+<p:sld xmlns:a="http://schemas.openxmlformats.org/drawingml/2006/main" xmlns:r="http://schemas.openxmlformats.org/officeDocument/2006/relationships" xmlns:p="http://schemas.openxmlformats.org/presentationml/2006/main">
+  <p:cSld>
+    <p:spTree>
+      <p:nvGrpSpPr>
+        <p:cNvPr id="1" name=""/>
+        <p:cNvGrpSpPr/>
+        <p:nvPr/>
+      </p:nvGrpSpPr>
+      <p:grpSpPr>
+        <a:xfrm>
+          <a:off x="0" y="0"/>
+          <a:ext cx="0" cy="0"/>
+          <a:chOff x="0" y="0"/>
+          <a:chExt cx="0" cy="0"/>
+        </a:xfrm>
+      </p:grpSpPr>
+      <p:sp>
+        <p:nvSpPr>
+          <p:cNvPr id="2" name="Title 1">
+            <a:extLst>
+              <a:ext uri="{FF2B5EF4-FFF2-40B4-BE49-F238E27FC236}">
+                <a16:creationId xmlns:a16="http://schemas.microsoft.com/office/drawing/2014/main" id="{1C4D0ADC-C24B-45E4-9ADC-9AB04A59FCE4}"/>
+              </a:ext>
+            </a:extLst>
+          </p:cNvPr>
+          <p:cNvSpPr>
+            <a:spLocks noGrp="1"/>
+          </p:cNvSpPr>
+          <p:nvPr>
+            <p:ph type="title"/>
+          </p:nvPr>
+        </p:nvSpPr>
+        <p:spPr/>
+        <p:txBody>
+          <a:bodyPr/>
+          <a:lstStyle/>
+          <a:p>
+            <a:r>
+              <a:rPr lang="en-US" dirty="0"/>
+              <a:t>Pathfinder V2.0</a:t>
+            </a:r>
+          </a:p>
+        </p:txBody>
+      </p:sp>
+      <p:sp>
+        <p:nvSpPr>
+          <p:cNvPr id="4" name="Rectangle 3">
+            <a:extLst>
+              <a:ext uri="{FF2B5EF4-FFF2-40B4-BE49-F238E27FC236}">
+                <a16:creationId xmlns:a16="http://schemas.microsoft.com/office/drawing/2014/main" id="{5C84F44E-0421-40F0-B772-49D309B7DAD5}"/>
+              </a:ext>
+            </a:extLst>
+          </p:cNvPr>
+          <p:cNvSpPr/>
+          <p:nvPr/>
+        </p:nvSpPr>
+        <p:spPr>
+          <a:xfrm>
+            <a:off x="1659988" y="6239482"/>
+            <a:ext cx="9387422" cy="523220"/>
+          </a:xfrm>
+          <a:prstGeom prst="rect">
+            <a:avLst/>
+          </a:prstGeom>
+        </p:spPr>
+        <p:txBody>
+          <a:bodyPr wrap="square">
+            <a:spAutoFit/>
+          </a:bodyPr>
+          <a:lstStyle/>
+          <a:p>
+            <a:r>
+              <a:rPr lang="en-US" sz="2800" dirty="0"/>
+              <a:t>https://github.com/JimWright4089/FIRSTWorkshops</a:t>
+            </a:r>
+          </a:p>
+        </p:txBody>
+      </p:sp>
+      <p:sp>
+        <p:nvSpPr>
+          <p:cNvPr id="3" name="Rectangle 2">
+            <a:extLst>
+              <a:ext uri="{FF2B5EF4-FFF2-40B4-BE49-F238E27FC236}">
+                <a16:creationId xmlns:a16="http://schemas.microsoft.com/office/drawing/2014/main" id="{0986A001-DFD4-4127-8949-7E9F436E2F94}"/>
+              </a:ext>
+            </a:extLst>
+          </p:cNvPr>
+          <p:cNvSpPr/>
+          <p:nvPr/>
+        </p:nvSpPr>
+        <p:spPr>
+          <a:xfrm>
+            <a:off x="923365" y="1285198"/>
+            <a:ext cx="9260541" cy="4524315"/>
+          </a:xfrm>
+          <a:prstGeom prst="rect">
+            <a:avLst/>
+          </a:prstGeom>
+        </p:spPr>
+        <p:txBody>
+          <a:bodyPr wrap="square">
+            <a:spAutoFit/>
+          </a:bodyPr>
+          <a:lstStyle/>
+          <a:p>
+            <a:r>
+              <a:rPr lang="en-US" dirty="0"/>
+              <a:t> try</a:t>
+            </a:r>
+          </a:p>
+          <a:p>
+            <a:r>
+              <a:rPr lang="en-US" dirty="0"/>
+              <a:t>    {</a:t>
+            </a:r>
+          </a:p>
+          <a:p>
+            <a:r>
+              <a:rPr lang="en-US" dirty="0"/>
+              <a:t>      </a:t>
+            </a:r>
+            <a:r>
+              <a:rPr lang="en-US" dirty="0" err="1"/>
+              <a:t>System.out.println</a:t>
+            </a:r>
+            <a:r>
+              <a:rPr lang="en-US" dirty="0"/>
+              <a:t>(name + ".left");</a:t>
+            </a:r>
+          </a:p>
+          <a:p>
+            <a:r>
+              <a:rPr lang="en-US" dirty="0"/>
+              <a:t>      </a:t>
+            </a:r>
+            <a:r>
+              <a:rPr lang="en-US" dirty="0" err="1"/>
+              <a:t>System.out.println</a:t>
+            </a:r>
+            <a:r>
+              <a:rPr lang="en-US" dirty="0"/>
+              <a:t>(name + ".right");</a:t>
+            </a:r>
+          </a:p>
+          <a:p>
+            <a:r>
+              <a:rPr lang="en-US" dirty="0"/>
+              <a:t>      Trajectory </a:t>
+            </a:r>
+            <a:r>
+              <a:rPr lang="en-US" dirty="0" err="1"/>
+              <a:t>left_trajectory</a:t>
+            </a:r>
+            <a:r>
+              <a:rPr lang="en-US" dirty="0"/>
+              <a:t> = </a:t>
+            </a:r>
+            <a:r>
+              <a:rPr lang="en-US" dirty="0" err="1"/>
+              <a:t>PathfinderFRC.getTrajectory</a:t>
+            </a:r>
+            <a:r>
+              <a:rPr lang="en-US" dirty="0"/>
+              <a:t>(name + ".left");</a:t>
+            </a:r>
+          </a:p>
+          <a:p>
+            <a:r>
+              <a:rPr lang="en-US" dirty="0"/>
+              <a:t>      Trajectory </a:t>
+            </a:r>
+            <a:r>
+              <a:rPr lang="en-US" dirty="0" err="1"/>
+              <a:t>right_trajectory</a:t>
+            </a:r>
+            <a:r>
+              <a:rPr lang="en-US" dirty="0"/>
+              <a:t> = </a:t>
+            </a:r>
+            <a:r>
+              <a:rPr lang="en-US" dirty="0" err="1"/>
+              <a:t>PathfinderFRC.getTrajectory</a:t>
+            </a:r>
+            <a:r>
+              <a:rPr lang="en-US" dirty="0"/>
+              <a:t>(name + ".right");</a:t>
+            </a:r>
+          </a:p>
+          <a:p>
+            <a:r>
+              <a:rPr lang="en-US" dirty="0"/>
+              <a:t>      </a:t>
+            </a:r>
+            <a:r>
+              <a:rPr lang="en-US" dirty="0" err="1"/>
+              <a:t>RobotMap.sLeftFollower</a:t>
+            </a:r>
+            <a:r>
+              <a:rPr lang="en-US" dirty="0"/>
+              <a:t> = new </a:t>
+            </a:r>
+            <a:r>
+              <a:rPr lang="en-US" dirty="0" err="1"/>
+              <a:t>EncoderFollower</a:t>
+            </a:r>
+            <a:r>
+              <a:rPr lang="en-US" dirty="0"/>
+              <a:t>(</a:t>
+            </a:r>
+            <a:r>
+              <a:rPr lang="en-US" dirty="0" err="1"/>
+              <a:t>left_trajectory</a:t>
+            </a:r>
+            <a:r>
+              <a:rPr lang="en-US" dirty="0"/>
+              <a:t>);</a:t>
+            </a:r>
+          </a:p>
+          <a:p>
+            <a:r>
+              <a:rPr lang="en-US" dirty="0"/>
+              <a:t>      </a:t>
+            </a:r>
+            <a:r>
+              <a:rPr lang="en-US" dirty="0" err="1"/>
+              <a:t>RobotMap.sRightFollower</a:t>
+            </a:r>
+            <a:r>
+              <a:rPr lang="en-US" dirty="0"/>
+              <a:t> = new </a:t>
+            </a:r>
+            <a:r>
+              <a:rPr lang="en-US" dirty="0" err="1"/>
+              <a:t>EncoderFollower</a:t>
+            </a:r>
+            <a:r>
+              <a:rPr lang="en-US" dirty="0"/>
+              <a:t>(</a:t>
+            </a:r>
+            <a:r>
+              <a:rPr lang="en-US" dirty="0" err="1"/>
+              <a:t>right_trajectory</a:t>
+            </a:r>
+            <a:r>
+              <a:rPr lang="en-US" dirty="0"/>
+              <a:t>);</a:t>
+            </a:r>
+          </a:p>
+          <a:p>
+            <a:endParaRPr lang="en-US" dirty="0"/>
+          </a:p>
+          <a:p>
+            <a:r>
+              <a:rPr lang="en-US" dirty="0"/>
+              <a:t>      &lt;Next Page&gt;</a:t>
+            </a:r>
+          </a:p>
+          <a:p>
+            <a:r>
+              <a:rPr lang="en-US" dirty="0"/>
+              <a:t>   </a:t>
+            </a:r>
+          </a:p>
+          <a:p>
+            <a:r>
+              <a:rPr lang="en-US" dirty="0"/>
+              <a:t>    }</a:t>
+            </a:r>
+          </a:p>
+          <a:p>
+            <a:r>
+              <a:rPr lang="en-US" dirty="0"/>
+              <a:t>    catch(Exception e)</a:t>
+            </a:r>
+          </a:p>
+          <a:p>
+            <a:r>
+              <a:rPr lang="en-US" dirty="0"/>
+              <a:t>    {</a:t>
+            </a:r>
+          </a:p>
+          <a:p>
+            <a:r>
+              <a:rPr lang="en-US" dirty="0"/>
+              <a:t>      </a:t>
+            </a:r>
+            <a:r>
+              <a:rPr lang="en-US" dirty="0" err="1"/>
+              <a:t>System.console</a:t>
+            </a:r>
+            <a:r>
+              <a:rPr lang="en-US" dirty="0"/>
+              <a:t>().</a:t>
+            </a:r>
+            <a:r>
+              <a:rPr lang="en-US" dirty="0" err="1"/>
+              <a:t>printf</a:t>
+            </a:r>
+            <a:r>
+              <a:rPr lang="en-US" dirty="0"/>
+              <a:t>(</a:t>
+            </a:r>
+            <a:r>
+              <a:rPr lang="en-US" dirty="0" err="1"/>
+              <a:t>e.toString</a:t>
+            </a:r>
+            <a:r>
+              <a:rPr lang="en-US" dirty="0"/>
+              <a:t>());</a:t>
+            </a:r>
+          </a:p>
+          <a:p>
+            <a:r>
+              <a:rPr lang="en-US" dirty="0"/>
+              <a:t>    }</a:t>
+            </a:r>
+          </a:p>
+        </p:txBody>
+      </p:sp>
+    </p:spTree>
+    <p:extLst>
+      <p:ext uri="{BB962C8B-B14F-4D97-AF65-F5344CB8AC3E}">
+        <p14:creationId xmlns:p14="http://schemas.microsoft.com/office/powerpoint/2010/main" val="1126734668"/>
+      </p:ext>
+    </p:extLst>
+  </p:cSld>
+  <p:clrMapOvr>
+    <a:masterClrMapping/>
+  </p:clrMapOvr>
+</p:sld>
+</file>
+
+<file path=ppt/slides/slide26.xml><?xml version="1.0" encoding="utf-8"?>
+<p:sld xmlns:a="http://schemas.openxmlformats.org/drawingml/2006/main" xmlns:r="http://schemas.openxmlformats.org/officeDocument/2006/relationships" xmlns:p="http://schemas.openxmlformats.org/presentationml/2006/main">
+  <p:cSld>
+    <p:spTree>
+      <p:nvGrpSpPr>
+        <p:cNvPr id="1" name=""/>
+        <p:cNvGrpSpPr/>
+        <p:nvPr/>
+      </p:nvGrpSpPr>
+      <p:grpSpPr>
+        <a:xfrm>
+          <a:off x="0" y="0"/>
+          <a:ext cx="0" cy="0"/>
+          <a:chOff x="0" y="0"/>
+          <a:chExt cx="0" cy="0"/>
+        </a:xfrm>
+      </p:grpSpPr>
+      <p:sp>
+        <p:nvSpPr>
+          <p:cNvPr id="2" name="Title 1">
+            <a:extLst>
+              <a:ext uri="{FF2B5EF4-FFF2-40B4-BE49-F238E27FC236}">
+                <a16:creationId xmlns:a16="http://schemas.microsoft.com/office/drawing/2014/main" id="{1C4D0ADC-C24B-45E4-9ADC-9AB04A59FCE4}"/>
+              </a:ext>
+            </a:extLst>
+          </p:cNvPr>
+          <p:cNvSpPr>
+            <a:spLocks noGrp="1"/>
+          </p:cNvSpPr>
+          <p:nvPr>
+            <p:ph type="title"/>
+          </p:nvPr>
+        </p:nvSpPr>
         <p:spPr/>
         <p:txBody>
           <a:bodyPr/>
@@ -9701,7 +10566,7 @@
 </p:sld>
 </file>
 
-<file path=ppt/slides/slide24.xml><?xml version="1.0" encoding="utf-8"?>
+<file path=ppt/slides/slide27.xml><?xml version="1.0" encoding="utf-8"?>
 <p:sld xmlns:a="http://schemas.openxmlformats.org/drawingml/2006/main" xmlns:r="http://schemas.openxmlformats.org/officeDocument/2006/relationships" xmlns:p="http://schemas.openxmlformats.org/presentationml/2006/main">
   <p:cSld>
     <p:spTree>
